--- a/presentation/Análise de agrupamento de perfis de clientes de.pptx
+++ b/presentation/Análise de agrupamento de perfis de clientes de.pptx
@@ -12,12 +12,17 @@
     <p:sldId id="260" r:id="rId6"/>
     <p:sldId id="261" r:id="rId7"/>
     <p:sldId id="262" r:id="rId8"/>
-    <p:sldId id="267" r:id="rId9"/>
-    <p:sldId id="268" r:id="rId10"/>
-    <p:sldId id="263" r:id="rId11"/>
-    <p:sldId id="264" r:id="rId12"/>
-    <p:sldId id="265" r:id="rId13"/>
-    <p:sldId id="266" r:id="rId14"/>
+    <p:sldId id="273" r:id="rId9"/>
+    <p:sldId id="267" r:id="rId10"/>
+    <p:sldId id="268" r:id="rId11"/>
+    <p:sldId id="269" r:id="rId12"/>
+    <p:sldId id="270" r:id="rId13"/>
+    <p:sldId id="263" r:id="rId14"/>
+    <p:sldId id="264" r:id="rId15"/>
+    <p:sldId id="265" r:id="rId16"/>
+    <p:sldId id="266" r:id="rId17"/>
+    <p:sldId id="271" r:id="rId18"/>
+    <p:sldId id="272" r:id="rId19"/>
   </p:sldIdLst>
   <p:sldSz cx="12192000" cy="6858000"/>
   <p:notesSz cx="6858000" cy="9144000"/>
@@ -128,15 +133,23 @@
             <p14:sldId id="260"/>
             <p14:sldId id="261"/>
             <p14:sldId id="262"/>
+            <p14:sldId id="273"/>
             <p14:sldId id="267"/>
             <p14:sldId id="268"/>
+            <p14:sldId id="269"/>
+            <p14:sldId id="270"/>
             <p14:sldId id="263"/>
             <p14:sldId id="264"/>
             <p14:sldId id="265"/>
             <p14:sldId id="266"/>
+            <p14:sldId id="271"/>
+            <p14:sldId id="272"/>
           </p14:sldIdLst>
         </p14:section>
       </p14:sectionLst>
+    </p:ext>
+    <p:ext uri="{EFAFB233-063F-42B5-8137-9DF3F51BA10A}">
+      <p15:sldGuideLst xmlns:p15="http://schemas.microsoft.com/office/powerpoint/2012/main"/>
     </p:ext>
   </p:extLst>
 </p:presentation>
@@ -370,7 +383,7 @@
           <a:p>
             <a:fld id="{5A069CB8-F204-4D06-B913-C5A26A89888A}" type="datetimeFigureOut">
               <a:rPr lang="en-US" dirty="0"/>
-              <a:t>11/25/2017</a:t>
+              <a:t>11/26/2017</a:t>
             </a:fld>
             <a:endParaRPr lang="en-US" dirty="0"/>
           </a:p>
@@ -573,7 +586,7 @@
           <a:p>
             <a:fld id="{50B6E300-0A13-4A81-945A-7333C271A069}" type="datetimeFigureOut">
               <a:rPr lang="en-US" dirty="0"/>
-              <a:t>11/25/2017</a:t>
+              <a:t>11/26/2017</a:t>
             </a:fld>
             <a:endParaRPr lang="en-US" dirty="0"/>
           </a:p>
@@ -826,7 +839,7 @@
           <a:p>
             <a:fld id="{34671962-1EA4-46E7-BCB0-F36CE46D1A59}" type="datetimeFigureOut">
               <a:rPr lang="en-US" dirty="0"/>
-              <a:t>11/25/2017</a:t>
+              <a:t>11/26/2017</a:t>
             </a:fld>
             <a:endParaRPr lang="en-US" dirty="0"/>
           </a:p>
@@ -991,7 +1004,7 @@
           <a:p>
             <a:fld id="{D30BB376-B19C-488D-ABEB-03C7E6E9E3E0}" type="datetimeFigureOut">
               <a:rPr lang="en-US" dirty="0"/>
-              <a:t>11/25/2017</a:t>
+              <a:t>11/26/2017</a:t>
             </a:fld>
             <a:endParaRPr lang="en-US" dirty="0"/>
           </a:p>
@@ -1323,7 +1336,7 @@
           <a:p>
             <a:fld id="{486F077B-A50F-4D64-8574-E2D6A98A5553}" type="datetimeFigureOut">
               <a:rPr lang="en-US" dirty="0"/>
-              <a:t>11/25/2017</a:t>
+              <a:t>11/26/2017</a:t>
             </a:fld>
             <a:endParaRPr lang="en-US" dirty="0"/>
           </a:p>
@@ -1593,7 +1606,7 @@
           <a:p>
             <a:fld id="{7D9E2A62-1983-43A1-A163-D8AA46534C80}" type="datetimeFigureOut">
               <a:rPr lang="en-US" dirty="0"/>
-              <a:t>11/25/2017</a:t>
+              <a:t>11/26/2017</a:t>
             </a:fld>
             <a:endParaRPr lang="en-US" dirty="0"/>
           </a:p>
@@ -1967,7 +1980,7 @@
           <a:p>
             <a:fld id="{898F3E3B-34E3-4345-B2A1-994B83598A9C}" type="datetimeFigureOut">
               <a:rPr lang="en-US" dirty="0"/>
-              <a:t>11/25/2017</a:t>
+              <a:t>11/26/2017</a:t>
             </a:fld>
             <a:endParaRPr lang="en-US" dirty="0"/>
           </a:p>
@@ -2080,7 +2093,7 @@
           <a:p>
             <a:fld id="{FD816C96-82A1-4D77-8ADA-627AC6FE3D65}" type="datetimeFigureOut">
               <a:rPr lang="en-US" dirty="0"/>
-              <a:t>11/25/2017</a:t>
+              <a:t>11/26/2017</a:t>
             </a:fld>
             <a:endParaRPr lang="en-US" dirty="0"/>
           </a:p>
@@ -2248,7 +2261,7 @@
           <a:p>
             <a:fld id="{1D102C1E-28F2-47E9-802D-339E64E2F920}" type="datetimeFigureOut">
               <a:rPr lang="en-US" dirty="0"/>
-              <a:t>11/25/2017</a:t>
+              <a:t>11/26/2017</a:t>
             </a:fld>
             <a:endParaRPr lang="en-US" dirty="0"/>
           </a:p>
@@ -2600,7 +2613,7 @@
           <a:p>
             <a:fld id="{24271A48-F18A-45B3-BC05-1E27DA3F88AF}" type="datetimeFigureOut">
               <a:rPr lang="en-US" dirty="0"/>
-              <a:t>11/25/2017</a:t>
+              <a:t>11/26/2017</a:t>
             </a:fld>
             <a:endParaRPr lang="en-US" dirty="0"/>
           </a:p>
@@ -2975,7 +2988,7 @@
           <a:p>
             <a:fld id="{65B747F8-9654-4282-85D2-65F41AAE7A75}" type="datetimeFigureOut">
               <a:rPr lang="en-US" dirty="0"/>
-              <a:t>11/25/2017</a:t>
+              <a:t>11/26/2017</a:t>
             </a:fld>
             <a:endParaRPr lang="en-US" dirty="0"/>
           </a:p>
@@ -3259,7 +3272,7 @@
           <a:p>
             <a:fld id="{5DC5B261-8843-42D1-AAFC-05E20E2D9B97}" type="datetimeFigureOut">
               <a:rPr lang="en-US" dirty="0"/>
-              <a:t>11/25/2017</a:t>
+              <a:t>11/26/2017</a:t>
             </a:fld>
             <a:endParaRPr lang="en-US" dirty="0"/>
           </a:p>
@@ -3951,8 +3964,360 @@
           </a:p>
         </p:txBody>
       </p:sp>
-      <mc:AlternateContent xmlns:mc="http://schemas.openxmlformats.org/markup-compatibility/2006">
-        <mc:Choice xmlns:a14="http://schemas.microsoft.com/office/drawing/2010/main" Requires="a14">
+      <p:sp>
+        <p:nvSpPr>
+          <p:cNvPr id="3" name="Espaço Reservado para Conteúdo 2"/>
+          <p:cNvSpPr>
+            <a:spLocks noGrp="1"/>
+          </p:cNvSpPr>
+          <p:nvPr>
+            <p:ph idx="1"/>
+          </p:nvPr>
+        </p:nvSpPr>
+        <p:spPr>
+          <a:xfrm>
+            <a:off x="1097280" y="1845734"/>
+            <a:ext cx="5039909" cy="4023360"/>
+          </a:xfrm>
+        </p:spPr>
+        <p:txBody>
+          <a:bodyPr/>
+          <a:lstStyle/>
+          <a:p>
+            <a:endParaRPr lang="pt-BR" dirty="0" smtClean="0"/>
+          </a:p>
+          <a:p>
+            <a:r>
+              <a:rPr lang="pt-BR" sz="2800" dirty="0" err="1" smtClean="0"/>
+              <a:t>Deteção</a:t>
+            </a:r>
+            <a:r>
+              <a:rPr lang="pt-BR" sz="2800" dirty="0" smtClean="0"/>
+              <a:t> de Desvios</a:t>
+            </a:r>
+          </a:p>
+          <a:p>
+            <a:endParaRPr lang="pt-BR" dirty="0" smtClean="0"/>
+          </a:p>
+          <a:p>
+            <a:r>
+              <a:rPr lang="pt-BR" dirty="0"/>
+              <a:t>Segundo James, Witten, et al. (2013), o algoritmo K-</a:t>
+            </a:r>
+            <a:r>
+              <a:rPr lang="pt-BR" dirty="0" err="1"/>
+              <a:t>means</a:t>
+            </a:r>
+            <a:r>
+              <a:rPr lang="pt-BR" dirty="0"/>
+              <a:t> força cada pondo de observação a fazer parte de um grupo, durante a etapa de agrupamento.</a:t>
+            </a:r>
+            <a:endParaRPr lang="pt-BR" dirty="0" smtClean="0"/>
+          </a:p>
+        </p:txBody>
+      </p:sp>
+      <p:pic>
+        <p:nvPicPr>
+          <p:cNvPr id="5" name="Imagem 4"/>
+          <p:cNvPicPr/>
+          <p:nvPr/>
+        </p:nvPicPr>
+        <p:blipFill>
+          <a:blip r:embed="rId2"/>
+          <a:stretch>
+            <a:fillRect/>
+          </a:stretch>
+        </p:blipFill>
+        <p:spPr>
+          <a:xfrm>
+            <a:off x="7050405" y="2671551"/>
+            <a:ext cx="4105275" cy="2371725"/>
+          </a:xfrm>
+          <a:prstGeom prst="rect">
+            <a:avLst/>
+          </a:prstGeom>
+        </p:spPr>
+      </p:pic>
+    </p:spTree>
+    <p:extLst>
+      <p:ext uri="{BB962C8B-B14F-4D97-AF65-F5344CB8AC3E}">
+        <p14:creationId xmlns:p14="http://schemas.microsoft.com/office/powerpoint/2010/main" val="54205126"/>
+      </p:ext>
+    </p:extLst>
+  </p:cSld>
+  <p:clrMapOvr>
+    <a:masterClrMapping/>
+  </p:clrMapOvr>
+</p:sld>
+</file>
+
+<file path=ppt/slides/slide11.xml><?xml version="1.0" encoding="utf-8"?>
+<p:sld xmlns:a="http://schemas.openxmlformats.org/drawingml/2006/main" xmlns:r="http://schemas.openxmlformats.org/officeDocument/2006/relationships" xmlns:p="http://schemas.openxmlformats.org/presentationml/2006/main">
+  <p:cSld>
+    <p:spTree>
+      <p:nvGrpSpPr>
+        <p:cNvPr id="1" name=""/>
+        <p:cNvGrpSpPr/>
+        <p:nvPr/>
+      </p:nvGrpSpPr>
+      <p:grpSpPr>
+        <a:xfrm>
+          <a:off x="0" y="0"/>
+          <a:ext cx="0" cy="0"/>
+          <a:chOff x="0" y="0"/>
+          <a:chExt cx="0" cy="0"/>
+        </a:xfrm>
+      </p:grpSpPr>
+      <p:sp>
+        <p:nvSpPr>
+          <p:cNvPr id="2" name="Título 1"/>
+          <p:cNvSpPr>
+            <a:spLocks noGrp="1"/>
+          </p:cNvSpPr>
+          <p:nvPr>
+            <p:ph type="title"/>
+          </p:nvPr>
+        </p:nvSpPr>
+        <p:spPr/>
+        <p:txBody>
+          <a:bodyPr/>
+          <a:lstStyle/>
+          <a:p>
+            <a:r>
+              <a:rPr lang="pt-BR" dirty="0" smtClean="0"/>
+              <a:t>Fundamentos Teóricos</a:t>
+            </a:r>
+            <a:endParaRPr lang="pt-BR" dirty="0"/>
+          </a:p>
+        </p:txBody>
+      </p:sp>
+      <p:sp>
+        <p:nvSpPr>
+          <p:cNvPr id="3" name="Espaço Reservado para Conteúdo 2"/>
+          <p:cNvSpPr>
+            <a:spLocks noGrp="1"/>
+          </p:cNvSpPr>
+          <p:nvPr>
+            <p:ph idx="1"/>
+          </p:nvPr>
+        </p:nvSpPr>
+        <p:spPr>
+          <a:xfrm>
+            <a:off x="1097281" y="1845734"/>
+            <a:ext cx="4916342" cy="4023360"/>
+          </a:xfrm>
+        </p:spPr>
+        <p:txBody>
+          <a:bodyPr/>
+          <a:lstStyle/>
+          <a:p>
+            <a:endParaRPr lang="pt-BR" dirty="0" smtClean="0"/>
+          </a:p>
+          <a:p>
+            <a:r>
+              <a:rPr lang="pt-BR" sz="2800" dirty="0" smtClean="0"/>
+              <a:t>Análise de Componentes Principais (PCA)</a:t>
+            </a:r>
+          </a:p>
+          <a:p>
+            <a:endParaRPr lang="pt-BR" dirty="0"/>
+          </a:p>
+          <a:p>
+            <a:r>
+              <a:rPr lang="pt-BR" dirty="0"/>
+              <a:t>Quando estamos manipulando uma base de dados com uma quantidade de atributos muito grande, a técnica de PCA nos permite resumir esses atributos em dimensões menores mas que ainda assim representem a mesma variância do dado </a:t>
+            </a:r>
+            <a:r>
+              <a:rPr lang="pt-BR" dirty="0" smtClean="0"/>
+              <a:t>original.</a:t>
+            </a:r>
+            <a:endParaRPr lang="pt-BR" dirty="0"/>
+          </a:p>
+        </p:txBody>
+      </p:sp>
+      <p:pic>
+        <p:nvPicPr>
+          <p:cNvPr id="4" name="Imagem 3"/>
+          <p:cNvPicPr/>
+          <p:nvPr/>
+        </p:nvPicPr>
+        <p:blipFill>
+          <a:blip r:embed="rId2"/>
+          <a:stretch>
+            <a:fillRect/>
+          </a:stretch>
+        </p:blipFill>
+        <p:spPr>
+          <a:xfrm>
+            <a:off x="6555105" y="3028739"/>
+            <a:ext cx="4600575" cy="1657350"/>
+          </a:xfrm>
+          <a:prstGeom prst="rect">
+            <a:avLst/>
+          </a:prstGeom>
+        </p:spPr>
+      </p:pic>
+    </p:spTree>
+    <p:extLst>
+      <p:ext uri="{BB962C8B-B14F-4D97-AF65-F5344CB8AC3E}">
+        <p14:creationId xmlns:p14="http://schemas.microsoft.com/office/powerpoint/2010/main" val="3065056731"/>
+      </p:ext>
+    </p:extLst>
+  </p:cSld>
+  <p:clrMapOvr>
+    <a:masterClrMapping/>
+  </p:clrMapOvr>
+</p:sld>
+</file>
+
+<file path=ppt/slides/slide12.xml><?xml version="1.0" encoding="utf-8"?>
+<p:sld xmlns:a="http://schemas.openxmlformats.org/drawingml/2006/main" xmlns:r="http://schemas.openxmlformats.org/officeDocument/2006/relationships" xmlns:p="http://schemas.openxmlformats.org/presentationml/2006/main">
+  <p:cSld>
+    <p:spTree>
+      <p:nvGrpSpPr>
+        <p:cNvPr id="1" name=""/>
+        <p:cNvGrpSpPr/>
+        <p:nvPr/>
+      </p:nvGrpSpPr>
+      <p:grpSpPr>
+        <a:xfrm>
+          <a:off x="0" y="0"/>
+          <a:ext cx="0" cy="0"/>
+          <a:chOff x="0" y="0"/>
+          <a:chExt cx="0" cy="0"/>
+        </a:xfrm>
+      </p:grpSpPr>
+      <p:sp>
+        <p:nvSpPr>
+          <p:cNvPr id="2" name="Título 1"/>
+          <p:cNvSpPr>
+            <a:spLocks noGrp="1"/>
+          </p:cNvSpPr>
+          <p:nvPr>
+            <p:ph type="title"/>
+          </p:nvPr>
+        </p:nvSpPr>
+        <p:spPr/>
+        <p:txBody>
+          <a:bodyPr/>
+          <a:lstStyle/>
+          <a:p>
+            <a:r>
+              <a:rPr lang="pt-BR" dirty="0" smtClean="0"/>
+              <a:t>Fundamentos Teóricos</a:t>
+            </a:r>
+            <a:endParaRPr lang="pt-BR" dirty="0"/>
+          </a:p>
+        </p:txBody>
+      </p:sp>
+      <p:sp>
+        <p:nvSpPr>
+          <p:cNvPr id="3" name="Espaço Reservado para Conteúdo 2"/>
+          <p:cNvSpPr>
+            <a:spLocks noGrp="1"/>
+          </p:cNvSpPr>
+          <p:nvPr>
+            <p:ph idx="1"/>
+          </p:nvPr>
+        </p:nvSpPr>
+        <p:spPr/>
+        <p:txBody>
+          <a:bodyPr/>
+          <a:lstStyle/>
+          <a:p>
+            <a:endParaRPr lang="pt-BR" dirty="0" smtClean="0"/>
+          </a:p>
+          <a:p>
+            <a:r>
+              <a:rPr lang="pt-BR" dirty="0" smtClean="0"/>
+              <a:t>Resultado da Análise de Componentes Principais (PCA)</a:t>
+            </a:r>
+          </a:p>
+          <a:p>
+            <a:endParaRPr lang="pt-BR" dirty="0"/>
+          </a:p>
+          <a:p>
+            <a:endParaRPr lang="pt-BR" dirty="0"/>
+          </a:p>
+        </p:txBody>
+      </p:sp>
+      <p:pic>
+        <p:nvPicPr>
+          <p:cNvPr id="4" name="Imagem 3"/>
+          <p:cNvPicPr/>
+          <p:nvPr/>
+        </p:nvPicPr>
+        <p:blipFill>
+          <a:blip r:embed="rId2"/>
+          <a:stretch>
+            <a:fillRect/>
+          </a:stretch>
+        </p:blipFill>
+        <p:spPr>
+          <a:xfrm>
+            <a:off x="3196282" y="2728238"/>
+            <a:ext cx="4905846" cy="3140856"/>
+          </a:xfrm>
+          <a:prstGeom prst="rect">
+            <a:avLst/>
+          </a:prstGeom>
+        </p:spPr>
+      </p:pic>
+    </p:spTree>
+    <p:extLst>
+      <p:ext uri="{BB962C8B-B14F-4D97-AF65-F5344CB8AC3E}">
+        <p14:creationId xmlns:p14="http://schemas.microsoft.com/office/powerpoint/2010/main" val="1349558509"/>
+      </p:ext>
+    </p:extLst>
+  </p:cSld>
+  <p:clrMapOvr>
+    <a:masterClrMapping/>
+  </p:clrMapOvr>
+</p:sld>
+</file>
+
+<file path=ppt/slides/slide13.xml><?xml version="1.0" encoding="utf-8"?>
+<p:sld xmlns:a="http://schemas.openxmlformats.org/drawingml/2006/main" xmlns:r="http://schemas.openxmlformats.org/officeDocument/2006/relationships" xmlns:p="http://schemas.openxmlformats.org/presentationml/2006/main">
+  <p:cSld>
+    <p:spTree>
+      <p:nvGrpSpPr>
+        <p:cNvPr id="1" name=""/>
+        <p:cNvGrpSpPr/>
+        <p:nvPr/>
+      </p:nvGrpSpPr>
+      <p:grpSpPr>
+        <a:xfrm>
+          <a:off x="0" y="0"/>
+          <a:ext cx="0" cy="0"/>
+          <a:chOff x="0" y="0"/>
+          <a:chExt cx="0" cy="0"/>
+        </a:xfrm>
+      </p:grpSpPr>
+      <p:sp>
+        <p:nvSpPr>
+          <p:cNvPr id="2" name="Título 1"/>
+          <p:cNvSpPr>
+            <a:spLocks noGrp="1"/>
+          </p:cNvSpPr>
+          <p:nvPr>
+            <p:ph type="title"/>
+          </p:nvPr>
+        </p:nvSpPr>
+        <p:spPr/>
+        <p:txBody>
+          <a:bodyPr/>
+          <a:lstStyle/>
+          <a:p>
+            <a:r>
+              <a:rPr lang="pt-BR" dirty="0" smtClean="0"/>
+              <a:t>Fundamentos Teóricos</a:t>
+            </a:r>
+            <a:endParaRPr lang="pt-BR" dirty="0"/>
+          </a:p>
+        </p:txBody>
+      </p:sp>
+      <mc:AlternateContent xmlns:mc="http://schemas.openxmlformats.org/markup-compatibility/2006" xmlns:a14="http://schemas.microsoft.com/office/drawing/2010/main">
+        <mc:Choice Requires="a14">
           <p:sp>
             <p:nvSpPr>
               <p:cNvPr id="3" name="Espaço Reservado para Conteúdo 2"/>
@@ -3997,36 +4362,50 @@
                     <m:sSub>
                       <m:sSubPr>
                         <m:ctrlPr>
-                          <a:rPr lang="pt-BR" i="1"/>
+                          <a:rPr lang="pt-BR" i="1">
+                            <a:latin typeface="Cambria Math" panose="02040503050406030204" pitchFamily="18" charset="0"/>
+                          </a:rPr>
                         </m:ctrlPr>
                       </m:sSubPr>
                       <m:e>
                         <m:r>
-                          <a:rPr lang="pt-BR" i="1"/>
+                          <a:rPr lang="pt-BR" i="1">
+                            <a:latin typeface="Cambria Math" panose="02040503050406030204" pitchFamily="18" charset="0"/>
+                          </a:rPr>
                           <m:t>𝑥</m:t>
                         </m:r>
                       </m:e>
                       <m:sub>
                         <m:r>
-                          <a:rPr lang="pt-BR" i="1"/>
+                          <a:rPr lang="pt-BR" i="1">
+                            <a:latin typeface="Cambria Math" panose="02040503050406030204" pitchFamily="18" charset="0"/>
+                          </a:rPr>
                           <m:t>𝑖</m:t>
                         </m:r>
                       </m:sub>
                     </m:sSub>
                     <m:r>
-                      <a:rPr lang="pt-BR"/>
+                      <a:rPr lang="pt-BR">
+                        <a:latin typeface="Cambria Math" panose="02040503050406030204" pitchFamily="18" charset="0"/>
+                      </a:rPr>
                       <m:t>, </m:t>
                     </m:r>
                     <m:r>
-                      <a:rPr lang="pt-BR" i="1"/>
+                      <a:rPr lang="pt-BR" i="1">
+                        <a:latin typeface="Cambria Math" panose="02040503050406030204" pitchFamily="18" charset="0"/>
+                      </a:rPr>
                       <m:t>𝑖</m:t>
                     </m:r>
                     <m:r>
-                      <a:rPr lang="pt-BR"/>
+                      <a:rPr lang="pt-BR">
+                        <a:latin typeface="Cambria Math" panose="02040503050406030204" pitchFamily="18" charset="0"/>
+                      </a:rPr>
                       <m:t>=1, …, </m:t>
                     </m:r>
                     <m:r>
-                      <a:rPr lang="pt-BR" i="1"/>
+                      <a:rPr lang="pt-BR" i="1">
+                        <a:latin typeface="Cambria Math" panose="02040503050406030204" pitchFamily="18" charset="0"/>
+                      </a:rPr>
                       <m:t>𝑛</m:t>
                     </m:r>
                   </m:oMath>
@@ -4040,18 +4419,24 @@
                     <m:sSub>
                       <m:sSubPr>
                         <m:ctrlPr>
-                          <a:rPr lang="pt-BR" i="1"/>
+                          <a:rPr lang="pt-BR" i="1">
+                            <a:latin typeface="Cambria Math" panose="02040503050406030204" pitchFamily="18" charset="0"/>
+                          </a:rPr>
                         </m:ctrlPr>
                       </m:sSubPr>
                       <m:e>
                         <m:r>
-                          <a:rPr lang="pt-BR" i="1"/>
+                          <a:rPr lang="pt-BR" i="1">
+                            <a:latin typeface="Cambria Math" panose="02040503050406030204" pitchFamily="18" charset="0"/>
+                          </a:rPr>
                           <m:t>𝑦</m:t>
                         </m:r>
                       </m:e>
                       <m:sub>
                         <m:r>
-                          <a:rPr lang="pt-BR" i="1"/>
+                          <a:rPr lang="pt-BR" i="1">
+                            <a:latin typeface="Cambria Math" panose="02040503050406030204" pitchFamily="18" charset="0"/>
+                          </a:rPr>
                           <m:t>𝑖</m:t>
                         </m:r>
                       </m:sub>
@@ -4088,36 +4473,50 @@
                     <m:sSub>
                       <m:sSubPr>
                         <m:ctrlPr>
-                          <a:rPr lang="pt-BR" i="1"/>
+                          <a:rPr lang="pt-BR" i="1">
+                            <a:latin typeface="Cambria Math" panose="02040503050406030204" pitchFamily="18" charset="0"/>
+                          </a:rPr>
                         </m:ctrlPr>
                       </m:sSubPr>
                       <m:e>
                         <m:r>
-                          <a:rPr lang="pt-BR" i="1"/>
+                          <a:rPr lang="pt-BR" i="1">
+                            <a:latin typeface="Cambria Math" panose="02040503050406030204" pitchFamily="18" charset="0"/>
+                          </a:rPr>
                           <m:t>𝑥</m:t>
                         </m:r>
                       </m:e>
                       <m:sub>
                         <m:r>
-                          <a:rPr lang="pt-BR" i="1"/>
+                          <a:rPr lang="pt-BR" i="1">
+                            <a:latin typeface="Cambria Math" panose="02040503050406030204" pitchFamily="18" charset="0"/>
+                          </a:rPr>
                           <m:t>𝑖</m:t>
                         </m:r>
                       </m:sub>
                     </m:sSub>
                     <m:r>
-                      <a:rPr lang="pt-BR"/>
+                      <a:rPr lang="pt-BR">
+                        <a:latin typeface="Cambria Math" panose="02040503050406030204" pitchFamily="18" charset="0"/>
+                      </a:rPr>
                       <m:t>, </m:t>
                     </m:r>
                     <m:r>
-                      <a:rPr lang="pt-BR" i="1"/>
+                      <a:rPr lang="pt-BR" i="1">
+                        <a:latin typeface="Cambria Math" panose="02040503050406030204" pitchFamily="18" charset="0"/>
+                      </a:rPr>
                       <m:t>𝑖</m:t>
                     </m:r>
                     <m:r>
-                      <a:rPr lang="pt-BR"/>
+                      <a:rPr lang="pt-BR">
+                        <a:latin typeface="Cambria Math" panose="02040503050406030204" pitchFamily="18" charset="0"/>
+                      </a:rPr>
                       <m:t>=1, …, </m:t>
                     </m:r>
                     <m:r>
-                      <a:rPr lang="pt-BR" i="1"/>
+                      <a:rPr lang="pt-BR" i="1">
+                        <a:latin typeface="Cambria Math" panose="02040503050406030204" pitchFamily="18" charset="0"/>
+                      </a:rPr>
                       <m:t>𝑛</m:t>
                     </m:r>
                   </m:oMath>
@@ -4131,18 +4530,24 @@
                     <m:sSub>
                       <m:sSubPr>
                         <m:ctrlPr>
-                          <a:rPr lang="pt-BR" i="1"/>
+                          <a:rPr lang="pt-BR" i="1">
+                            <a:latin typeface="Cambria Math" panose="02040503050406030204" pitchFamily="18" charset="0"/>
+                          </a:rPr>
                         </m:ctrlPr>
                       </m:sSubPr>
                       <m:e>
                         <m:r>
-                          <a:rPr lang="pt-BR" i="1"/>
+                          <a:rPr lang="pt-BR" i="1">
+                            <a:latin typeface="Cambria Math" panose="02040503050406030204" pitchFamily="18" charset="0"/>
+                          </a:rPr>
                           <m:t>𝑥</m:t>
                         </m:r>
                       </m:e>
                       <m:sub>
                         <m:r>
-                          <a:rPr lang="pt-BR" i="1"/>
+                          <a:rPr lang="pt-BR" i="1">
+                            <a:latin typeface="Cambria Math" panose="02040503050406030204" pitchFamily="18" charset="0"/>
+                          </a:rPr>
                           <m:t>𝑖</m:t>
                         </m:r>
                       </m:sub>
@@ -4158,18 +4563,24 @@
                     <m:sSub>
                       <m:sSubPr>
                         <m:ctrlPr>
-                          <a:rPr lang="pt-BR" i="1"/>
+                          <a:rPr lang="pt-BR" i="1">
+                            <a:latin typeface="Cambria Math" panose="02040503050406030204" pitchFamily="18" charset="0"/>
+                          </a:rPr>
                         </m:ctrlPr>
                       </m:sSubPr>
                       <m:e>
                         <m:r>
-                          <a:rPr lang="pt-BR" i="1"/>
+                          <a:rPr lang="pt-BR" i="1">
+                            <a:latin typeface="Cambria Math" panose="02040503050406030204" pitchFamily="18" charset="0"/>
+                          </a:rPr>
                           <m:t>𝑦</m:t>
                         </m:r>
                       </m:e>
                       <m:sub>
                         <m:r>
-                          <a:rPr lang="pt-BR" i="1"/>
+                          <a:rPr lang="pt-BR" i="1">
+                            <a:latin typeface="Cambria Math" panose="02040503050406030204" pitchFamily="18" charset="0"/>
+                          </a:rPr>
                           <m:t>𝑖</m:t>
                         </m:r>
                       </m:sub>
@@ -4185,7 +4596,7 @@
             </p:txBody>
           </p:sp>
         </mc:Choice>
-        <mc:Fallback>
+        <mc:Fallback xmlns="">
           <p:sp>
             <p:nvSpPr>
               <p:cNvPr id="3" name="Espaço Reservado para Conteúdo 2"/>
@@ -4232,7 +4643,7 @@
 </p:sld>
 </file>
 
-<file path=ppt/slides/slide11.xml><?xml version="1.0" encoding="utf-8"?>
+<file path=ppt/slides/slide14.xml><?xml version="1.0" encoding="utf-8"?>
 <p:sld xmlns:a="http://schemas.openxmlformats.org/drawingml/2006/main" xmlns:r="http://schemas.openxmlformats.org/officeDocument/2006/relationships" xmlns:p="http://schemas.openxmlformats.org/presentationml/2006/main">
   <p:cSld>
     <p:spTree>
@@ -4272,8 +4683,8 @@
           </a:p>
         </p:txBody>
       </p:sp>
-      <mc:AlternateContent xmlns:mc="http://schemas.openxmlformats.org/markup-compatibility/2006">
-        <mc:Choice xmlns:a14="http://schemas.microsoft.com/office/drawing/2010/main" Requires="a14">
+      <mc:AlternateContent xmlns:mc="http://schemas.openxmlformats.org/markup-compatibility/2006" xmlns:a14="http://schemas.microsoft.com/office/drawing/2010/main">
+        <mc:Choice Requires="a14">
           <p:sp>
             <p:nvSpPr>
               <p:cNvPr id="3" name="Espaço Reservado para Conteúdo 2"/>
@@ -4329,7 +4740,9 @@
                 <a14:m>
                   <m:oMath xmlns:m="http://schemas.openxmlformats.org/officeDocument/2006/math">
                     <m:r>
-                      <a:rPr lang="pt-BR" i="1"/>
+                      <a:rPr lang="pt-BR" i="1">
+                        <a:latin typeface="Cambria Math" panose="02040503050406030204" pitchFamily="18" charset="0"/>
+                      </a:rPr>
                       <m:t>𝑘</m:t>
                     </m:r>
                   </m:oMath>
@@ -4341,7 +4754,9 @@
                 <a14:m>
                   <m:oMath xmlns:m="http://schemas.openxmlformats.org/officeDocument/2006/math">
                     <m:r>
-                      <a:rPr lang="pt-BR" i="1"/>
+                      <a:rPr lang="pt-BR" i="1">
+                        <a:latin typeface="Cambria Math" panose="02040503050406030204" pitchFamily="18" charset="0"/>
+                      </a:rPr>
                       <m:t>𝑘</m:t>
                     </m:r>
                   </m:oMath>
@@ -4350,12 +4765,11 @@
                   <a:rPr lang="pt-BR" dirty="0"/>
                   <a:t>)</a:t>
                 </a:r>
-                <a:endParaRPr lang="pt-BR" dirty="0"/>
               </a:p>
             </p:txBody>
           </p:sp>
         </mc:Choice>
-        <mc:Fallback>
+        <mc:Fallback xmlns="">
           <p:sp>
             <p:nvSpPr>
               <p:cNvPr id="3" name="Espaço Reservado para Conteúdo 2"/>
@@ -4406,7 +4820,7 @@
 </p:sld>
 </file>
 
-<file path=ppt/slides/slide12.xml><?xml version="1.0" encoding="utf-8"?>
+<file path=ppt/slides/slide15.xml><?xml version="1.0" encoding="utf-8"?>
 <p:sld xmlns:a="http://schemas.openxmlformats.org/drawingml/2006/main" xmlns:r="http://schemas.openxmlformats.org/officeDocument/2006/relationships" xmlns:p="http://schemas.openxmlformats.org/presentationml/2006/main">
   <p:cSld>
     <p:spTree>
@@ -4579,7 +4993,7 @@
 </p:sld>
 </file>
 
-<file path=ppt/slides/slide13.xml><?xml version="1.0" encoding="utf-8"?>
+<file path=ppt/slides/slide16.xml><?xml version="1.0" encoding="utf-8"?>
 <p:sld xmlns:a="http://schemas.openxmlformats.org/drawingml/2006/main" xmlns:r="http://schemas.openxmlformats.org/officeDocument/2006/relationships" xmlns:p="http://schemas.openxmlformats.org/presentationml/2006/main">
   <p:cSld>
     <p:spTree>
@@ -4637,14 +5051,269 @@
             <a:endParaRPr lang="pt-BR" dirty="0" smtClean="0"/>
           </a:p>
           <a:p>
+            <a:r>
+              <a:rPr lang="pt-BR" dirty="0" smtClean="0"/>
+              <a:t>Método do Cotovelo				Método da Silhueta				</a:t>
+            </a:r>
             <a:endParaRPr lang="pt-BR" dirty="0"/>
           </a:p>
         </p:txBody>
       </p:sp>
+      <p:pic>
+        <p:nvPicPr>
+          <p:cNvPr id="4" name="Imagem 3"/>
+          <p:cNvPicPr/>
+          <p:nvPr/>
+        </p:nvPicPr>
+        <p:blipFill>
+          <a:blip r:embed="rId2"/>
+          <a:stretch>
+            <a:fillRect/>
+          </a:stretch>
+        </p:blipFill>
+        <p:spPr>
+          <a:xfrm>
+            <a:off x="1097280" y="2791467"/>
+            <a:ext cx="3190875" cy="2790825"/>
+          </a:xfrm>
+          <a:prstGeom prst="rect">
+            <a:avLst/>
+          </a:prstGeom>
+        </p:spPr>
+      </p:pic>
+      <p:pic>
+        <p:nvPicPr>
+          <p:cNvPr id="5" name="Imagem 4"/>
+          <p:cNvPicPr/>
+          <p:nvPr/>
+        </p:nvPicPr>
+        <p:blipFill>
+          <a:blip r:embed="rId3"/>
+          <a:stretch>
+            <a:fillRect/>
+          </a:stretch>
+        </p:blipFill>
+        <p:spPr>
+          <a:xfrm>
+            <a:off x="6449180" y="3051621"/>
+            <a:ext cx="4507144" cy="2097027"/>
+          </a:xfrm>
+          <a:prstGeom prst="rect">
+            <a:avLst/>
+          </a:prstGeom>
+        </p:spPr>
+      </p:pic>
     </p:spTree>
     <p:extLst>
       <p:ext uri="{BB962C8B-B14F-4D97-AF65-F5344CB8AC3E}">
         <p14:creationId xmlns:p14="http://schemas.microsoft.com/office/powerpoint/2010/main" val="1304157775"/>
+      </p:ext>
+    </p:extLst>
+  </p:cSld>
+  <p:clrMapOvr>
+    <a:masterClrMapping/>
+  </p:clrMapOvr>
+</p:sld>
+</file>
+
+<file path=ppt/slides/slide17.xml><?xml version="1.0" encoding="utf-8"?>
+<p:sld xmlns:a="http://schemas.openxmlformats.org/drawingml/2006/main" xmlns:r="http://schemas.openxmlformats.org/officeDocument/2006/relationships" xmlns:p="http://schemas.openxmlformats.org/presentationml/2006/main">
+  <p:cSld>
+    <p:spTree>
+      <p:nvGrpSpPr>
+        <p:cNvPr id="1" name=""/>
+        <p:cNvGrpSpPr/>
+        <p:nvPr/>
+      </p:nvGrpSpPr>
+      <p:grpSpPr>
+        <a:xfrm>
+          <a:off x="0" y="0"/>
+          <a:ext cx="0" cy="0"/>
+          <a:chOff x="0" y="0"/>
+          <a:chExt cx="0" cy="0"/>
+        </a:xfrm>
+      </p:grpSpPr>
+      <p:sp>
+        <p:nvSpPr>
+          <p:cNvPr id="2" name="Título 1"/>
+          <p:cNvSpPr>
+            <a:spLocks noGrp="1"/>
+          </p:cNvSpPr>
+          <p:nvPr>
+            <p:ph type="title"/>
+          </p:nvPr>
+        </p:nvSpPr>
+        <p:spPr/>
+        <p:txBody>
+          <a:bodyPr/>
+          <a:lstStyle/>
+          <a:p>
+            <a:r>
+              <a:rPr lang="pt-BR" dirty="0" smtClean="0"/>
+              <a:t>Resultado Obtido</a:t>
+            </a:r>
+            <a:endParaRPr lang="pt-BR" dirty="0"/>
+          </a:p>
+        </p:txBody>
+      </p:sp>
+      <p:pic>
+        <p:nvPicPr>
+          <p:cNvPr id="4" name="Espaço Reservado para Conteúdo 3"/>
+          <p:cNvPicPr>
+            <a:picLocks noGrp="1"/>
+          </p:cNvPicPr>
+          <p:nvPr>
+            <p:ph idx="1"/>
+          </p:nvPr>
+        </p:nvPicPr>
+        <p:blipFill>
+          <a:blip r:embed="rId2"/>
+          <a:stretch>
+            <a:fillRect/>
+          </a:stretch>
+        </p:blipFill>
+        <p:spPr>
+          <a:xfrm>
+            <a:off x="3311610" y="1915743"/>
+            <a:ext cx="4919468" cy="3107724"/>
+          </a:xfrm>
+          <a:prstGeom prst="rect">
+            <a:avLst/>
+          </a:prstGeom>
+        </p:spPr>
+      </p:pic>
+      <p:pic>
+        <p:nvPicPr>
+          <p:cNvPr id="9" name="Imagem 8"/>
+          <p:cNvPicPr>
+            <a:picLocks noChangeAspect="1"/>
+          </p:cNvPicPr>
+          <p:nvPr/>
+        </p:nvPicPr>
+        <p:blipFill>
+          <a:blip r:embed="rId3"/>
+          <a:stretch>
+            <a:fillRect/>
+          </a:stretch>
+        </p:blipFill>
+        <p:spPr>
+          <a:xfrm>
+            <a:off x="2762924" y="5201850"/>
+            <a:ext cx="6016839" cy="787400"/>
+          </a:xfrm>
+          <a:prstGeom prst="rect">
+            <a:avLst/>
+          </a:prstGeom>
+        </p:spPr>
+      </p:pic>
+    </p:spTree>
+    <p:extLst>
+      <p:ext uri="{BB962C8B-B14F-4D97-AF65-F5344CB8AC3E}">
+        <p14:creationId xmlns:p14="http://schemas.microsoft.com/office/powerpoint/2010/main" val="3116056196"/>
+      </p:ext>
+    </p:extLst>
+  </p:cSld>
+  <p:clrMapOvr>
+    <a:masterClrMapping/>
+  </p:clrMapOvr>
+</p:sld>
+</file>
+
+<file path=ppt/slides/slide18.xml><?xml version="1.0" encoding="utf-8"?>
+<p:sld xmlns:a="http://schemas.openxmlformats.org/drawingml/2006/main" xmlns:r="http://schemas.openxmlformats.org/officeDocument/2006/relationships" xmlns:p="http://schemas.openxmlformats.org/presentationml/2006/main">
+  <p:cSld>
+    <p:spTree>
+      <p:nvGrpSpPr>
+        <p:cNvPr id="1" name=""/>
+        <p:cNvGrpSpPr/>
+        <p:nvPr/>
+      </p:nvGrpSpPr>
+      <p:grpSpPr>
+        <a:xfrm>
+          <a:off x="0" y="0"/>
+          <a:ext cx="0" cy="0"/>
+          <a:chOff x="0" y="0"/>
+          <a:chExt cx="0" cy="0"/>
+        </a:xfrm>
+      </p:grpSpPr>
+      <p:sp>
+        <p:nvSpPr>
+          <p:cNvPr id="2" name="Título 1"/>
+          <p:cNvSpPr>
+            <a:spLocks noGrp="1"/>
+          </p:cNvSpPr>
+          <p:nvPr>
+            <p:ph type="title"/>
+          </p:nvPr>
+        </p:nvSpPr>
+        <p:spPr/>
+        <p:txBody>
+          <a:bodyPr/>
+          <a:lstStyle/>
+          <a:p>
+            <a:r>
+              <a:rPr lang="pt-BR" dirty="0" smtClean="0"/>
+              <a:t>Considerações Finais</a:t>
+            </a:r>
+            <a:endParaRPr lang="pt-BR" dirty="0"/>
+          </a:p>
+        </p:txBody>
+      </p:sp>
+      <p:sp>
+        <p:nvSpPr>
+          <p:cNvPr id="3" name="Espaço Reservado para Conteúdo 2"/>
+          <p:cNvSpPr>
+            <a:spLocks noGrp="1"/>
+          </p:cNvSpPr>
+          <p:nvPr>
+            <p:ph idx="1"/>
+          </p:nvPr>
+        </p:nvSpPr>
+        <p:spPr>
+          <a:xfrm>
+            <a:off x="1097280" y="1878228"/>
+            <a:ext cx="10058400" cy="3990866"/>
+          </a:xfrm>
+        </p:spPr>
+        <p:txBody>
+          <a:bodyPr/>
+          <a:lstStyle/>
+          <a:p>
+            <a:endParaRPr lang="pt-BR" dirty="0" smtClean="0"/>
+          </a:p>
+          <a:p>
+            <a:endParaRPr lang="pt-BR" dirty="0" smtClean="0"/>
+          </a:p>
+          <a:p>
+            <a:r>
+              <a:rPr lang="pt-BR" dirty="0" smtClean="0"/>
+              <a:t>O algoritmo K-</a:t>
+            </a:r>
+            <a:r>
+              <a:rPr lang="pt-BR" dirty="0" err="1" smtClean="0"/>
+              <a:t>Means</a:t>
+            </a:r>
+            <a:r>
+              <a:rPr lang="pt-BR" dirty="0" smtClean="0"/>
+              <a:t> apresentou um bom resultado e os clusters foram bem definidos. Com isso conseguimos atingir o objetivo deste trabalho que era segmentar os clientes em diferentes perfis.</a:t>
+            </a:r>
+          </a:p>
+          <a:p>
+            <a:endParaRPr lang="pt-BR" dirty="0"/>
+          </a:p>
+          <a:p>
+            <a:r>
+              <a:rPr lang="pt-BR" dirty="0" smtClean="0"/>
+              <a:t>Como melhoria seria interessante aplicar um algoritmo de associação para conseguir descobrir quais produtos os clientes compram em conjunto para oferecer ofertas específicas para cada um deles.</a:t>
+            </a:r>
+            <a:endParaRPr lang="pt-BR" dirty="0"/>
+          </a:p>
+        </p:txBody>
+      </p:sp>
+    </p:spTree>
+    <p:extLst>
+      <p:ext uri="{BB962C8B-B14F-4D97-AF65-F5344CB8AC3E}">
+        <p14:creationId xmlns:p14="http://schemas.microsoft.com/office/powerpoint/2010/main" val="1842258187"/>
       </p:ext>
     </p:extLst>
   </p:cSld>
@@ -5132,7 +5801,6 @@
               <a:rPr lang="pt-BR" dirty="0"/>
               <a:t>de dados referentes as despesas de vários clientes em um atacado, e com base nas despesas e nos diferentes produtos comprados segmentar os clientes em diversos perfis. </a:t>
             </a:r>
-            <a:endParaRPr lang="pt-BR" dirty="0"/>
           </a:p>
         </p:txBody>
       </p:sp>
@@ -5321,6 +5989,179 @@
 </file>
 
 <file path=ppt/slides/slide8.xml><?xml version="1.0" encoding="utf-8"?>
+<p:sld xmlns:a="http://schemas.openxmlformats.org/drawingml/2006/main" xmlns:r="http://schemas.openxmlformats.org/officeDocument/2006/relationships" xmlns:p="http://schemas.openxmlformats.org/presentationml/2006/main">
+  <p:cSld>
+    <p:spTree>
+      <p:nvGrpSpPr>
+        <p:cNvPr id="1" name=""/>
+        <p:cNvGrpSpPr/>
+        <p:nvPr/>
+      </p:nvGrpSpPr>
+      <p:grpSpPr>
+        <a:xfrm>
+          <a:off x="0" y="0"/>
+          <a:ext cx="0" cy="0"/>
+          <a:chOff x="0" y="0"/>
+          <a:chExt cx="0" cy="0"/>
+        </a:xfrm>
+      </p:grpSpPr>
+      <p:sp>
+        <p:nvSpPr>
+          <p:cNvPr id="2" name="Título 1"/>
+          <p:cNvSpPr>
+            <a:spLocks noGrp="1"/>
+          </p:cNvSpPr>
+          <p:nvPr>
+            <p:ph type="title"/>
+          </p:nvPr>
+        </p:nvSpPr>
+        <p:spPr/>
+        <p:txBody>
+          <a:bodyPr/>
+          <a:lstStyle/>
+          <a:p>
+            <a:r>
+              <a:rPr lang="pt-BR" dirty="0" smtClean="0"/>
+              <a:t>Fundamentos Teóricos</a:t>
+            </a:r>
+            <a:endParaRPr lang="pt-BR" dirty="0"/>
+          </a:p>
+        </p:txBody>
+      </p:sp>
+      <p:sp>
+        <p:nvSpPr>
+          <p:cNvPr id="3" name="Espaço Reservado para Conteúdo 2"/>
+          <p:cNvSpPr>
+            <a:spLocks noGrp="1"/>
+          </p:cNvSpPr>
+          <p:nvPr>
+            <p:ph idx="1"/>
+          </p:nvPr>
+        </p:nvSpPr>
+        <p:spPr/>
+        <p:txBody>
+          <a:bodyPr>
+            <a:normAutofit/>
+          </a:bodyPr>
+          <a:lstStyle/>
+          <a:p>
+            <a:r>
+              <a:rPr lang="pt-BR" dirty="0"/>
+              <a:t>Os dados correspondem aos gastos anuais dos clientes de um distribuidor de produtos para atacados. As informações disponíveis são</a:t>
+            </a:r>
+            <a:r>
+              <a:rPr lang="pt-BR" dirty="0" smtClean="0"/>
+              <a:t>:</a:t>
+            </a:r>
+          </a:p>
+          <a:p>
+            <a:endParaRPr lang="pt-BR" dirty="0" smtClean="0"/>
+          </a:p>
+          <a:p>
+            <a:pPr marL="457200" lvl="0" indent="-457200">
+              <a:buFont typeface="+mj-lt"/>
+              <a:buAutoNum type="arabicPeriod"/>
+            </a:pPr>
+            <a:r>
+              <a:rPr lang="pt-BR" dirty="0" err="1" smtClean="0"/>
+              <a:t>Fresh</a:t>
+            </a:r>
+            <a:r>
+              <a:rPr lang="pt-BR" dirty="0"/>
+              <a:t>: Gastos anuais com produtos frescos;</a:t>
+            </a:r>
+          </a:p>
+          <a:p>
+            <a:pPr marL="457200" lvl="0" indent="-457200">
+              <a:buFont typeface="+mj-lt"/>
+              <a:buAutoNum type="arabicPeriod"/>
+            </a:pPr>
+            <a:r>
+              <a:rPr lang="pt-BR" dirty="0" err="1"/>
+              <a:t>Milk</a:t>
+            </a:r>
+            <a:r>
+              <a:rPr lang="pt-BR" dirty="0"/>
+              <a:t>: Gastos anuais com produtos derivados de leite;</a:t>
+            </a:r>
+          </a:p>
+          <a:p>
+            <a:pPr marL="457200" lvl="0" indent="-457200">
+              <a:buFont typeface="+mj-lt"/>
+              <a:buAutoNum type="arabicPeriod"/>
+            </a:pPr>
+            <a:r>
+              <a:rPr lang="pt-BR" dirty="0" err="1"/>
+              <a:t>Grocery</a:t>
+            </a:r>
+            <a:r>
+              <a:rPr lang="pt-BR" dirty="0"/>
+              <a:t>: Gastos anuais com produtos comestíveis;</a:t>
+            </a:r>
+          </a:p>
+          <a:p>
+            <a:pPr marL="457200" lvl="0" indent="-457200">
+              <a:buFont typeface="+mj-lt"/>
+              <a:buAutoNum type="arabicPeriod"/>
+            </a:pPr>
+            <a:r>
+              <a:rPr lang="pt-BR" dirty="0" err="1"/>
+              <a:t>Frozen</a:t>
+            </a:r>
+            <a:r>
+              <a:rPr lang="pt-BR" dirty="0"/>
+              <a:t>: Gastos anuais com produtos congelados;</a:t>
+            </a:r>
+          </a:p>
+          <a:p>
+            <a:pPr marL="457200" lvl="0" indent="-457200">
+              <a:buFont typeface="+mj-lt"/>
+              <a:buAutoNum type="arabicPeriod"/>
+            </a:pPr>
+            <a:r>
+              <a:rPr lang="pt-BR" dirty="0" err="1"/>
+              <a:t>Detergents_paper</a:t>
+            </a:r>
+            <a:r>
+              <a:rPr lang="pt-BR" dirty="0"/>
+              <a:t>: Gastos anuais com produtos de limpeza;</a:t>
+            </a:r>
+          </a:p>
+          <a:p>
+            <a:pPr marL="457200" lvl="0" indent="-457200">
+              <a:buFont typeface="+mj-lt"/>
+              <a:buAutoNum type="arabicPeriod"/>
+            </a:pPr>
+            <a:r>
+              <a:rPr lang="pt-BR" dirty="0" err="1"/>
+              <a:t>Delicatessen</a:t>
+            </a:r>
+            <a:r>
+              <a:rPr lang="pt-BR" dirty="0"/>
+              <a:t>: Gastos anuais com especiarias</a:t>
+            </a:r>
+            <a:r>
+              <a:rPr lang="pt-BR" dirty="0" smtClean="0"/>
+              <a:t>;</a:t>
+            </a:r>
+            <a:endParaRPr lang="pt-BR" dirty="0"/>
+          </a:p>
+        </p:txBody>
+      </p:sp>
+    </p:spTree>
+    <p:extLst>
+      <p:ext uri="{BB962C8B-B14F-4D97-AF65-F5344CB8AC3E}">
+        <p14:creationId xmlns:p14="http://schemas.microsoft.com/office/powerpoint/2010/main" val="336528855"/>
+      </p:ext>
+    </p:extLst>
+  </p:cSld>
+  <p:clrMapOvr>
+    <a:masterClrMapping/>
+  </p:clrMapOvr>
+</p:sld>
+</file>
+
+<file path=ppt/slides/slide9.xml><?xml version="1.0" encoding="utf-8"?>
 <p:sld xmlns:a="http://schemas.openxmlformats.org/drawingml/2006/main" xmlns:r="http://schemas.openxmlformats.org/officeDocument/2006/relationships" xmlns:p="http://schemas.openxmlformats.org/presentationml/2006/main">
   <p:cSld>
     <p:spTree>
@@ -5434,133 +6275,6 @@
     <p:extLst>
       <p:ext uri="{BB962C8B-B14F-4D97-AF65-F5344CB8AC3E}">
         <p14:creationId xmlns:p14="http://schemas.microsoft.com/office/powerpoint/2010/main" val="1190399798"/>
-      </p:ext>
-    </p:extLst>
-  </p:cSld>
-  <p:clrMapOvr>
-    <a:masterClrMapping/>
-  </p:clrMapOvr>
-</p:sld>
-</file>
-
-<file path=ppt/slides/slide9.xml><?xml version="1.0" encoding="utf-8"?>
-<p:sld xmlns:a="http://schemas.openxmlformats.org/drawingml/2006/main" xmlns:r="http://schemas.openxmlformats.org/officeDocument/2006/relationships" xmlns:p="http://schemas.openxmlformats.org/presentationml/2006/main">
-  <p:cSld>
-    <p:spTree>
-      <p:nvGrpSpPr>
-        <p:cNvPr id="1" name=""/>
-        <p:cNvGrpSpPr/>
-        <p:nvPr/>
-      </p:nvGrpSpPr>
-      <p:grpSpPr>
-        <a:xfrm>
-          <a:off x="0" y="0"/>
-          <a:ext cx="0" cy="0"/>
-          <a:chOff x="0" y="0"/>
-          <a:chExt cx="0" cy="0"/>
-        </a:xfrm>
-      </p:grpSpPr>
-      <p:sp>
-        <p:nvSpPr>
-          <p:cNvPr id="2" name="Título 1"/>
-          <p:cNvSpPr>
-            <a:spLocks noGrp="1"/>
-          </p:cNvSpPr>
-          <p:nvPr>
-            <p:ph type="title"/>
-          </p:nvPr>
-        </p:nvSpPr>
-        <p:spPr/>
-        <p:txBody>
-          <a:bodyPr/>
-          <a:lstStyle/>
-          <a:p>
-            <a:r>
-              <a:rPr lang="pt-BR" dirty="0" smtClean="0"/>
-              <a:t>Fundamentos Teóricos</a:t>
-            </a:r>
-            <a:endParaRPr lang="pt-BR" dirty="0"/>
-          </a:p>
-        </p:txBody>
-      </p:sp>
-      <p:sp>
-        <p:nvSpPr>
-          <p:cNvPr id="3" name="Espaço Reservado para Conteúdo 2"/>
-          <p:cNvSpPr>
-            <a:spLocks noGrp="1"/>
-          </p:cNvSpPr>
-          <p:nvPr>
-            <p:ph idx="1"/>
-          </p:nvPr>
-        </p:nvSpPr>
-        <p:spPr>
-          <a:xfrm>
-            <a:off x="1097280" y="1845734"/>
-            <a:ext cx="5039909" cy="4023360"/>
-          </a:xfrm>
-        </p:spPr>
-        <p:txBody>
-          <a:bodyPr/>
-          <a:lstStyle/>
-          <a:p>
-            <a:endParaRPr lang="pt-BR" dirty="0" smtClean="0"/>
-          </a:p>
-          <a:p>
-            <a:r>
-              <a:rPr lang="pt-BR" sz="2800" dirty="0" err="1" smtClean="0"/>
-              <a:t>Deteção</a:t>
-            </a:r>
-            <a:r>
-              <a:rPr lang="pt-BR" sz="2800" dirty="0" smtClean="0"/>
-              <a:t> de Desvios</a:t>
-            </a:r>
-          </a:p>
-          <a:p>
-            <a:endParaRPr lang="pt-BR" dirty="0" smtClean="0"/>
-          </a:p>
-          <a:p>
-            <a:r>
-              <a:rPr lang="pt-BR" dirty="0"/>
-              <a:t>Segundo James, Witten, et al. (2013), o algoritmo K-</a:t>
-            </a:r>
-            <a:r>
-              <a:rPr lang="pt-BR" dirty="0" err="1"/>
-              <a:t>means</a:t>
-            </a:r>
-            <a:r>
-              <a:rPr lang="pt-BR" dirty="0"/>
-              <a:t> força cada pondo de observação a fazer parte de um grupo, durante a etapa de agrupamento.</a:t>
-            </a:r>
-            <a:endParaRPr lang="pt-BR" dirty="0" smtClean="0"/>
-          </a:p>
-        </p:txBody>
-      </p:sp>
-      <p:pic>
-        <p:nvPicPr>
-          <p:cNvPr id="5" name="Imagem 4"/>
-          <p:cNvPicPr/>
-          <p:nvPr/>
-        </p:nvPicPr>
-        <p:blipFill>
-          <a:blip r:embed="rId2"/>
-          <a:stretch>
-            <a:fillRect/>
-          </a:stretch>
-        </p:blipFill>
-        <p:spPr>
-          <a:xfrm>
-            <a:off x="7050405" y="2671551"/>
-            <a:ext cx="4105275" cy="2371725"/>
-          </a:xfrm>
-          <a:prstGeom prst="rect">
-            <a:avLst/>
-          </a:prstGeom>
-        </p:spPr>
-      </p:pic>
-    </p:spTree>
-    <p:extLst>
-      <p:ext uri="{BB962C8B-B14F-4D97-AF65-F5344CB8AC3E}">
-        <p14:creationId xmlns:p14="http://schemas.microsoft.com/office/powerpoint/2010/main" val="54205126"/>
       </p:ext>
     </p:extLst>
   </p:cSld>

--- a/presentation/Análise de agrupamento de perfis de clientes de.pptx
+++ b/presentation/Análise de agrupamento de perfis de clientes de.pptx
@@ -11,18 +11,19 @@
     <p:sldId id="259" r:id="rId5"/>
     <p:sldId id="260" r:id="rId6"/>
     <p:sldId id="261" r:id="rId7"/>
-    <p:sldId id="262" r:id="rId8"/>
-    <p:sldId id="273" r:id="rId9"/>
-    <p:sldId id="267" r:id="rId10"/>
-    <p:sldId id="268" r:id="rId11"/>
-    <p:sldId id="269" r:id="rId12"/>
-    <p:sldId id="270" r:id="rId13"/>
-    <p:sldId id="263" r:id="rId14"/>
-    <p:sldId id="264" r:id="rId15"/>
-    <p:sldId id="265" r:id="rId16"/>
-    <p:sldId id="266" r:id="rId17"/>
-    <p:sldId id="271" r:id="rId18"/>
-    <p:sldId id="272" r:id="rId19"/>
+    <p:sldId id="263" r:id="rId8"/>
+    <p:sldId id="262" r:id="rId9"/>
+    <p:sldId id="273" r:id="rId10"/>
+    <p:sldId id="267" r:id="rId11"/>
+    <p:sldId id="274" r:id="rId12"/>
+    <p:sldId id="268" r:id="rId13"/>
+    <p:sldId id="269" r:id="rId14"/>
+    <p:sldId id="270" r:id="rId15"/>
+    <p:sldId id="264" r:id="rId16"/>
+    <p:sldId id="265" r:id="rId17"/>
+    <p:sldId id="266" r:id="rId18"/>
+    <p:sldId id="271" r:id="rId19"/>
+    <p:sldId id="272" r:id="rId20"/>
   </p:sldIdLst>
   <p:sldSz cx="12192000" cy="6858000"/>
   <p:notesSz cx="6858000" cy="9144000"/>
@@ -132,13 +133,14 @@
             <p14:sldId id="259"/>
             <p14:sldId id="260"/>
             <p14:sldId id="261"/>
+            <p14:sldId id="263"/>
             <p14:sldId id="262"/>
             <p14:sldId id="273"/>
             <p14:sldId id="267"/>
+            <p14:sldId id="274"/>
             <p14:sldId id="268"/>
             <p14:sldId id="269"/>
             <p14:sldId id="270"/>
-            <p14:sldId id="263"/>
             <p14:sldId id="264"/>
             <p14:sldId id="265"/>
             <p14:sldId id="266"/>
@@ -383,7 +385,7 @@
           <a:p>
             <a:fld id="{5A069CB8-F204-4D06-B913-C5A26A89888A}" type="datetimeFigureOut">
               <a:rPr lang="en-US" dirty="0"/>
-              <a:t>11/26/2017</a:t>
+              <a:t>11/28/2017</a:t>
             </a:fld>
             <a:endParaRPr lang="en-US" dirty="0"/>
           </a:p>
@@ -586,7 +588,7 @@
           <a:p>
             <a:fld id="{50B6E300-0A13-4A81-945A-7333C271A069}" type="datetimeFigureOut">
               <a:rPr lang="en-US" dirty="0"/>
-              <a:t>11/26/2017</a:t>
+              <a:t>11/28/2017</a:t>
             </a:fld>
             <a:endParaRPr lang="en-US" dirty="0"/>
           </a:p>
@@ -839,7 +841,7 @@
           <a:p>
             <a:fld id="{34671962-1EA4-46E7-BCB0-F36CE46D1A59}" type="datetimeFigureOut">
               <a:rPr lang="en-US" dirty="0"/>
-              <a:t>11/26/2017</a:t>
+              <a:t>11/28/2017</a:t>
             </a:fld>
             <a:endParaRPr lang="en-US" dirty="0"/>
           </a:p>
@@ -1004,7 +1006,7 @@
           <a:p>
             <a:fld id="{D30BB376-B19C-488D-ABEB-03C7E6E9E3E0}" type="datetimeFigureOut">
               <a:rPr lang="en-US" dirty="0"/>
-              <a:t>11/26/2017</a:t>
+              <a:t>11/28/2017</a:t>
             </a:fld>
             <a:endParaRPr lang="en-US" dirty="0"/>
           </a:p>
@@ -1336,7 +1338,7 @@
           <a:p>
             <a:fld id="{486F077B-A50F-4D64-8574-E2D6A98A5553}" type="datetimeFigureOut">
               <a:rPr lang="en-US" dirty="0"/>
-              <a:t>11/26/2017</a:t>
+              <a:t>11/28/2017</a:t>
             </a:fld>
             <a:endParaRPr lang="en-US" dirty="0"/>
           </a:p>
@@ -1606,7 +1608,7 @@
           <a:p>
             <a:fld id="{7D9E2A62-1983-43A1-A163-D8AA46534C80}" type="datetimeFigureOut">
               <a:rPr lang="en-US" dirty="0"/>
-              <a:t>11/26/2017</a:t>
+              <a:t>11/28/2017</a:t>
             </a:fld>
             <a:endParaRPr lang="en-US" dirty="0"/>
           </a:p>
@@ -1980,7 +1982,7 @@
           <a:p>
             <a:fld id="{898F3E3B-34E3-4345-B2A1-994B83598A9C}" type="datetimeFigureOut">
               <a:rPr lang="en-US" dirty="0"/>
-              <a:t>11/26/2017</a:t>
+              <a:t>11/28/2017</a:t>
             </a:fld>
             <a:endParaRPr lang="en-US" dirty="0"/>
           </a:p>
@@ -2093,7 +2095,7 @@
           <a:p>
             <a:fld id="{FD816C96-82A1-4D77-8ADA-627AC6FE3D65}" type="datetimeFigureOut">
               <a:rPr lang="en-US" dirty="0"/>
-              <a:t>11/26/2017</a:t>
+              <a:t>11/28/2017</a:t>
             </a:fld>
             <a:endParaRPr lang="en-US" dirty="0"/>
           </a:p>
@@ -2261,7 +2263,7 @@
           <a:p>
             <a:fld id="{1D102C1E-28F2-47E9-802D-339E64E2F920}" type="datetimeFigureOut">
               <a:rPr lang="en-US" dirty="0"/>
-              <a:t>11/26/2017</a:t>
+              <a:t>11/28/2017</a:t>
             </a:fld>
             <a:endParaRPr lang="en-US" dirty="0"/>
           </a:p>
@@ -2613,7 +2615,7 @@
           <a:p>
             <a:fld id="{24271A48-F18A-45B3-BC05-1E27DA3F88AF}" type="datetimeFigureOut">
               <a:rPr lang="en-US" dirty="0"/>
-              <a:t>11/26/2017</a:t>
+              <a:t>11/28/2017</a:t>
             </a:fld>
             <a:endParaRPr lang="en-US" dirty="0"/>
           </a:p>
@@ -2988,7 +2990,7 @@
           <a:p>
             <a:fld id="{65B747F8-9654-4282-85D2-65F41AAE7A75}" type="datetimeFigureOut">
               <a:rPr lang="en-US" dirty="0"/>
-              <a:t>11/26/2017</a:t>
+              <a:t>11/28/2017</a:t>
             </a:fld>
             <a:endParaRPr lang="en-US" dirty="0"/>
           </a:p>
@@ -3272,7 +3274,7 @@
           <a:p>
             <a:fld id="{5DC5B261-8843-42D1-AAFC-05E20E2D9B97}" type="datetimeFigureOut">
               <a:rPr lang="en-US" dirty="0"/>
-              <a:t>11/26/2017</a:t>
+              <a:t>11/28/2017</a:t>
             </a:fld>
             <a:endParaRPr lang="en-US" dirty="0"/>
           </a:p>
@@ -3953,14 +3955,254 @@
         </p:nvSpPr>
         <p:spPr/>
         <p:txBody>
-          <a:bodyPr/>
-          <a:lstStyle/>
-          <a:p>
+          <a:bodyPr>
+            <a:normAutofit/>
+          </a:bodyPr>
+          <a:lstStyle/>
+          <a:p>
+            <a:r>
+              <a:rPr lang="pt-BR" sz="4000" dirty="0" smtClean="0"/>
+              <a:t>Fundamentos </a:t>
+            </a:r>
+            <a:r>
+              <a:rPr lang="pt-BR" sz="4000" dirty="0" smtClean="0"/>
+              <a:t>Teóricos – Pré-Processamento e Limpeza </a:t>
+            </a:r>
+            <a:endParaRPr lang="pt-BR" sz="4000" dirty="0"/>
+          </a:p>
+        </p:txBody>
+      </p:sp>
+      <p:sp>
+        <p:nvSpPr>
+          <p:cNvPr id="3" name="Espaço Reservado para Conteúdo 2"/>
+          <p:cNvSpPr>
+            <a:spLocks noGrp="1"/>
+          </p:cNvSpPr>
+          <p:nvPr>
+            <p:ph idx="1"/>
+          </p:nvPr>
+        </p:nvSpPr>
+        <p:spPr>
+          <a:xfrm>
+            <a:off x="1097280" y="1845734"/>
+            <a:ext cx="5748363" cy="4023360"/>
+          </a:xfrm>
+        </p:spPr>
+        <p:txBody>
+          <a:bodyPr/>
+          <a:lstStyle/>
+          <a:p>
+            <a:endParaRPr lang="pt-BR" dirty="0" smtClean="0"/>
+          </a:p>
+          <a:p>
+            <a:r>
+              <a:rPr lang="pt-BR" sz="2800" dirty="0" smtClean="0"/>
+              <a:t>Escalonamento </a:t>
+            </a:r>
+            <a:r>
+              <a:rPr lang="pt-BR" sz="2800" dirty="0" smtClean="0"/>
+              <a:t>dos dados – Logaritmo </a:t>
+            </a:r>
+            <a:r>
+              <a:rPr lang="pt-BR" sz="2800" dirty="0" smtClean="0"/>
+              <a:t>Natural</a:t>
+            </a:r>
+          </a:p>
+          <a:p>
+            <a:endParaRPr lang="pt-BR" dirty="0" smtClean="0"/>
+          </a:p>
+          <a:p>
+            <a:pPr lvl="1"/>
             <a:r>
               <a:rPr lang="pt-BR" dirty="0" smtClean="0"/>
-              <a:t>Fundamentos Teóricos</a:t>
+              <a:t>K-</a:t>
+            </a:r>
+            <a:r>
+              <a:rPr lang="pt-BR" dirty="0" err="1" smtClean="0"/>
+              <a:t>means</a:t>
+            </a:r>
+            <a:r>
+              <a:rPr lang="pt-BR" dirty="0" smtClean="0"/>
+              <a:t> utiliza distância euclidiana;</a:t>
             </a:r>
             <a:endParaRPr lang="pt-BR" dirty="0"/>
+          </a:p>
+          <a:p>
+            <a:pPr lvl="1"/>
+            <a:r>
+              <a:rPr lang="pt-BR" dirty="0" smtClean="0"/>
+              <a:t>Dados na mesma escala;</a:t>
+            </a:r>
+          </a:p>
+          <a:p>
+            <a:pPr lvl="1"/>
+            <a:r>
+              <a:rPr lang="pt-BR" dirty="0" smtClean="0"/>
+              <a:t>Facilita a interpretação;</a:t>
+            </a:r>
+          </a:p>
+          <a:p>
+            <a:pPr lvl="1"/>
+            <a:r>
+              <a:rPr lang="pt-BR" dirty="0" smtClean="0"/>
+              <a:t>Agilidade no modelo;</a:t>
+            </a:r>
+          </a:p>
+        </p:txBody>
+      </p:sp>
+      <p:pic>
+        <p:nvPicPr>
+          <p:cNvPr id="4" name="Imagem 3"/>
+          <p:cNvPicPr/>
+          <p:nvPr/>
+        </p:nvPicPr>
+        <p:blipFill>
+          <a:blip r:embed="rId2"/>
+          <a:stretch>
+            <a:fillRect/>
+          </a:stretch>
+        </p:blipFill>
+        <p:spPr>
+          <a:xfrm>
+            <a:off x="7036435" y="2386436"/>
+            <a:ext cx="4119245" cy="2941955"/>
+          </a:xfrm>
+          <a:prstGeom prst="rect">
+            <a:avLst/>
+          </a:prstGeom>
+        </p:spPr>
+      </p:pic>
+    </p:spTree>
+    <p:extLst>
+      <p:ext uri="{BB962C8B-B14F-4D97-AF65-F5344CB8AC3E}">
+        <p14:creationId xmlns:p14="http://schemas.microsoft.com/office/powerpoint/2010/main" val="1190399798"/>
+      </p:ext>
+    </p:extLst>
+  </p:cSld>
+  <p:clrMapOvr>
+    <a:masterClrMapping/>
+  </p:clrMapOvr>
+</p:sld>
+</file>
+
+<file path=ppt/slides/slide11.xml><?xml version="1.0" encoding="utf-8"?>
+<p:sld xmlns:a="http://schemas.openxmlformats.org/drawingml/2006/main" xmlns:r="http://schemas.openxmlformats.org/officeDocument/2006/relationships" xmlns:p="http://schemas.openxmlformats.org/presentationml/2006/main">
+  <p:cSld>
+    <p:spTree>
+      <p:nvGrpSpPr>
+        <p:cNvPr id="1" name=""/>
+        <p:cNvGrpSpPr/>
+        <p:nvPr/>
+      </p:nvGrpSpPr>
+      <p:grpSpPr>
+        <a:xfrm>
+          <a:off x="0" y="0"/>
+          <a:ext cx="0" cy="0"/>
+          <a:chOff x="0" y="0"/>
+          <a:chExt cx="0" cy="0"/>
+        </a:xfrm>
+      </p:grpSpPr>
+      <p:sp>
+        <p:nvSpPr>
+          <p:cNvPr id="2" name="Título 1"/>
+          <p:cNvSpPr>
+            <a:spLocks noGrp="1"/>
+          </p:cNvSpPr>
+          <p:nvPr>
+            <p:ph type="title"/>
+          </p:nvPr>
+        </p:nvSpPr>
+        <p:spPr/>
+        <p:txBody>
+          <a:bodyPr/>
+          <a:lstStyle/>
+          <a:p>
+            <a:r>
+              <a:rPr lang="pt-BR" dirty="0" smtClean="0"/>
+              <a:t>Resultado do Escalonamento</a:t>
+            </a:r>
+            <a:endParaRPr lang="pt-BR" dirty="0"/>
+          </a:p>
+        </p:txBody>
+      </p:sp>
+      <p:pic>
+        <p:nvPicPr>
+          <p:cNvPr id="6" name="Espaço Reservado para Conteúdo 5"/>
+          <p:cNvPicPr>
+            <a:picLocks noGrp="1"/>
+          </p:cNvPicPr>
+          <p:nvPr>
+            <p:ph idx="1"/>
+          </p:nvPr>
+        </p:nvPicPr>
+        <p:blipFill>
+          <a:blip r:embed="rId2"/>
+          <a:stretch>
+            <a:fillRect/>
+          </a:stretch>
+        </p:blipFill>
+        <p:spPr>
+          <a:xfrm>
+            <a:off x="2725509" y="1846263"/>
+            <a:ext cx="6801308" cy="4022725"/>
+          </a:xfrm>
+          <a:prstGeom prst="rect">
+            <a:avLst/>
+          </a:prstGeom>
+        </p:spPr>
+      </p:pic>
+    </p:spTree>
+    <p:extLst>
+      <p:ext uri="{BB962C8B-B14F-4D97-AF65-F5344CB8AC3E}">
+        <p14:creationId xmlns:p14="http://schemas.microsoft.com/office/powerpoint/2010/main" val="3446831560"/>
+      </p:ext>
+    </p:extLst>
+  </p:cSld>
+  <p:clrMapOvr>
+    <a:masterClrMapping/>
+  </p:clrMapOvr>
+</p:sld>
+</file>
+
+<file path=ppt/slides/slide12.xml><?xml version="1.0" encoding="utf-8"?>
+<p:sld xmlns:a="http://schemas.openxmlformats.org/drawingml/2006/main" xmlns:r="http://schemas.openxmlformats.org/officeDocument/2006/relationships" xmlns:p="http://schemas.openxmlformats.org/presentationml/2006/main">
+  <p:cSld>
+    <p:spTree>
+      <p:nvGrpSpPr>
+        <p:cNvPr id="1" name=""/>
+        <p:cNvGrpSpPr/>
+        <p:nvPr/>
+      </p:nvGrpSpPr>
+      <p:grpSpPr>
+        <a:xfrm>
+          <a:off x="0" y="0"/>
+          <a:ext cx="0" cy="0"/>
+          <a:chOff x="0" y="0"/>
+          <a:chExt cx="0" cy="0"/>
+        </a:xfrm>
+      </p:grpSpPr>
+      <p:sp>
+        <p:nvSpPr>
+          <p:cNvPr id="2" name="Título 1"/>
+          <p:cNvSpPr>
+            <a:spLocks noGrp="1"/>
+          </p:cNvSpPr>
+          <p:nvPr>
+            <p:ph type="title"/>
+          </p:nvPr>
+        </p:nvSpPr>
+        <p:spPr/>
+        <p:txBody>
+          <a:bodyPr>
+            <a:normAutofit/>
+          </a:bodyPr>
+          <a:lstStyle/>
+          <a:p>
+            <a:r>
+              <a:rPr lang="pt-BR" sz="4000" dirty="0"/>
+              <a:t>Fundamentos Teóricos – Pré-Processamento e Limpeza </a:t>
+            </a:r>
+            <a:endParaRPr lang="pt-BR" sz="4000" dirty="0"/>
           </a:p>
         </p:txBody>
       </p:sp>
@@ -4051,7 +4293,7 @@
 </p:sld>
 </file>
 
-<file path=ppt/slides/slide11.xml><?xml version="1.0" encoding="utf-8"?>
+<file path=ppt/slides/slide13.xml><?xml version="1.0" encoding="utf-8"?>
 <p:sld xmlns:a="http://schemas.openxmlformats.org/drawingml/2006/main" xmlns:r="http://schemas.openxmlformats.org/officeDocument/2006/relationships" xmlns:p="http://schemas.openxmlformats.org/presentationml/2006/main">
   <p:cSld>
     <p:spTree>
@@ -4080,14 +4322,20 @@
         </p:nvSpPr>
         <p:spPr/>
         <p:txBody>
-          <a:bodyPr/>
-          <a:lstStyle/>
-          <a:p>
-            <a:r>
-              <a:rPr lang="pt-BR" dirty="0" smtClean="0"/>
-              <a:t>Fundamentos Teóricos</a:t>
-            </a:r>
-            <a:endParaRPr lang="pt-BR" dirty="0"/>
+          <a:bodyPr>
+            <a:normAutofit/>
+          </a:bodyPr>
+          <a:lstStyle/>
+          <a:p>
+            <a:r>
+              <a:rPr lang="pt-BR" sz="4000" dirty="0" smtClean="0"/>
+              <a:t>Fundamentos </a:t>
+            </a:r>
+            <a:r>
+              <a:rPr lang="pt-BR" sz="4000" dirty="0" smtClean="0"/>
+              <a:t>Teóricos – Pré-Processamento e Limpeza</a:t>
+            </a:r>
+            <a:endParaRPr lang="pt-BR" sz="4000" dirty="0"/>
           </a:p>
         </p:txBody>
       </p:sp>
@@ -4170,7 +4418,7 @@
 </p:sld>
 </file>
 
-<file path=ppt/slides/slide12.xml><?xml version="1.0" encoding="utf-8"?>
+<file path=ppt/slides/slide14.xml><?xml version="1.0" encoding="utf-8"?>
 <p:sld xmlns:a="http://schemas.openxmlformats.org/drawingml/2006/main" xmlns:r="http://schemas.openxmlformats.org/officeDocument/2006/relationships" xmlns:p="http://schemas.openxmlformats.org/presentationml/2006/main">
   <p:cSld>
     <p:spTree>
@@ -4276,7 +4524,1181 @@
 </p:sld>
 </file>
 
-<file path=ppt/slides/slide13.xml><?xml version="1.0" encoding="utf-8"?>
+<file path=ppt/slides/slide15.xml><?xml version="1.0" encoding="utf-8"?>
+<p:sld xmlns:a="http://schemas.openxmlformats.org/drawingml/2006/main" xmlns:r="http://schemas.openxmlformats.org/officeDocument/2006/relationships" xmlns:p="http://schemas.openxmlformats.org/presentationml/2006/main">
+  <p:cSld>
+    <p:spTree>
+      <p:nvGrpSpPr>
+        <p:cNvPr id="1" name=""/>
+        <p:cNvGrpSpPr/>
+        <p:nvPr/>
+      </p:nvGrpSpPr>
+      <p:grpSpPr>
+        <a:xfrm>
+          <a:off x="0" y="0"/>
+          <a:ext cx="0" cy="0"/>
+          <a:chOff x="0" y="0"/>
+          <a:chExt cx="0" cy="0"/>
+        </a:xfrm>
+      </p:grpSpPr>
+      <p:sp>
+        <p:nvSpPr>
+          <p:cNvPr id="2" name="Título 1"/>
+          <p:cNvSpPr>
+            <a:spLocks noGrp="1"/>
+          </p:cNvSpPr>
+          <p:nvPr>
+            <p:ph type="title"/>
+          </p:nvPr>
+        </p:nvSpPr>
+        <p:spPr/>
+        <p:txBody>
+          <a:bodyPr/>
+          <a:lstStyle/>
+          <a:p>
+            <a:r>
+              <a:rPr lang="pt-BR" dirty="0" smtClean="0"/>
+              <a:t>Fundamentos Teóricos</a:t>
+            </a:r>
+            <a:endParaRPr lang="pt-BR" dirty="0"/>
+          </a:p>
+        </p:txBody>
+      </p:sp>
+      <mc:AlternateContent xmlns:mc="http://schemas.openxmlformats.org/markup-compatibility/2006" xmlns:a14="http://schemas.microsoft.com/office/drawing/2010/main">
+        <mc:Choice Requires="a14">
+          <p:sp>
+            <p:nvSpPr>
+              <p:cNvPr id="3" name="Espaço Reservado para Conteúdo 2"/>
+              <p:cNvSpPr>
+                <a:spLocks noGrp="1"/>
+              </p:cNvSpPr>
+              <p:nvPr>
+                <p:ph idx="1"/>
+              </p:nvPr>
+            </p:nvSpPr>
+            <p:spPr>
+              <a:xfrm>
+                <a:off x="1097280" y="1845734"/>
+                <a:ext cx="10058400" cy="4023360"/>
+              </a:xfrm>
+            </p:spPr>
+            <p:txBody>
+              <a:bodyPr/>
+              <a:lstStyle/>
+              <a:p>
+                <a:endParaRPr lang="pt-BR" dirty="0" smtClean="0"/>
+              </a:p>
+              <a:p>
+                <a:r>
+                  <a:rPr lang="pt-BR" sz="2800" dirty="0" smtClean="0"/>
+                  <a:t>Algoritmo K-</a:t>
+                </a:r>
+                <a:r>
+                  <a:rPr lang="pt-BR" sz="2800" dirty="0" err="1" smtClean="0"/>
+                  <a:t>Means</a:t>
+                </a:r>
+                <a:endParaRPr lang="pt-BR" sz="2800" dirty="0" smtClean="0"/>
+              </a:p>
+              <a:p>
+                <a:endParaRPr lang="pt-BR" dirty="0" smtClean="0"/>
+              </a:p>
+              <a:p>
+                <a:endParaRPr lang="pt-BR" dirty="0"/>
+              </a:p>
+              <a:p>
+                <a:r>
+                  <a:rPr lang="pt-BR" dirty="0"/>
+                  <a:t>O algoritmo K-</a:t>
+                </a:r>
+                <a:r>
+                  <a:rPr lang="pt-BR" dirty="0" err="1"/>
+                  <a:t>means</a:t>
+                </a:r>
+                <a:r>
+                  <a:rPr lang="pt-BR" dirty="0"/>
+                  <a:t> é uma abordagem simples para particionar dados em subgrupos (</a:t>
+                </a:r>
+                <a14:m>
+                  <m:oMath xmlns:m="http://schemas.openxmlformats.org/officeDocument/2006/math">
+                    <m:r>
+                      <a:rPr lang="pt-BR" i="1">
+                        <a:latin typeface="Cambria Math" panose="02040503050406030204" pitchFamily="18" charset="0"/>
+                      </a:rPr>
+                      <m:t>𝑘</m:t>
+                    </m:r>
+                  </m:oMath>
+                </a14:m>
+                <a:r>
+                  <a:rPr lang="pt-BR" dirty="0"/>
+                  <a:t>), este algoritmo utiliza o conceito da distância Euclidiana para calcular as distâncias entre cada ponto de observação e os centros de cada grupo (</a:t>
+                </a:r>
+                <a14:m>
+                  <m:oMath xmlns:m="http://schemas.openxmlformats.org/officeDocument/2006/math">
+                    <m:r>
+                      <a:rPr lang="pt-BR" i="1">
+                        <a:latin typeface="Cambria Math" panose="02040503050406030204" pitchFamily="18" charset="0"/>
+                      </a:rPr>
+                      <m:t>𝑘</m:t>
+                    </m:r>
+                  </m:oMath>
+                </a14:m>
+                <a:r>
+                  <a:rPr lang="pt-BR" dirty="0"/>
+                  <a:t>)</a:t>
+                </a:r>
+              </a:p>
+            </p:txBody>
+          </p:sp>
+        </mc:Choice>
+        <mc:Fallback xmlns="">
+          <p:sp>
+            <p:nvSpPr>
+              <p:cNvPr id="3" name="Espaço Reservado para Conteúdo 2"/>
+              <p:cNvSpPr>
+                <a:spLocks noGrp="1" noRot="1" noChangeAspect="1" noMove="1" noResize="1" noEditPoints="1" noAdjustHandles="1" noChangeArrowheads="1" noChangeShapeType="1" noTextEdit="1"/>
+              </p:cNvSpPr>
+              <p:nvPr>
+                <p:ph idx="1"/>
+              </p:nvPr>
+            </p:nvSpPr>
+            <p:spPr>
+              <a:xfrm>
+                <a:off x="1097280" y="1845734"/>
+                <a:ext cx="10058400" cy="4023360"/>
+              </a:xfrm>
+              <a:blipFill rotWithShape="0">
+                <a:blip r:embed="rId2"/>
+                <a:stretch>
+                  <a:fillRect l="-1212" r="-121"/>
+                </a:stretch>
+              </a:blipFill>
+            </p:spPr>
+            <p:txBody>
+              <a:bodyPr/>
+              <a:lstStyle/>
+              <a:p>
+                <a:r>
+                  <a:rPr lang="pt-BR">
+                    <a:noFill/>
+                  </a:rPr>
+                  <a:t> </a:t>
+                </a:r>
+              </a:p>
+            </p:txBody>
+          </p:sp>
+        </mc:Fallback>
+      </mc:AlternateContent>
+    </p:spTree>
+    <p:extLst>
+      <p:ext uri="{BB962C8B-B14F-4D97-AF65-F5344CB8AC3E}">
+        <p14:creationId xmlns:p14="http://schemas.microsoft.com/office/powerpoint/2010/main" val="4121077245"/>
+      </p:ext>
+    </p:extLst>
+  </p:cSld>
+  <p:clrMapOvr>
+    <a:masterClrMapping/>
+  </p:clrMapOvr>
+</p:sld>
+</file>
+
+<file path=ppt/slides/slide16.xml><?xml version="1.0" encoding="utf-8"?>
+<p:sld xmlns:a="http://schemas.openxmlformats.org/drawingml/2006/main" xmlns:r="http://schemas.openxmlformats.org/officeDocument/2006/relationships" xmlns:p="http://schemas.openxmlformats.org/presentationml/2006/main">
+  <p:cSld>
+    <p:spTree>
+      <p:nvGrpSpPr>
+        <p:cNvPr id="1" name=""/>
+        <p:cNvGrpSpPr/>
+        <p:nvPr/>
+      </p:nvGrpSpPr>
+      <p:grpSpPr>
+        <a:xfrm>
+          <a:off x="0" y="0"/>
+          <a:ext cx="0" cy="0"/>
+          <a:chOff x="0" y="0"/>
+          <a:chExt cx="0" cy="0"/>
+        </a:xfrm>
+      </p:grpSpPr>
+      <p:sp>
+        <p:nvSpPr>
+          <p:cNvPr id="2" name="Título 1"/>
+          <p:cNvSpPr>
+            <a:spLocks noGrp="1"/>
+          </p:cNvSpPr>
+          <p:nvPr>
+            <p:ph type="title"/>
+          </p:nvPr>
+        </p:nvSpPr>
+        <p:spPr/>
+        <p:txBody>
+          <a:bodyPr/>
+          <a:lstStyle/>
+          <a:p>
+            <a:r>
+              <a:rPr lang="pt-BR" dirty="0" smtClean="0"/>
+              <a:t>Fundamentos Teóricos</a:t>
+            </a:r>
+            <a:endParaRPr lang="pt-BR" dirty="0"/>
+          </a:p>
+        </p:txBody>
+      </p:sp>
+      <p:sp>
+        <p:nvSpPr>
+          <p:cNvPr id="3" name="Espaço Reservado para Conteúdo 2"/>
+          <p:cNvSpPr>
+            <a:spLocks noGrp="1"/>
+          </p:cNvSpPr>
+          <p:nvPr>
+            <p:ph idx="1"/>
+          </p:nvPr>
+        </p:nvSpPr>
+        <p:spPr>
+          <a:xfrm>
+            <a:off x="1097280" y="1845734"/>
+            <a:ext cx="5361185" cy="4023360"/>
+          </a:xfrm>
+        </p:spPr>
+        <p:txBody>
+          <a:bodyPr/>
+          <a:lstStyle/>
+          <a:p>
+            <a:endParaRPr lang="pt-BR" dirty="0" smtClean="0"/>
+          </a:p>
+          <a:p>
+            <a:pPr marL="457200" indent="-457200">
+              <a:buFont typeface="+mj-lt"/>
+              <a:buAutoNum type="arabicPeriod"/>
+            </a:pPr>
+            <a:r>
+              <a:rPr lang="pt-BR" dirty="0" smtClean="0"/>
+              <a:t>Atribuir um cluster para cada ponto de observação de forma aleatória;</a:t>
+            </a:r>
+          </a:p>
+          <a:p>
+            <a:pPr marL="457200" indent="-457200">
+              <a:buFont typeface="+mj-lt"/>
+              <a:buAutoNum type="arabicPeriod"/>
+            </a:pPr>
+            <a:r>
+              <a:rPr lang="pt-BR" dirty="0" smtClean="0"/>
+              <a:t>Posicionar os clusters aleatoriamente;</a:t>
+            </a:r>
+          </a:p>
+          <a:p>
+            <a:pPr marL="457200" indent="-457200">
+              <a:buFont typeface="+mj-lt"/>
+              <a:buAutoNum type="arabicPeriod"/>
+            </a:pPr>
+            <a:r>
+              <a:rPr lang="pt-BR" dirty="0" smtClean="0"/>
+              <a:t>Cada ponto de observação é associado ao cluster mais próximo;</a:t>
+            </a:r>
+          </a:p>
+          <a:p>
+            <a:pPr marL="457200" indent="-457200">
+              <a:buFont typeface="+mj-lt"/>
+              <a:buAutoNum type="arabicPeriod"/>
+            </a:pPr>
+            <a:r>
+              <a:rPr lang="pt-BR" dirty="0" smtClean="0"/>
+              <a:t>Posicionar os clusters no centro dos pontos de observações;</a:t>
+            </a:r>
+          </a:p>
+          <a:p>
+            <a:pPr marL="457200" indent="-457200">
+              <a:buFont typeface="+mj-lt"/>
+              <a:buAutoNum type="arabicPeriod"/>
+            </a:pPr>
+            <a:r>
+              <a:rPr lang="pt-BR" dirty="0" smtClean="0"/>
+              <a:t>Repetir o passo 3 e 4;</a:t>
+            </a:r>
+          </a:p>
+          <a:p>
+            <a:pPr marL="457200" indent="-457200">
+              <a:buFont typeface="+mj-lt"/>
+              <a:buAutoNum type="arabicPeriod"/>
+            </a:pPr>
+            <a:r>
+              <a:rPr lang="pt-BR" dirty="0" smtClean="0"/>
+              <a:t>Obter o resultado final;</a:t>
+            </a:r>
+          </a:p>
+          <a:p>
+            <a:pPr marL="457200" indent="-457200">
+              <a:buFont typeface="+mj-lt"/>
+              <a:buAutoNum type="arabicPeriod"/>
+            </a:pPr>
+            <a:endParaRPr lang="pt-BR" dirty="0" smtClean="0"/>
+          </a:p>
+          <a:p>
+            <a:pPr marL="457200" indent="-457200">
+              <a:buFont typeface="+mj-lt"/>
+              <a:buAutoNum type="arabicPeriod"/>
+            </a:pPr>
+            <a:endParaRPr lang="pt-BR" dirty="0"/>
+          </a:p>
+        </p:txBody>
+      </p:sp>
+      <p:pic>
+        <p:nvPicPr>
+          <p:cNvPr id="5" name="Imagem 4"/>
+          <p:cNvPicPr/>
+          <p:nvPr/>
+        </p:nvPicPr>
+        <p:blipFill>
+          <a:blip r:embed="rId2"/>
+          <a:stretch>
+            <a:fillRect/>
+          </a:stretch>
+        </p:blipFill>
+        <p:spPr>
+          <a:xfrm>
+            <a:off x="6575082" y="1845734"/>
+            <a:ext cx="4580598" cy="4110367"/>
+          </a:xfrm>
+          <a:prstGeom prst="rect">
+            <a:avLst/>
+          </a:prstGeom>
+        </p:spPr>
+      </p:pic>
+    </p:spTree>
+    <p:extLst>
+      <p:ext uri="{BB962C8B-B14F-4D97-AF65-F5344CB8AC3E}">
+        <p14:creationId xmlns:p14="http://schemas.microsoft.com/office/powerpoint/2010/main" val="3439879044"/>
+      </p:ext>
+    </p:extLst>
+  </p:cSld>
+  <p:clrMapOvr>
+    <a:masterClrMapping/>
+  </p:clrMapOvr>
+</p:sld>
+</file>
+
+<file path=ppt/slides/slide17.xml><?xml version="1.0" encoding="utf-8"?>
+<p:sld xmlns:a="http://schemas.openxmlformats.org/drawingml/2006/main" xmlns:r="http://schemas.openxmlformats.org/officeDocument/2006/relationships" xmlns:p="http://schemas.openxmlformats.org/presentationml/2006/main">
+  <p:cSld>
+    <p:spTree>
+      <p:nvGrpSpPr>
+        <p:cNvPr id="1" name=""/>
+        <p:cNvGrpSpPr/>
+        <p:nvPr/>
+      </p:nvGrpSpPr>
+      <p:grpSpPr>
+        <a:xfrm>
+          <a:off x="0" y="0"/>
+          <a:ext cx="0" cy="0"/>
+          <a:chOff x="0" y="0"/>
+          <a:chExt cx="0" cy="0"/>
+        </a:xfrm>
+      </p:grpSpPr>
+      <p:sp>
+        <p:nvSpPr>
+          <p:cNvPr id="2" name="Título 1"/>
+          <p:cNvSpPr>
+            <a:spLocks noGrp="1"/>
+          </p:cNvSpPr>
+          <p:nvPr>
+            <p:ph type="title"/>
+          </p:nvPr>
+        </p:nvSpPr>
+        <p:spPr/>
+        <p:txBody>
+          <a:bodyPr/>
+          <a:lstStyle/>
+          <a:p>
+            <a:r>
+              <a:rPr lang="pt-BR" dirty="0" smtClean="0"/>
+              <a:t>Fundamentos Teóricos</a:t>
+            </a:r>
+            <a:endParaRPr lang="pt-BR" dirty="0"/>
+          </a:p>
+        </p:txBody>
+      </p:sp>
+      <p:sp>
+        <p:nvSpPr>
+          <p:cNvPr id="3" name="Espaço Reservado para Conteúdo 2"/>
+          <p:cNvSpPr>
+            <a:spLocks noGrp="1"/>
+          </p:cNvSpPr>
+          <p:nvPr>
+            <p:ph idx="1"/>
+          </p:nvPr>
+        </p:nvSpPr>
+        <p:spPr/>
+        <p:txBody>
+          <a:bodyPr/>
+          <a:lstStyle/>
+          <a:p>
+            <a:endParaRPr lang="pt-BR" dirty="0" smtClean="0"/>
+          </a:p>
+          <a:p>
+            <a:r>
+              <a:rPr lang="pt-BR" dirty="0" smtClean="0"/>
+              <a:t>Método do Cotovelo				Método da Silhueta				</a:t>
+            </a:r>
+            <a:endParaRPr lang="pt-BR" dirty="0"/>
+          </a:p>
+        </p:txBody>
+      </p:sp>
+      <p:pic>
+        <p:nvPicPr>
+          <p:cNvPr id="4" name="Imagem 3"/>
+          <p:cNvPicPr/>
+          <p:nvPr/>
+        </p:nvPicPr>
+        <p:blipFill>
+          <a:blip r:embed="rId2"/>
+          <a:stretch>
+            <a:fillRect/>
+          </a:stretch>
+        </p:blipFill>
+        <p:spPr>
+          <a:xfrm>
+            <a:off x="1097280" y="2791467"/>
+            <a:ext cx="3190875" cy="2790825"/>
+          </a:xfrm>
+          <a:prstGeom prst="rect">
+            <a:avLst/>
+          </a:prstGeom>
+        </p:spPr>
+      </p:pic>
+      <p:pic>
+        <p:nvPicPr>
+          <p:cNvPr id="5" name="Imagem 4"/>
+          <p:cNvPicPr/>
+          <p:nvPr/>
+        </p:nvPicPr>
+        <p:blipFill>
+          <a:blip r:embed="rId3"/>
+          <a:stretch>
+            <a:fillRect/>
+          </a:stretch>
+        </p:blipFill>
+        <p:spPr>
+          <a:xfrm>
+            <a:off x="6449180" y="3051621"/>
+            <a:ext cx="4507144" cy="2097027"/>
+          </a:xfrm>
+          <a:prstGeom prst="rect">
+            <a:avLst/>
+          </a:prstGeom>
+        </p:spPr>
+      </p:pic>
+    </p:spTree>
+    <p:extLst>
+      <p:ext uri="{BB962C8B-B14F-4D97-AF65-F5344CB8AC3E}">
+        <p14:creationId xmlns:p14="http://schemas.microsoft.com/office/powerpoint/2010/main" val="1304157775"/>
+      </p:ext>
+    </p:extLst>
+  </p:cSld>
+  <p:clrMapOvr>
+    <a:masterClrMapping/>
+  </p:clrMapOvr>
+</p:sld>
+</file>
+
+<file path=ppt/slides/slide18.xml><?xml version="1.0" encoding="utf-8"?>
+<p:sld xmlns:a="http://schemas.openxmlformats.org/drawingml/2006/main" xmlns:r="http://schemas.openxmlformats.org/officeDocument/2006/relationships" xmlns:p="http://schemas.openxmlformats.org/presentationml/2006/main">
+  <p:cSld>
+    <p:spTree>
+      <p:nvGrpSpPr>
+        <p:cNvPr id="1" name=""/>
+        <p:cNvGrpSpPr/>
+        <p:nvPr/>
+      </p:nvGrpSpPr>
+      <p:grpSpPr>
+        <a:xfrm>
+          <a:off x="0" y="0"/>
+          <a:ext cx="0" cy="0"/>
+          <a:chOff x="0" y="0"/>
+          <a:chExt cx="0" cy="0"/>
+        </a:xfrm>
+      </p:grpSpPr>
+      <p:sp>
+        <p:nvSpPr>
+          <p:cNvPr id="2" name="Título 1"/>
+          <p:cNvSpPr>
+            <a:spLocks noGrp="1"/>
+          </p:cNvSpPr>
+          <p:nvPr>
+            <p:ph type="title"/>
+          </p:nvPr>
+        </p:nvSpPr>
+        <p:spPr/>
+        <p:txBody>
+          <a:bodyPr/>
+          <a:lstStyle/>
+          <a:p>
+            <a:r>
+              <a:rPr lang="pt-BR" dirty="0" smtClean="0"/>
+              <a:t>Resultado Obtido</a:t>
+            </a:r>
+            <a:endParaRPr lang="pt-BR" dirty="0"/>
+          </a:p>
+        </p:txBody>
+      </p:sp>
+      <p:pic>
+        <p:nvPicPr>
+          <p:cNvPr id="4" name="Espaço Reservado para Conteúdo 3"/>
+          <p:cNvPicPr>
+            <a:picLocks noGrp="1"/>
+          </p:cNvPicPr>
+          <p:nvPr>
+            <p:ph idx="1"/>
+          </p:nvPr>
+        </p:nvPicPr>
+        <p:blipFill>
+          <a:blip r:embed="rId2"/>
+          <a:stretch>
+            <a:fillRect/>
+          </a:stretch>
+        </p:blipFill>
+        <p:spPr>
+          <a:xfrm>
+            <a:off x="3311610" y="1915743"/>
+            <a:ext cx="4919468" cy="3107724"/>
+          </a:xfrm>
+          <a:prstGeom prst="rect">
+            <a:avLst/>
+          </a:prstGeom>
+        </p:spPr>
+      </p:pic>
+      <p:pic>
+        <p:nvPicPr>
+          <p:cNvPr id="9" name="Imagem 8"/>
+          <p:cNvPicPr>
+            <a:picLocks noChangeAspect="1"/>
+          </p:cNvPicPr>
+          <p:nvPr/>
+        </p:nvPicPr>
+        <p:blipFill>
+          <a:blip r:embed="rId3"/>
+          <a:stretch>
+            <a:fillRect/>
+          </a:stretch>
+        </p:blipFill>
+        <p:spPr>
+          <a:xfrm>
+            <a:off x="2762924" y="5201850"/>
+            <a:ext cx="6016839" cy="787400"/>
+          </a:xfrm>
+          <a:prstGeom prst="rect">
+            <a:avLst/>
+          </a:prstGeom>
+        </p:spPr>
+      </p:pic>
+    </p:spTree>
+    <p:extLst>
+      <p:ext uri="{BB962C8B-B14F-4D97-AF65-F5344CB8AC3E}">
+        <p14:creationId xmlns:p14="http://schemas.microsoft.com/office/powerpoint/2010/main" val="3116056196"/>
+      </p:ext>
+    </p:extLst>
+  </p:cSld>
+  <p:clrMapOvr>
+    <a:masterClrMapping/>
+  </p:clrMapOvr>
+</p:sld>
+</file>
+
+<file path=ppt/slides/slide19.xml><?xml version="1.0" encoding="utf-8"?>
+<p:sld xmlns:a="http://schemas.openxmlformats.org/drawingml/2006/main" xmlns:r="http://schemas.openxmlformats.org/officeDocument/2006/relationships" xmlns:p="http://schemas.openxmlformats.org/presentationml/2006/main">
+  <p:cSld>
+    <p:spTree>
+      <p:nvGrpSpPr>
+        <p:cNvPr id="1" name=""/>
+        <p:cNvGrpSpPr/>
+        <p:nvPr/>
+      </p:nvGrpSpPr>
+      <p:grpSpPr>
+        <a:xfrm>
+          <a:off x="0" y="0"/>
+          <a:ext cx="0" cy="0"/>
+          <a:chOff x="0" y="0"/>
+          <a:chExt cx="0" cy="0"/>
+        </a:xfrm>
+      </p:grpSpPr>
+      <p:sp>
+        <p:nvSpPr>
+          <p:cNvPr id="2" name="Título 1"/>
+          <p:cNvSpPr>
+            <a:spLocks noGrp="1"/>
+          </p:cNvSpPr>
+          <p:nvPr>
+            <p:ph type="title"/>
+          </p:nvPr>
+        </p:nvSpPr>
+        <p:spPr/>
+        <p:txBody>
+          <a:bodyPr/>
+          <a:lstStyle/>
+          <a:p>
+            <a:r>
+              <a:rPr lang="pt-BR" dirty="0" smtClean="0"/>
+              <a:t>Considerações Finais</a:t>
+            </a:r>
+            <a:endParaRPr lang="pt-BR" dirty="0"/>
+          </a:p>
+        </p:txBody>
+      </p:sp>
+      <p:sp>
+        <p:nvSpPr>
+          <p:cNvPr id="3" name="Espaço Reservado para Conteúdo 2"/>
+          <p:cNvSpPr>
+            <a:spLocks noGrp="1"/>
+          </p:cNvSpPr>
+          <p:nvPr>
+            <p:ph idx="1"/>
+          </p:nvPr>
+        </p:nvSpPr>
+        <p:spPr>
+          <a:xfrm>
+            <a:off x="1097280" y="1878228"/>
+            <a:ext cx="10058400" cy="3990866"/>
+          </a:xfrm>
+        </p:spPr>
+        <p:txBody>
+          <a:bodyPr/>
+          <a:lstStyle/>
+          <a:p>
+            <a:endParaRPr lang="pt-BR" dirty="0" smtClean="0"/>
+          </a:p>
+          <a:p>
+            <a:endParaRPr lang="pt-BR" dirty="0" smtClean="0"/>
+          </a:p>
+          <a:p>
+            <a:r>
+              <a:rPr lang="pt-BR" dirty="0" smtClean="0"/>
+              <a:t>O algoritmo K-</a:t>
+            </a:r>
+            <a:r>
+              <a:rPr lang="pt-BR" dirty="0" err="1" smtClean="0"/>
+              <a:t>Means</a:t>
+            </a:r>
+            <a:r>
+              <a:rPr lang="pt-BR" dirty="0" smtClean="0"/>
+              <a:t> apresentou um bom resultado e os clusters foram bem definidos. Com isso conseguimos atingir o objetivo deste trabalho que era segmentar os clientes em diferentes perfis.</a:t>
+            </a:r>
+          </a:p>
+          <a:p>
+            <a:endParaRPr lang="pt-BR" dirty="0"/>
+          </a:p>
+          <a:p>
+            <a:r>
+              <a:rPr lang="pt-BR" dirty="0" smtClean="0"/>
+              <a:t>Como melhoria seria interessante aplicar um algoritmo de associação para conseguir descobrir quais produtos os clientes compram em conjunto para oferecer ofertas específicas para cada um deles.</a:t>
+            </a:r>
+            <a:endParaRPr lang="pt-BR" dirty="0"/>
+          </a:p>
+        </p:txBody>
+      </p:sp>
+    </p:spTree>
+    <p:extLst>
+      <p:ext uri="{BB962C8B-B14F-4D97-AF65-F5344CB8AC3E}">
+        <p14:creationId xmlns:p14="http://schemas.microsoft.com/office/powerpoint/2010/main" val="1842258187"/>
+      </p:ext>
+    </p:extLst>
+  </p:cSld>
+  <p:clrMapOvr>
+    <a:masterClrMapping/>
+  </p:clrMapOvr>
+</p:sld>
+</file>
+
+<file path=ppt/slides/slide2.xml><?xml version="1.0" encoding="utf-8"?>
+<p:sld xmlns:a="http://schemas.openxmlformats.org/drawingml/2006/main" xmlns:r="http://schemas.openxmlformats.org/officeDocument/2006/relationships" xmlns:p="http://schemas.openxmlformats.org/presentationml/2006/main">
+  <p:cSld>
+    <p:spTree>
+      <p:nvGrpSpPr>
+        <p:cNvPr id="1" name=""/>
+        <p:cNvGrpSpPr/>
+        <p:nvPr/>
+      </p:nvGrpSpPr>
+      <p:grpSpPr>
+        <a:xfrm>
+          <a:off x="0" y="0"/>
+          <a:ext cx="0" cy="0"/>
+          <a:chOff x="0" y="0"/>
+          <a:chExt cx="0" cy="0"/>
+        </a:xfrm>
+      </p:grpSpPr>
+      <p:sp>
+        <p:nvSpPr>
+          <p:cNvPr id="2" name="Título 1"/>
+          <p:cNvSpPr>
+            <a:spLocks noGrp="1"/>
+          </p:cNvSpPr>
+          <p:nvPr>
+            <p:ph type="title"/>
+          </p:nvPr>
+        </p:nvSpPr>
+        <p:spPr/>
+        <p:txBody>
+          <a:bodyPr/>
+          <a:lstStyle/>
+          <a:p>
+            <a:r>
+              <a:rPr lang="pt-BR" dirty="0" smtClean="0"/>
+              <a:t>Estrutura do trabalho</a:t>
+            </a:r>
+            <a:endParaRPr lang="pt-BR" dirty="0"/>
+          </a:p>
+        </p:txBody>
+      </p:sp>
+      <p:sp>
+        <p:nvSpPr>
+          <p:cNvPr id="3" name="Espaço Reservado para Conteúdo 2"/>
+          <p:cNvSpPr>
+            <a:spLocks noGrp="1"/>
+          </p:cNvSpPr>
+          <p:nvPr>
+            <p:ph idx="1"/>
+          </p:nvPr>
+        </p:nvSpPr>
+        <p:spPr/>
+        <p:txBody>
+          <a:bodyPr/>
+          <a:lstStyle/>
+          <a:p>
+            <a:endParaRPr lang="pt-BR" dirty="0" smtClean="0"/>
+          </a:p>
+          <a:p>
+            <a:r>
+              <a:rPr lang="pt-BR" sz="2800" dirty="0" smtClean="0"/>
+              <a:t>1. Introdução</a:t>
+            </a:r>
+          </a:p>
+          <a:p>
+            <a:r>
+              <a:rPr lang="pt-BR" sz="2800" dirty="0" smtClean="0"/>
+              <a:t>2. Fundamentos teóricos</a:t>
+            </a:r>
+          </a:p>
+          <a:p>
+            <a:r>
+              <a:rPr lang="pt-BR" sz="2800" dirty="0" smtClean="0"/>
+              <a:t>3. Resultados obtidos</a:t>
+            </a:r>
+          </a:p>
+          <a:p>
+            <a:r>
+              <a:rPr lang="pt-BR" sz="2800" dirty="0" smtClean="0"/>
+              <a:t>4. Considerações finais</a:t>
+            </a:r>
+          </a:p>
+          <a:p>
+            <a:r>
+              <a:rPr lang="pt-BR" sz="2800" dirty="0" smtClean="0"/>
+              <a:t>5. Referências</a:t>
+            </a:r>
+          </a:p>
+        </p:txBody>
+      </p:sp>
+    </p:spTree>
+    <p:extLst>
+      <p:ext uri="{BB962C8B-B14F-4D97-AF65-F5344CB8AC3E}">
+        <p14:creationId xmlns:p14="http://schemas.microsoft.com/office/powerpoint/2010/main" val="2753270559"/>
+      </p:ext>
+    </p:extLst>
+  </p:cSld>
+  <p:clrMapOvr>
+    <a:masterClrMapping/>
+  </p:clrMapOvr>
+</p:sld>
+</file>
+
+<file path=ppt/slides/slide3.xml><?xml version="1.0" encoding="utf-8"?>
+<p:sld xmlns:a="http://schemas.openxmlformats.org/drawingml/2006/main" xmlns:r="http://schemas.openxmlformats.org/officeDocument/2006/relationships" xmlns:p="http://schemas.openxmlformats.org/presentationml/2006/main">
+  <p:cSld>
+    <p:spTree>
+      <p:nvGrpSpPr>
+        <p:cNvPr id="1" name=""/>
+        <p:cNvGrpSpPr/>
+        <p:nvPr/>
+      </p:nvGrpSpPr>
+      <p:grpSpPr>
+        <a:xfrm>
+          <a:off x="0" y="0"/>
+          <a:ext cx="0" cy="0"/>
+          <a:chOff x="0" y="0"/>
+          <a:chExt cx="0" cy="0"/>
+        </a:xfrm>
+      </p:grpSpPr>
+      <p:sp>
+        <p:nvSpPr>
+          <p:cNvPr id="2" name="Título 1"/>
+          <p:cNvSpPr>
+            <a:spLocks noGrp="1"/>
+          </p:cNvSpPr>
+          <p:nvPr>
+            <p:ph type="title"/>
+          </p:nvPr>
+        </p:nvSpPr>
+        <p:spPr/>
+        <p:txBody>
+          <a:bodyPr/>
+          <a:lstStyle/>
+          <a:p>
+            <a:r>
+              <a:rPr lang="pt-BR" dirty="0" smtClean="0"/>
+              <a:t>Introdução</a:t>
+            </a:r>
+            <a:endParaRPr lang="pt-BR" dirty="0"/>
+          </a:p>
+        </p:txBody>
+      </p:sp>
+      <p:sp>
+        <p:nvSpPr>
+          <p:cNvPr id="3" name="Espaço Reservado para Conteúdo 2"/>
+          <p:cNvSpPr>
+            <a:spLocks noGrp="1"/>
+          </p:cNvSpPr>
+          <p:nvPr>
+            <p:ph idx="1"/>
+          </p:nvPr>
+        </p:nvSpPr>
+        <p:spPr/>
+        <p:txBody>
+          <a:bodyPr/>
+          <a:lstStyle/>
+          <a:p>
+            <a:endParaRPr lang="pt-BR" dirty="0" smtClean="0"/>
+          </a:p>
+          <a:p>
+            <a:endParaRPr lang="pt-BR" dirty="0" smtClean="0"/>
+          </a:p>
+          <a:p>
+            <a:pPr marL="0" indent="0">
+              <a:buNone/>
+            </a:pPr>
+            <a:r>
+              <a:rPr lang="pt-BR" dirty="0" smtClean="0"/>
+              <a:t>O </a:t>
+            </a:r>
+            <a:r>
+              <a:rPr lang="pt-BR" dirty="0"/>
+              <a:t>número de supermercados e lojas de conveniências crescem cada vez mais, porém o número de clientes não estão aumentando da mesma maneira (KHANAL, 2016, p. 2).  </a:t>
+            </a:r>
+          </a:p>
+          <a:p>
+            <a:pPr marL="0" indent="0">
+              <a:buNone/>
+            </a:pPr>
+            <a:r>
+              <a:rPr lang="pt-BR" dirty="0"/>
+              <a:t>Atualmente, todos os setores comerciais estão focando em entender a necessidade de cada cliente individualmente, tornando mais fácil atendê-los, e não se desgastando com os competidores (BERRY e LINOFF, 2004, p. 2).</a:t>
+            </a:r>
+          </a:p>
+          <a:p>
+            <a:endParaRPr lang="pt-BR" dirty="0"/>
+          </a:p>
+          <a:p>
+            <a:endParaRPr lang="pt-BR" dirty="0"/>
+          </a:p>
+          <a:p>
+            <a:endParaRPr lang="pt-BR" dirty="0"/>
+          </a:p>
+        </p:txBody>
+      </p:sp>
+    </p:spTree>
+    <p:extLst>
+      <p:ext uri="{BB962C8B-B14F-4D97-AF65-F5344CB8AC3E}">
+        <p14:creationId xmlns:p14="http://schemas.microsoft.com/office/powerpoint/2010/main" val="2572062527"/>
+      </p:ext>
+    </p:extLst>
+  </p:cSld>
+  <p:clrMapOvr>
+    <a:masterClrMapping/>
+  </p:clrMapOvr>
+</p:sld>
+</file>
+
+<file path=ppt/slides/slide4.xml><?xml version="1.0" encoding="utf-8"?>
+<p:sld xmlns:a="http://schemas.openxmlformats.org/drawingml/2006/main" xmlns:r="http://schemas.openxmlformats.org/officeDocument/2006/relationships" xmlns:p="http://schemas.openxmlformats.org/presentationml/2006/main">
+  <p:cSld>
+    <p:spTree>
+      <p:nvGrpSpPr>
+        <p:cNvPr id="1" name=""/>
+        <p:cNvGrpSpPr/>
+        <p:nvPr/>
+      </p:nvGrpSpPr>
+      <p:grpSpPr>
+        <a:xfrm>
+          <a:off x="0" y="0"/>
+          <a:ext cx="0" cy="0"/>
+          <a:chOff x="0" y="0"/>
+          <a:chExt cx="0" cy="0"/>
+        </a:xfrm>
+      </p:grpSpPr>
+      <p:sp>
+        <p:nvSpPr>
+          <p:cNvPr id="2" name="Título 1"/>
+          <p:cNvSpPr>
+            <a:spLocks noGrp="1"/>
+          </p:cNvSpPr>
+          <p:nvPr>
+            <p:ph type="title"/>
+          </p:nvPr>
+        </p:nvSpPr>
+        <p:spPr/>
+        <p:txBody>
+          <a:bodyPr/>
+          <a:lstStyle/>
+          <a:p>
+            <a:r>
+              <a:rPr lang="pt-BR" dirty="0" smtClean="0"/>
+              <a:t>Problema</a:t>
+            </a:r>
+            <a:endParaRPr lang="pt-BR" dirty="0"/>
+          </a:p>
+        </p:txBody>
+      </p:sp>
+      <p:sp>
+        <p:nvSpPr>
+          <p:cNvPr id="3" name="Espaço Reservado para Conteúdo 2"/>
+          <p:cNvSpPr>
+            <a:spLocks noGrp="1"/>
+          </p:cNvSpPr>
+          <p:nvPr>
+            <p:ph idx="1"/>
+          </p:nvPr>
+        </p:nvSpPr>
+        <p:spPr/>
+        <p:txBody>
+          <a:bodyPr/>
+          <a:lstStyle/>
+          <a:p>
+            <a:endParaRPr lang="pt-BR" dirty="0" smtClean="0"/>
+          </a:p>
+          <a:p>
+            <a:endParaRPr lang="pt-BR" dirty="0" smtClean="0"/>
+          </a:p>
+          <a:p>
+            <a:endParaRPr lang="pt-BR" dirty="0"/>
+          </a:p>
+          <a:p>
+            <a:r>
+              <a:rPr lang="pt-BR" dirty="0" smtClean="0"/>
+              <a:t>Como seria possível segmentar os clientes de um estabelecimento, definindo um perfil de compra para cada um deles? </a:t>
+            </a:r>
+          </a:p>
+          <a:p>
+            <a:endParaRPr lang="pt-BR" dirty="0"/>
+          </a:p>
+          <a:p>
+            <a:endParaRPr lang="pt-BR" dirty="0" smtClean="0"/>
+          </a:p>
+        </p:txBody>
+      </p:sp>
+    </p:spTree>
+    <p:extLst>
+      <p:ext uri="{BB962C8B-B14F-4D97-AF65-F5344CB8AC3E}">
+        <p14:creationId xmlns:p14="http://schemas.microsoft.com/office/powerpoint/2010/main" val="907537237"/>
+      </p:ext>
+    </p:extLst>
+  </p:cSld>
+  <p:clrMapOvr>
+    <a:masterClrMapping/>
+  </p:clrMapOvr>
+</p:sld>
+</file>
+
+<file path=ppt/slides/slide5.xml><?xml version="1.0" encoding="utf-8"?>
+<p:sld xmlns:a="http://schemas.openxmlformats.org/drawingml/2006/main" xmlns:r="http://schemas.openxmlformats.org/officeDocument/2006/relationships" xmlns:p="http://schemas.openxmlformats.org/presentationml/2006/main">
+  <p:cSld>
+    <p:spTree>
+      <p:nvGrpSpPr>
+        <p:cNvPr id="1" name=""/>
+        <p:cNvGrpSpPr/>
+        <p:nvPr/>
+      </p:nvGrpSpPr>
+      <p:grpSpPr>
+        <a:xfrm>
+          <a:off x="0" y="0"/>
+          <a:ext cx="0" cy="0"/>
+          <a:chOff x="0" y="0"/>
+          <a:chExt cx="0" cy="0"/>
+        </a:xfrm>
+      </p:grpSpPr>
+      <p:sp>
+        <p:nvSpPr>
+          <p:cNvPr id="2" name="Título 1"/>
+          <p:cNvSpPr>
+            <a:spLocks noGrp="1"/>
+          </p:cNvSpPr>
+          <p:nvPr>
+            <p:ph type="title"/>
+          </p:nvPr>
+        </p:nvSpPr>
+        <p:spPr/>
+        <p:txBody>
+          <a:bodyPr/>
+          <a:lstStyle/>
+          <a:p>
+            <a:r>
+              <a:rPr lang="pt-BR" dirty="0" smtClean="0"/>
+              <a:t>Justificativa</a:t>
+            </a:r>
+            <a:endParaRPr lang="pt-BR" dirty="0"/>
+          </a:p>
+        </p:txBody>
+      </p:sp>
+      <p:sp>
+        <p:nvSpPr>
+          <p:cNvPr id="3" name="Espaço Reservado para Conteúdo 2"/>
+          <p:cNvSpPr>
+            <a:spLocks noGrp="1"/>
+          </p:cNvSpPr>
+          <p:nvPr>
+            <p:ph idx="1"/>
+          </p:nvPr>
+        </p:nvSpPr>
+        <p:spPr/>
+        <p:txBody>
+          <a:bodyPr/>
+          <a:lstStyle/>
+          <a:p>
+            <a:endParaRPr lang="pt-BR" dirty="0" smtClean="0"/>
+          </a:p>
+          <a:p>
+            <a:endParaRPr lang="pt-BR" dirty="0" smtClean="0"/>
+          </a:p>
+          <a:p>
+            <a:endParaRPr lang="pt-BR" dirty="0" smtClean="0"/>
+          </a:p>
+          <a:p>
+            <a:r>
+              <a:rPr lang="pt-BR" dirty="0" smtClean="0"/>
+              <a:t>Todas </a:t>
+            </a:r>
+            <a:r>
+              <a:rPr lang="pt-BR" dirty="0"/>
+              <a:t>as empresas estão caminhando para um único objetivo, o de entender as necessidades de cada cliente individualmente. E as empresas estão utilizando esse entendimento para fidelizar os clientes ao invés de competir diretamente com os concorrentes</a:t>
+            </a:r>
+            <a:r>
+              <a:rPr lang="pt-BR" dirty="0" smtClean="0"/>
+              <a:t>. </a:t>
+            </a:r>
+            <a:r>
+              <a:rPr lang="pt-BR" dirty="0"/>
+              <a:t>(BERRY e LINOFF, 2004, p. 2)</a:t>
+            </a:r>
+          </a:p>
+          <a:p>
+            <a:endParaRPr lang="pt-BR" dirty="0"/>
+          </a:p>
+        </p:txBody>
+      </p:sp>
+    </p:spTree>
+    <p:extLst>
+      <p:ext uri="{BB962C8B-B14F-4D97-AF65-F5344CB8AC3E}">
+        <p14:creationId xmlns:p14="http://schemas.microsoft.com/office/powerpoint/2010/main" val="1658290830"/>
+      </p:ext>
+    </p:extLst>
+  </p:cSld>
+  <p:clrMapOvr>
+    <a:masterClrMapping/>
+  </p:clrMapOvr>
+</p:sld>
+</file>
+
+<file path=ppt/slides/slide6.xml><?xml version="1.0" encoding="utf-8"?>
+<p:sld xmlns:a="http://schemas.openxmlformats.org/drawingml/2006/main" xmlns:r="http://schemas.openxmlformats.org/officeDocument/2006/relationships" xmlns:p="http://schemas.openxmlformats.org/presentationml/2006/main">
+  <p:cSld>
+    <p:spTree>
+      <p:nvGrpSpPr>
+        <p:cNvPr id="1" name=""/>
+        <p:cNvGrpSpPr/>
+        <p:nvPr/>
+      </p:nvGrpSpPr>
+      <p:grpSpPr>
+        <a:xfrm>
+          <a:off x="0" y="0"/>
+          <a:ext cx="0" cy="0"/>
+          <a:chOff x="0" y="0"/>
+          <a:chExt cx="0" cy="0"/>
+        </a:xfrm>
+      </p:grpSpPr>
+      <p:sp>
+        <p:nvSpPr>
+          <p:cNvPr id="2" name="Título 1"/>
+          <p:cNvSpPr>
+            <a:spLocks noGrp="1"/>
+          </p:cNvSpPr>
+          <p:nvPr>
+            <p:ph type="title"/>
+          </p:nvPr>
+        </p:nvSpPr>
+        <p:spPr/>
+        <p:txBody>
+          <a:bodyPr/>
+          <a:lstStyle/>
+          <a:p>
+            <a:r>
+              <a:rPr lang="pt-BR" dirty="0" smtClean="0"/>
+              <a:t>Objetivo</a:t>
+            </a:r>
+            <a:endParaRPr lang="pt-BR" dirty="0"/>
+          </a:p>
+        </p:txBody>
+      </p:sp>
+      <p:sp>
+        <p:nvSpPr>
+          <p:cNvPr id="3" name="Espaço Reservado para Conteúdo 2"/>
+          <p:cNvSpPr>
+            <a:spLocks noGrp="1"/>
+          </p:cNvSpPr>
+          <p:nvPr>
+            <p:ph idx="1"/>
+          </p:nvPr>
+        </p:nvSpPr>
+        <p:spPr/>
+        <p:txBody>
+          <a:bodyPr/>
+          <a:lstStyle/>
+          <a:p>
+            <a:endParaRPr lang="pt-BR" dirty="0" smtClean="0"/>
+          </a:p>
+          <a:p>
+            <a:endParaRPr lang="pt-BR" dirty="0" smtClean="0"/>
+          </a:p>
+          <a:p>
+            <a:endParaRPr lang="pt-BR" dirty="0"/>
+          </a:p>
+          <a:p>
+            <a:r>
+              <a:rPr lang="pt-BR" dirty="0"/>
+              <a:t>O objetivo deste trabalho é analisar um </a:t>
+            </a:r>
+            <a:r>
+              <a:rPr lang="pt-BR" dirty="0" smtClean="0"/>
+              <a:t>conjunto </a:t>
+            </a:r>
+            <a:r>
+              <a:rPr lang="pt-BR" dirty="0"/>
+              <a:t>de dados referentes as despesas de vários clientes em um atacado, e com base nas despesas e nos diferentes produtos comprados segmentar os clientes em diversos </a:t>
+            </a:r>
+            <a:r>
+              <a:rPr lang="pt-BR" dirty="0" smtClean="0"/>
+              <a:t>perfis utilizando aprendizado de máquina. </a:t>
+            </a:r>
+            <a:endParaRPr lang="pt-BR" dirty="0"/>
+          </a:p>
+        </p:txBody>
+      </p:sp>
+    </p:spTree>
+    <p:extLst>
+      <p:ext uri="{BB962C8B-B14F-4D97-AF65-F5344CB8AC3E}">
+        <p14:creationId xmlns:p14="http://schemas.microsoft.com/office/powerpoint/2010/main" val="864620661"/>
+      </p:ext>
+    </p:extLst>
+  </p:cSld>
+  <p:clrMapOvr>
+    <a:masterClrMapping/>
+  </p:clrMapOvr>
+</p:sld>
+</file>
+
+<file path=ppt/slides/slide7.xml><?xml version="1.0" encoding="utf-8"?>
 <p:sld xmlns:a="http://schemas.openxmlformats.org/drawingml/2006/main" xmlns:r="http://schemas.openxmlformats.org/officeDocument/2006/relationships" xmlns:p="http://schemas.openxmlformats.org/presentationml/2006/main">
   <p:cSld>
     <p:spTree>
@@ -4643,1351 +6065,6 @@
 </p:sld>
 </file>
 
-<file path=ppt/slides/slide14.xml><?xml version="1.0" encoding="utf-8"?>
-<p:sld xmlns:a="http://schemas.openxmlformats.org/drawingml/2006/main" xmlns:r="http://schemas.openxmlformats.org/officeDocument/2006/relationships" xmlns:p="http://schemas.openxmlformats.org/presentationml/2006/main">
-  <p:cSld>
-    <p:spTree>
-      <p:nvGrpSpPr>
-        <p:cNvPr id="1" name=""/>
-        <p:cNvGrpSpPr/>
-        <p:nvPr/>
-      </p:nvGrpSpPr>
-      <p:grpSpPr>
-        <a:xfrm>
-          <a:off x="0" y="0"/>
-          <a:ext cx="0" cy="0"/>
-          <a:chOff x="0" y="0"/>
-          <a:chExt cx="0" cy="0"/>
-        </a:xfrm>
-      </p:grpSpPr>
-      <p:sp>
-        <p:nvSpPr>
-          <p:cNvPr id="2" name="Título 1"/>
-          <p:cNvSpPr>
-            <a:spLocks noGrp="1"/>
-          </p:cNvSpPr>
-          <p:nvPr>
-            <p:ph type="title"/>
-          </p:nvPr>
-        </p:nvSpPr>
-        <p:spPr/>
-        <p:txBody>
-          <a:bodyPr/>
-          <a:lstStyle/>
-          <a:p>
-            <a:r>
-              <a:rPr lang="pt-BR" dirty="0" smtClean="0"/>
-              <a:t>Fundamentos Teóricos</a:t>
-            </a:r>
-            <a:endParaRPr lang="pt-BR" dirty="0"/>
-          </a:p>
-        </p:txBody>
-      </p:sp>
-      <mc:AlternateContent xmlns:mc="http://schemas.openxmlformats.org/markup-compatibility/2006" xmlns:a14="http://schemas.microsoft.com/office/drawing/2010/main">
-        <mc:Choice Requires="a14">
-          <p:sp>
-            <p:nvSpPr>
-              <p:cNvPr id="3" name="Espaço Reservado para Conteúdo 2"/>
-              <p:cNvSpPr>
-                <a:spLocks noGrp="1"/>
-              </p:cNvSpPr>
-              <p:nvPr>
-                <p:ph idx="1"/>
-              </p:nvPr>
-            </p:nvSpPr>
-            <p:spPr>
-              <a:xfrm>
-                <a:off x="1097280" y="1845734"/>
-                <a:ext cx="10058400" cy="4023360"/>
-              </a:xfrm>
-            </p:spPr>
-            <p:txBody>
-              <a:bodyPr/>
-              <a:lstStyle/>
-              <a:p>
-                <a:endParaRPr lang="pt-BR" dirty="0" smtClean="0"/>
-              </a:p>
-              <a:p>
-                <a:r>
-                  <a:rPr lang="pt-BR" sz="2800" dirty="0" smtClean="0"/>
-                  <a:t>Algoritmo K-</a:t>
-                </a:r>
-                <a:r>
-                  <a:rPr lang="pt-BR" sz="2800" dirty="0" err="1" smtClean="0"/>
-                  <a:t>Means</a:t>
-                </a:r>
-                <a:endParaRPr lang="pt-BR" sz="2800" dirty="0" smtClean="0"/>
-              </a:p>
-              <a:p>
-                <a:endParaRPr lang="pt-BR" dirty="0" smtClean="0"/>
-              </a:p>
-              <a:p>
-                <a:endParaRPr lang="pt-BR" dirty="0"/>
-              </a:p>
-              <a:p>
-                <a:r>
-                  <a:rPr lang="pt-BR" dirty="0"/>
-                  <a:t>O algoritmo K-</a:t>
-                </a:r>
-                <a:r>
-                  <a:rPr lang="pt-BR" dirty="0" err="1"/>
-                  <a:t>means</a:t>
-                </a:r>
-                <a:r>
-                  <a:rPr lang="pt-BR" dirty="0"/>
-                  <a:t> é uma abordagem simples para particionar dados em subgrupos (</a:t>
-                </a:r>
-                <a14:m>
-                  <m:oMath xmlns:m="http://schemas.openxmlformats.org/officeDocument/2006/math">
-                    <m:r>
-                      <a:rPr lang="pt-BR" i="1">
-                        <a:latin typeface="Cambria Math" panose="02040503050406030204" pitchFamily="18" charset="0"/>
-                      </a:rPr>
-                      <m:t>𝑘</m:t>
-                    </m:r>
-                  </m:oMath>
-                </a14:m>
-                <a:r>
-                  <a:rPr lang="pt-BR" dirty="0"/>
-                  <a:t>), este algoritmo utiliza o conceito da distância Euclidiana para calcular as distâncias entre cada ponto de observação e os centros de cada grupo (</a:t>
-                </a:r>
-                <a14:m>
-                  <m:oMath xmlns:m="http://schemas.openxmlformats.org/officeDocument/2006/math">
-                    <m:r>
-                      <a:rPr lang="pt-BR" i="1">
-                        <a:latin typeface="Cambria Math" panose="02040503050406030204" pitchFamily="18" charset="0"/>
-                      </a:rPr>
-                      <m:t>𝑘</m:t>
-                    </m:r>
-                  </m:oMath>
-                </a14:m>
-                <a:r>
-                  <a:rPr lang="pt-BR" dirty="0"/>
-                  <a:t>)</a:t>
-                </a:r>
-              </a:p>
-            </p:txBody>
-          </p:sp>
-        </mc:Choice>
-        <mc:Fallback xmlns="">
-          <p:sp>
-            <p:nvSpPr>
-              <p:cNvPr id="3" name="Espaço Reservado para Conteúdo 2"/>
-              <p:cNvSpPr>
-                <a:spLocks noGrp="1" noRot="1" noChangeAspect="1" noMove="1" noResize="1" noEditPoints="1" noAdjustHandles="1" noChangeArrowheads="1" noChangeShapeType="1" noTextEdit="1"/>
-              </p:cNvSpPr>
-              <p:nvPr>
-                <p:ph idx="1"/>
-              </p:nvPr>
-            </p:nvSpPr>
-            <p:spPr>
-              <a:xfrm>
-                <a:off x="1097280" y="1845734"/>
-                <a:ext cx="10058400" cy="4023360"/>
-              </a:xfrm>
-              <a:blipFill rotWithShape="0">
-                <a:blip r:embed="rId2"/>
-                <a:stretch>
-                  <a:fillRect l="-1212" r="-121"/>
-                </a:stretch>
-              </a:blipFill>
-            </p:spPr>
-            <p:txBody>
-              <a:bodyPr/>
-              <a:lstStyle/>
-              <a:p>
-                <a:r>
-                  <a:rPr lang="pt-BR">
-                    <a:noFill/>
-                  </a:rPr>
-                  <a:t> </a:t>
-                </a:r>
-              </a:p>
-            </p:txBody>
-          </p:sp>
-        </mc:Fallback>
-      </mc:AlternateContent>
-    </p:spTree>
-    <p:extLst>
-      <p:ext uri="{BB962C8B-B14F-4D97-AF65-F5344CB8AC3E}">
-        <p14:creationId xmlns:p14="http://schemas.microsoft.com/office/powerpoint/2010/main" val="4121077245"/>
-      </p:ext>
-    </p:extLst>
-  </p:cSld>
-  <p:clrMapOvr>
-    <a:masterClrMapping/>
-  </p:clrMapOvr>
-</p:sld>
-</file>
-
-<file path=ppt/slides/slide15.xml><?xml version="1.0" encoding="utf-8"?>
-<p:sld xmlns:a="http://schemas.openxmlformats.org/drawingml/2006/main" xmlns:r="http://schemas.openxmlformats.org/officeDocument/2006/relationships" xmlns:p="http://schemas.openxmlformats.org/presentationml/2006/main">
-  <p:cSld>
-    <p:spTree>
-      <p:nvGrpSpPr>
-        <p:cNvPr id="1" name=""/>
-        <p:cNvGrpSpPr/>
-        <p:nvPr/>
-      </p:nvGrpSpPr>
-      <p:grpSpPr>
-        <a:xfrm>
-          <a:off x="0" y="0"/>
-          <a:ext cx="0" cy="0"/>
-          <a:chOff x="0" y="0"/>
-          <a:chExt cx="0" cy="0"/>
-        </a:xfrm>
-      </p:grpSpPr>
-      <p:sp>
-        <p:nvSpPr>
-          <p:cNvPr id="2" name="Título 1"/>
-          <p:cNvSpPr>
-            <a:spLocks noGrp="1"/>
-          </p:cNvSpPr>
-          <p:nvPr>
-            <p:ph type="title"/>
-          </p:nvPr>
-        </p:nvSpPr>
-        <p:spPr/>
-        <p:txBody>
-          <a:bodyPr/>
-          <a:lstStyle/>
-          <a:p>
-            <a:r>
-              <a:rPr lang="pt-BR" dirty="0" smtClean="0"/>
-              <a:t>Fundamentos Teóricos</a:t>
-            </a:r>
-            <a:endParaRPr lang="pt-BR" dirty="0"/>
-          </a:p>
-        </p:txBody>
-      </p:sp>
-      <p:sp>
-        <p:nvSpPr>
-          <p:cNvPr id="3" name="Espaço Reservado para Conteúdo 2"/>
-          <p:cNvSpPr>
-            <a:spLocks noGrp="1"/>
-          </p:cNvSpPr>
-          <p:nvPr>
-            <p:ph idx="1"/>
-          </p:nvPr>
-        </p:nvSpPr>
-        <p:spPr>
-          <a:xfrm>
-            <a:off x="1097280" y="1845734"/>
-            <a:ext cx="5361185" cy="4023360"/>
-          </a:xfrm>
-        </p:spPr>
-        <p:txBody>
-          <a:bodyPr/>
-          <a:lstStyle/>
-          <a:p>
-            <a:endParaRPr lang="pt-BR" dirty="0" smtClean="0"/>
-          </a:p>
-          <a:p>
-            <a:pPr marL="457200" indent="-457200">
-              <a:buFont typeface="+mj-lt"/>
-              <a:buAutoNum type="arabicPeriod"/>
-            </a:pPr>
-            <a:r>
-              <a:rPr lang="pt-BR" dirty="0" smtClean="0"/>
-              <a:t>Atribuir um cluster para cada ponto de observação de forma aleatória;</a:t>
-            </a:r>
-          </a:p>
-          <a:p>
-            <a:pPr marL="457200" indent="-457200">
-              <a:buFont typeface="+mj-lt"/>
-              <a:buAutoNum type="arabicPeriod"/>
-            </a:pPr>
-            <a:r>
-              <a:rPr lang="pt-BR" dirty="0" smtClean="0"/>
-              <a:t>Posicionar os clusters aleatoriamente;</a:t>
-            </a:r>
-          </a:p>
-          <a:p>
-            <a:pPr marL="457200" indent="-457200">
-              <a:buFont typeface="+mj-lt"/>
-              <a:buAutoNum type="arabicPeriod"/>
-            </a:pPr>
-            <a:r>
-              <a:rPr lang="pt-BR" dirty="0" smtClean="0"/>
-              <a:t>Cada ponto de observação é associado ao cluster mais próximo;</a:t>
-            </a:r>
-          </a:p>
-          <a:p>
-            <a:pPr marL="457200" indent="-457200">
-              <a:buFont typeface="+mj-lt"/>
-              <a:buAutoNum type="arabicPeriod"/>
-            </a:pPr>
-            <a:r>
-              <a:rPr lang="pt-BR" dirty="0" smtClean="0"/>
-              <a:t>Posicionar os clusters no centro dos pontos de observações;</a:t>
-            </a:r>
-          </a:p>
-          <a:p>
-            <a:pPr marL="457200" indent="-457200">
-              <a:buFont typeface="+mj-lt"/>
-              <a:buAutoNum type="arabicPeriod"/>
-            </a:pPr>
-            <a:r>
-              <a:rPr lang="pt-BR" dirty="0" smtClean="0"/>
-              <a:t>Repetir o passo 3 e 4;</a:t>
-            </a:r>
-          </a:p>
-          <a:p>
-            <a:pPr marL="457200" indent="-457200">
-              <a:buFont typeface="+mj-lt"/>
-              <a:buAutoNum type="arabicPeriod"/>
-            </a:pPr>
-            <a:r>
-              <a:rPr lang="pt-BR" dirty="0" smtClean="0"/>
-              <a:t>Obter o resultado final;</a:t>
-            </a:r>
-          </a:p>
-          <a:p>
-            <a:pPr marL="457200" indent="-457200">
-              <a:buFont typeface="+mj-lt"/>
-              <a:buAutoNum type="arabicPeriod"/>
-            </a:pPr>
-            <a:endParaRPr lang="pt-BR" dirty="0" smtClean="0"/>
-          </a:p>
-          <a:p>
-            <a:pPr marL="457200" indent="-457200">
-              <a:buFont typeface="+mj-lt"/>
-              <a:buAutoNum type="arabicPeriod"/>
-            </a:pPr>
-            <a:endParaRPr lang="pt-BR" dirty="0"/>
-          </a:p>
-        </p:txBody>
-      </p:sp>
-      <p:pic>
-        <p:nvPicPr>
-          <p:cNvPr id="5" name="Imagem 4"/>
-          <p:cNvPicPr/>
-          <p:nvPr/>
-        </p:nvPicPr>
-        <p:blipFill>
-          <a:blip r:embed="rId2"/>
-          <a:stretch>
-            <a:fillRect/>
-          </a:stretch>
-        </p:blipFill>
-        <p:spPr>
-          <a:xfrm>
-            <a:off x="6575082" y="1845734"/>
-            <a:ext cx="4580598" cy="4110367"/>
-          </a:xfrm>
-          <a:prstGeom prst="rect">
-            <a:avLst/>
-          </a:prstGeom>
-        </p:spPr>
-      </p:pic>
-    </p:spTree>
-    <p:extLst>
-      <p:ext uri="{BB962C8B-B14F-4D97-AF65-F5344CB8AC3E}">
-        <p14:creationId xmlns:p14="http://schemas.microsoft.com/office/powerpoint/2010/main" val="3439879044"/>
-      </p:ext>
-    </p:extLst>
-  </p:cSld>
-  <p:clrMapOvr>
-    <a:masterClrMapping/>
-  </p:clrMapOvr>
-</p:sld>
-</file>
-
-<file path=ppt/slides/slide16.xml><?xml version="1.0" encoding="utf-8"?>
-<p:sld xmlns:a="http://schemas.openxmlformats.org/drawingml/2006/main" xmlns:r="http://schemas.openxmlformats.org/officeDocument/2006/relationships" xmlns:p="http://schemas.openxmlformats.org/presentationml/2006/main">
-  <p:cSld>
-    <p:spTree>
-      <p:nvGrpSpPr>
-        <p:cNvPr id="1" name=""/>
-        <p:cNvGrpSpPr/>
-        <p:nvPr/>
-      </p:nvGrpSpPr>
-      <p:grpSpPr>
-        <a:xfrm>
-          <a:off x="0" y="0"/>
-          <a:ext cx="0" cy="0"/>
-          <a:chOff x="0" y="0"/>
-          <a:chExt cx="0" cy="0"/>
-        </a:xfrm>
-      </p:grpSpPr>
-      <p:sp>
-        <p:nvSpPr>
-          <p:cNvPr id="2" name="Título 1"/>
-          <p:cNvSpPr>
-            <a:spLocks noGrp="1"/>
-          </p:cNvSpPr>
-          <p:nvPr>
-            <p:ph type="title"/>
-          </p:nvPr>
-        </p:nvSpPr>
-        <p:spPr/>
-        <p:txBody>
-          <a:bodyPr/>
-          <a:lstStyle/>
-          <a:p>
-            <a:r>
-              <a:rPr lang="pt-BR" dirty="0" smtClean="0"/>
-              <a:t>Fundamentos Teóricos</a:t>
-            </a:r>
-            <a:endParaRPr lang="pt-BR" dirty="0"/>
-          </a:p>
-        </p:txBody>
-      </p:sp>
-      <p:sp>
-        <p:nvSpPr>
-          <p:cNvPr id="3" name="Espaço Reservado para Conteúdo 2"/>
-          <p:cNvSpPr>
-            <a:spLocks noGrp="1"/>
-          </p:cNvSpPr>
-          <p:nvPr>
-            <p:ph idx="1"/>
-          </p:nvPr>
-        </p:nvSpPr>
-        <p:spPr/>
-        <p:txBody>
-          <a:bodyPr/>
-          <a:lstStyle/>
-          <a:p>
-            <a:endParaRPr lang="pt-BR" dirty="0" smtClean="0"/>
-          </a:p>
-          <a:p>
-            <a:r>
-              <a:rPr lang="pt-BR" dirty="0" smtClean="0"/>
-              <a:t>Método do Cotovelo				Método da Silhueta				</a:t>
-            </a:r>
-            <a:endParaRPr lang="pt-BR" dirty="0"/>
-          </a:p>
-        </p:txBody>
-      </p:sp>
-      <p:pic>
-        <p:nvPicPr>
-          <p:cNvPr id="4" name="Imagem 3"/>
-          <p:cNvPicPr/>
-          <p:nvPr/>
-        </p:nvPicPr>
-        <p:blipFill>
-          <a:blip r:embed="rId2"/>
-          <a:stretch>
-            <a:fillRect/>
-          </a:stretch>
-        </p:blipFill>
-        <p:spPr>
-          <a:xfrm>
-            <a:off x="1097280" y="2791467"/>
-            <a:ext cx="3190875" cy="2790825"/>
-          </a:xfrm>
-          <a:prstGeom prst="rect">
-            <a:avLst/>
-          </a:prstGeom>
-        </p:spPr>
-      </p:pic>
-      <p:pic>
-        <p:nvPicPr>
-          <p:cNvPr id="5" name="Imagem 4"/>
-          <p:cNvPicPr/>
-          <p:nvPr/>
-        </p:nvPicPr>
-        <p:blipFill>
-          <a:blip r:embed="rId3"/>
-          <a:stretch>
-            <a:fillRect/>
-          </a:stretch>
-        </p:blipFill>
-        <p:spPr>
-          <a:xfrm>
-            <a:off x="6449180" y="3051621"/>
-            <a:ext cx="4507144" cy="2097027"/>
-          </a:xfrm>
-          <a:prstGeom prst="rect">
-            <a:avLst/>
-          </a:prstGeom>
-        </p:spPr>
-      </p:pic>
-    </p:spTree>
-    <p:extLst>
-      <p:ext uri="{BB962C8B-B14F-4D97-AF65-F5344CB8AC3E}">
-        <p14:creationId xmlns:p14="http://schemas.microsoft.com/office/powerpoint/2010/main" val="1304157775"/>
-      </p:ext>
-    </p:extLst>
-  </p:cSld>
-  <p:clrMapOvr>
-    <a:masterClrMapping/>
-  </p:clrMapOvr>
-</p:sld>
-</file>
-
-<file path=ppt/slides/slide17.xml><?xml version="1.0" encoding="utf-8"?>
-<p:sld xmlns:a="http://schemas.openxmlformats.org/drawingml/2006/main" xmlns:r="http://schemas.openxmlformats.org/officeDocument/2006/relationships" xmlns:p="http://schemas.openxmlformats.org/presentationml/2006/main">
-  <p:cSld>
-    <p:spTree>
-      <p:nvGrpSpPr>
-        <p:cNvPr id="1" name=""/>
-        <p:cNvGrpSpPr/>
-        <p:nvPr/>
-      </p:nvGrpSpPr>
-      <p:grpSpPr>
-        <a:xfrm>
-          <a:off x="0" y="0"/>
-          <a:ext cx="0" cy="0"/>
-          <a:chOff x="0" y="0"/>
-          <a:chExt cx="0" cy="0"/>
-        </a:xfrm>
-      </p:grpSpPr>
-      <p:sp>
-        <p:nvSpPr>
-          <p:cNvPr id="2" name="Título 1"/>
-          <p:cNvSpPr>
-            <a:spLocks noGrp="1"/>
-          </p:cNvSpPr>
-          <p:nvPr>
-            <p:ph type="title"/>
-          </p:nvPr>
-        </p:nvSpPr>
-        <p:spPr/>
-        <p:txBody>
-          <a:bodyPr/>
-          <a:lstStyle/>
-          <a:p>
-            <a:r>
-              <a:rPr lang="pt-BR" dirty="0" smtClean="0"/>
-              <a:t>Resultado Obtido</a:t>
-            </a:r>
-            <a:endParaRPr lang="pt-BR" dirty="0"/>
-          </a:p>
-        </p:txBody>
-      </p:sp>
-      <p:pic>
-        <p:nvPicPr>
-          <p:cNvPr id="4" name="Espaço Reservado para Conteúdo 3"/>
-          <p:cNvPicPr>
-            <a:picLocks noGrp="1"/>
-          </p:cNvPicPr>
-          <p:nvPr>
-            <p:ph idx="1"/>
-          </p:nvPr>
-        </p:nvPicPr>
-        <p:blipFill>
-          <a:blip r:embed="rId2"/>
-          <a:stretch>
-            <a:fillRect/>
-          </a:stretch>
-        </p:blipFill>
-        <p:spPr>
-          <a:xfrm>
-            <a:off x="3311610" y="1915743"/>
-            <a:ext cx="4919468" cy="3107724"/>
-          </a:xfrm>
-          <a:prstGeom prst="rect">
-            <a:avLst/>
-          </a:prstGeom>
-        </p:spPr>
-      </p:pic>
-      <p:pic>
-        <p:nvPicPr>
-          <p:cNvPr id="9" name="Imagem 8"/>
-          <p:cNvPicPr>
-            <a:picLocks noChangeAspect="1"/>
-          </p:cNvPicPr>
-          <p:nvPr/>
-        </p:nvPicPr>
-        <p:blipFill>
-          <a:blip r:embed="rId3"/>
-          <a:stretch>
-            <a:fillRect/>
-          </a:stretch>
-        </p:blipFill>
-        <p:spPr>
-          <a:xfrm>
-            <a:off x="2762924" y="5201850"/>
-            <a:ext cx="6016839" cy="787400"/>
-          </a:xfrm>
-          <a:prstGeom prst="rect">
-            <a:avLst/>
-          </a:prstGeom>
-        </p:spPr>
-      </p:pic>
-    </p:spTree>
-    <p:extLst>
-      <p:ext uri="{BB962C8B-B14F-4D97-AF65-F5344CB8AC3E}">
-        <p14:creationId xmlns:p14="http://schemas.microsoft.com/office/powerpoint/2010/main" val="3116056196"/>
-      </p:ext>
-    </p:extLst>
-  </p:cSld>
-  <p:clrMapOvr>
-    <a:masterClrMapping/>
-  </p:clrMapOvr>
-</p:sld>
-</file>
-
-<file path=ppt/slides/slide18.xml><?xml version="1.0" encoding="utf-8"?>
-<p:sld xmlns:a="http://schemas.openxmlformats.org/drawingml/2006/main" xmlns:r="http://schemas.openxmlformats.org/officeDocument/2006/relationships" xmlns:p="http://schemas.openxmlformats.org/presentationml/2006/main">
-  <p:cSld>
-    <p:spTree>
-      <p:nvGrpSpPr>
-        <p:cNvPr id="1" name=""/>
-        <p:cNvGrpSpPr/>
-        <p:nvPr/>
-      </p:nvGrpSpPr>
-      <p:grpSpPr>
-        <a:xfrm>
-          <a:off x="0" y="0"/>
-          <a:ext cx="0" cy="0"/>
-          <a:chOff x="0" y="0"/>
-          <a:chExt cx="0" cy="0"/>
-        </a:xfrm>
-      </p:grpSpPr>
-      <p:sp>
-        <p:nvSpPr>
-          <p:cNvPr id="2" name="Título 1"/>
-          <p:cNvSpPr>
-            <a:spLocks noGrp="1"/>
-          </p:cNvSpPr>
-          <p:nvPr>
-            <p:ph type="title"/>
-          </p:nvPr>
-        </p:nvSpPr>
-        <p:spPr/>
-        <p:txBody>
-          <a:bodyPr/>
-          <a:lstStyle/>
-          <a:p>
-            <a:r>
-              <a:rPr lang="pt-BR" dirty="0" smtClean="0"/>
-              <a:t>Considerações Finais</a:t>
-            </a:r>
-            <a:endParaRPr lang="pt-BR" dirty="0"/>
-          </a:p>
-        </p:txBody>
-      </p:sp>
-      <p:sp>
-        <p:nvSpPr>
-          <p:cNvPr id="3" name="Espaço Reservado para Conteúdo 2"/>
-          <p:cNvSpPr>
-            <a:spLocks noGrp="1"/>
-          </p:cNvSpPr>
-          <p:nvPr>
-            <p:ph idx="1"/>
-          </p:nvPr>
-        </p:nvSpPr>
-        <p:spPr>
-          <a:xfrm>
-            <a:off x="1097280" y="1878228"/>
-            <a:ext cx="10058400" cy="3990866"/>
-          </a:xfrm>
-        </p:spPr>
-        <p:txBody>
-          <a:bodyPr/>
-          <a:lstStyle/>
-          <a:p>
-            <a:endParaRPr lang="pt-BR" dirty="0" smtClean="0"/>
-          </a:p>
-          <a:p>
-            <a:endParaRPr lang="pt-BR" dirty="0" smtClean="0"/>
-          </a:p>
-          <a:p>
-            <a:r>
-              <a:rPr lang="pt-BR" dirty="0" smtClean="0"/>
-              <a:t>O algoritmo K-</a:t>
-            </a:r>
-            <a:r>
-              <a:rPr lang="pt-BR" dirty="0" err="1" smtClean="0"/>
-              <a:t>Means</a:t>
-            </a:r>
-            <a:r>
-              <a:rPr lang="pt-BR" dirty="0" smtClean="0"/>
-              <a:t> apresentou um bom resultado e os clusters foram bem definidos. Com isso conseguimos atingir o objetivo deste trabalho que era segmentar os clientes em diferentes perfis.</a:t>
-            </a:r>
-          </a:p>
-          <a:p>
-            <a:endParaRPr lang="pt-BR" dirty="0"/>
-          </a:p>
-          <a:p>
-            <a:r>
-              <a:rPr lang="pt-BR" dirty="0" smtClean="0"/>
-              <a:t>Como melhoria seria interessante aplicar um algoritmo de associação para conseguir descobrir quais produtos os clientes compram em conjunto para oferecer ofertas específicas para cada um deles.</a:t>
-            </a:r>
-            <a:endParaRPr lang="pt-BR" dirty="0"/>
-          </a:p>
-        </p:txBody>
-      </p:sp>
-    </p:spTree>
-    <p:extLst>
-      <p:ext uri="{BB962C8B-B14F-4D97-AF65-F5344CB8AC3E}">
-        <p14:creationId xmlns:p14="http://schemas.microsoft.com/office/powerpoint/2010/main" val="1842258187"/>
-      </p:ext>
-    </p:extLst>
-  </p:cSld>
-  <p:clrMapOvr>
-    <a:masterClrMapping/>
-  </p:clrMapOvr>
-</p:sld>
-</file>
-
-<file path=ppt/slides/slide2.xml><?xml version="1.0" encoding="utf-8"?>
-<p:sld xmlns:a="http://schemas.openxmlformats.org/drawingml/2006/main" xmlns:r="http://schemas.openxmlformats.org/officeDocument/2006/relationships" xmlns:p="http://schemas.openxmlformats.org/presentationml/2006/main">
-  <p:cSld>
-    <p:spTree>
-      <p:nvGrpSpPr>
-        <p:cNvPr id="1" name=""/>
-        <p:cNvGrpSpPr/>
-        <p:nvPr/>
-      </p:nvGrpSpPr>
-      <p:grpSpPr>
-        <a:xfrm>
-          <a:off x="0" y="0"/>
-          <a:ext cx="0" cy="0"/>
-          <a:chOff x="0" y="0"/>
-          <a:chExt cx="0" cy="0"/>
-        </a:xfrm>
-      </p:grpSpPr>
-      <p:sp>
-        <p:nvSpPr>
-          <p:cNvPr id="2" name="Título 1"/>
-          <p:cNvSpPr>
-            <a:spLocks noGrp="1"/>
-          </p:cNvSpPr>
-          <p:nvPr>
-            <p:ph type="title"/>
-          </p:nvPr>
-        </p:nvSpPr>
-        <p:spPr/>
-        <p:txBody>
-          <a:bodyPr/>
-          <a:lstStyle/>
-          <a:p>
-            <a:r>
-              <a:rPr lang="pt-BR" dirty="0" smtClean="0"/>
-              <a:t>Estrutura do trabalho</a:t>
-            </a:r>
-            <a:endParaRPr lang="pt-BR" dirty="0"/>
-          </a:p>
-        </p:txBody>
-      </p:sp>
-      <p:sp>
-        <p:nvSpPr>
-          <p:cNvPr id="3" name="Espaço Reservado para Conteúdo 2"/>
-          <p:cNvSpPr>
-            <a:spLocks noGrp="1"/>
-          </p:cNvSpPr>
-          <p:nvPr>
-            <p:ph idx="1"/>
-          </p:nvPr>
-        </p:nvSpPr>
-        <p:spPr/>
-        <p:txBody>
-          <a:bodyPr/>
-          <a:lstStyle/>
-          <a:p>
-            <a:endParaRPr lang="pt-BR" dirty="0" smtClean="0"/>
-          </a:p>
-          <a:p>
-            <a:r>
-              <a:rPr lang="pt-BR" sz="2800" dirty="0" smtClean="0"/>
-              <a:t>1. Introdução</a:t>
-            </a:r>
-          </a:p>
-          <a:p>
-            <a:r>
-              <a:rPr lang="pt-BR" sz="2800" dirty="0" smtClean="0"/>
-              <a:t>2. Fundamentos teóricos</a:t>
-            </a:r>
-          </a:p>
-          <a:p>
-            <a:r>
-              <a:rPr lang="pt-BR" sz="2800" dirty="0" smtClean="0"/>
-              <a:t>3. Resultados obtidos</a:t>
-            </a:r>
-          </a:p>
-          <a:p>
-            <a:r>
-              <a:rPr lang="pt-BR" sz="2800" dirty="0" smtClean="0"/>
-              <a:t>4. Considerações finais</a:t>
-            </a:r>
-          </a:p>
-          <a:p>
-            <a:r>
-              <a:rPr lang="pt-BR" sz="2800" dirty="0" smtClean="0"/>
-              <a:t>5. Referências</a:t>
-            </a:r>
-          </a:p>
-        </p:txBody>
-      </p:sp>
-    </p:spTree>
-    <p:extLst>
-      <p:ext uri="{BB962C8B-B14F-4D97-AF65-F5344CB8AC3E}">
-        <p14:creationId xmlns:p14="http://schemas.microsoft.com/office/powerpoint/2010/main" val="2753270559"/>
-      </p:ext>
-    </p:extLst>
-  </p:cSld>
-  <p:clrMapOvr>
-    <a:masterClrMapping/>
-  </p:clrMapOvr>
-</p:sld>
-</file>
-
-<file path=ppt/slides/slide3.xml><?xml version="1.0" encoding="utf-8"?>
-<p:sld xmlns:a="http://schemas.openxmlformats.org/drawingml/2006/main" xmlns:r="http://schemas.openxmlformats.org/officeDocument/2006/relationships" xmlns:p="http://schemas.openxmlformats.org/presentationml/2006/main">
-  <p:cSld>
-    <p:spTree>
-      <p:nvGrpSpPr>
-        <p:cNvPr id="1" name=""/>
-        <p:cNvGrpSpPr/>
-        <p:nvPr/>
-      </p:nvGrpSpPr>
-      <p:grpSpPr>
-        <a:xfrm>
-          <a:off x="0" y="0"/>
-          <a:ext cx="0" cy="0"/>
-          <a:chOff x="0" y="0"/>
-          <a:chExt cx="0" cy="0"/>
-        </a:xfrm>
-      </p:grpSpPr>
-      <p:sp>
-        <p:nvSpPr>
-          <p:cNvPr id="2" name="Título 1"/>
-          <p:cNvSpPr>
-            <a:spLocks noGrp="1"/>
-          </p:cNvSpPr>
-          <p:nvPr>
-            <p:ph type="title"/>
-          </p:nvPr>
-        </p:nvSpPr>
-        <p:spPr/>
-        <p:txBody>
-          <a:bodyPr/>
-          <a:lstStyle/>
-          <a:p>
-            <a:r>
-              <a:rPr lang="pt-BR" dirty="0" smtClean="0"/>
-              <a:t>Introdução</a:t>
-            </a:r>
-            <a:endParaRPr lang="pt-BR" dirty="0"/>
-          </a:p>
-        </p:txBody>
-      </p:sp>
-      <p:sp>
-        <p:nvSpPr>
-          <p:cNvPr id="3" name="Espaço Reservado para Conteúdo 2"/>
-          <p:cNvSpPr>
-            <a:spLocks noGrp="1"/>
-          </p:cNvSpPr>
-          <p:nvPr>
-            <p:ph idx="1"/>
-          </p:nvPr>
-        </p:nvSpPr>
-        <p:spPr/>
-        <p:txBody>
-          <a:bodyPr/>
-          <a:lstStyle/>
-          <a:p>
-            <a:endParaRPr lang="pt-BR" dirty="0" smtClean="0"/>
-          </a:p>
-          <a:p>
-            <a:pPr marL="0" indent="0">
-              <a:buNone/>
-            </a:pPr>
-            <a:r>
-              <a:rPr lang="pt-BR" dirty="0" smtClean="0"/>
-              <a:t>O </a:t>
-            </a:r>
-            <a:r>
-              <a:rPr lang="pt-BR" dirty="0"/>
-              <a:t>número de supermercados e lojas de conveniências crescem cada vez mais, porém o número de clientes não estão aumentando da mesma maneira (KHANAL, 2016, p. 2).  </a:t>
-            </a:r>
-            <a:r>
-              <a:rPr lang="pt-BR" dirty="0" err="1"/>
-              <a:t>Khanal</a:t>
-            </a:r>
-            <a:r>
-              <a:rPr lang="pt-BR" dirty="0"/>
-              <a:t> (2016), observa que antigamente o preço era o único diferencial entre os supermercados, já hoje em dia muitos outros fatores são levados em consideração. A utilização de novas tecnologias é um fator importante para aprimorar o modelo de negócio e a satisfação do cliente.</a:t>
-            </a:r>
-          </a:p>
-          <a:p>
-            <a:pPr marL="0" indent="0">
-              <a:buNone/>
-            </a:pPr>
-            <a:r>
-              <a:rPr lang="pt-BR" dirty="0"/>
-              <a:t>Atualmente, todos os setores comerciais estão focando em entender a necessidade de cada cliente individualmente, tornando mais fácil atendê-los, e não se desgastando com os competidores (BERRY e LINOFF, 2004, p. 2).</a:t>
-            </a:r>
-          </a:p>
-          <a:p>
-            <a:endParaRPr lang="pt-BR" dirty="0"/>
-          </a:p>
-          <a:p>
-            <a:endParaRPr lang="pt-BR" dirty="0"/>
-          </a:p>
-          <a:p>
-            <a:endParaRPr lang="pt-BR" dirty="0"/>
-          </a:p>
-        </p:txBody>
-      </p:sp>
-    </p:spTree>
-    <p:extLst>
-      <p:ext uri="{BB962C8B-B14F-4D97-AF65-F5344CB8AC3E}">
-        <p14:creationId xmlns:p14="http://schemas.microsoft.com/office/powerpoint/2010/main" val="2572062527"/>
-      </p:ext>
-    </p:extLst>
-  </p:cSld>
-  <p:clrMapOvr>
-    <a:masterClrMapping/>
-  </p:clrMapOvr>
-</p:sld>
-</file>
-
-<file path=ppt/slides/slide4.xml><?xml version="1.0" encoding="utf-8"?>
-<p:sld xmlns:a="http://schemas.openxmlformats.org/drawingml/2006/main" xmlns:r="http://schemas.openxmlformats.org/officeDocument/2006/relationships" xmlns:p="http://schemas.openxmlformats.org/presentationml/2006/main">
-  <p:cSld>
-    <p:spTree>
-      <p:nvGrpSpPr>
-        <p:cNvPr id="1" name=""/>
-        <p:cNvGrpSpPr/>
-        <p:nvPr/>
-      </p:nvGrpSpPr>
-      <p:grpSpPr>
-        <a:xfrm>
-          <a:off x="0" y="0"/>
-          <a:ext cx="0" cy="0"/>
-          <a:chOff x="0" y="0"/>
-          <a:chExt cx="0" cy="0"/>
-        </a:xfrm>
-      </p:grpSpPr>
-      <p:sp>
-        <p:nvSpPr>
-          <p:cNvPr id="2" name="Título 1"/>
-          <p:cNvSpPr>
-            <a:spLocks noGrp="1"/>
-          </p:cNvSpPr>
-          <p:nvPr>
-            <p:ph type="title"/>
-          </p:nvPr>
-        </p:nvSpPr>
-        <p:spPr/>
-        <p:txBody>
-          <a:bodyPr/>
-          <a:lstStyle/>
-          <a:p>
-            <a:r>
-              <a:rPr lang="pt-BR" dirty="0" smtClean="0"/>
-              <a:t>Problema</a:t>
-            </a:r>
-            <a:endParaRPr lang="pt-BR" dirty="0"/>
-          </a:p>
-        </p:txBody>
-      </p:sp>
-      <p:sp>
-        <p:nvSpPr>
-          <p:cNvPr id="3" name="Espaço Reservado para Conteúdo 2"/>
-          <p:cNvSpPr>
-            <a:spLocks noGrp="1"/>
-          </p:cNvSpPr>
-          <p:nvPr>
-            <p:ph idx="1"/>
-          </p:nvPr>
-        </p:nvSpPr>
-        <p:spPr/>
-        <p:txBody>
-          <a:bodyPr/>
-          <a:lstStyle/>
-          <a:p>
-            <a:endParaRPr lang="pt-BR" dirty="0" smtClean="0"/>
-          </a:p>
-          <a:p>
-            <a:endParaRPr lang="pt-BR" dirty="0" smtClean="0"/>
-          </a:p>
-          <a:p>
-            <a:endParaRPr lang="pt-BR" dirty="0"/>
-          </a:p>
-          <a:p>
-            <a:r>
-              <a:rPr lang="pt-BR" dirty="0" smtClean="0"/>
-              <a:t>Como seria possível segmentar os clientes de um estabelecimento, definindo um perfil de compra para cada um deles? </a:t>
-            </a:r>
-          </a:p>
-          <a:p>
-            <a:endParaRPr lang="pt-BR" dirty="0"/>
-          </a:p>
-          <a:p>
-            <a:endParaRPr lang="pt-BR" dirty="0" smtClean="0"/>
-          </a:p>
-        </p:txBody>
-      </p:sp>
-    </p:spTree>
-    <p:extLst>
-      <p:ext uri="{BB962C8B-B14F-4D97-AF65-F5344CB8AC3E}">
-        <p14:creationId xmlns:p14="http://schemas.microsoft.com/office/powerpoint/2010/main" val="907537237"/>
-      </p:ext>
-    </p:extLst>
-  </p:cSld>
-  <p:clrMapOvr>
-    <a:masterClrMapping/>
-  </p:clrMapOvr>
-</p:sld>
-</file>
-
-<file path=ppt/slides/slide5.xml><?xml version="1.0" encoding="utf-8"?>
-<p:sld xmlns:a="http://schemas.openxmlformats.org/drawingml/2006/main" xmlns:r="http://schemas.openxmlformats.org/officeDocument/2006/relationships" xmlns:p="http://schemas.openxmlformats.org/presentationml/2006/main">
-  <p:cSld>
-    <p:spTree>
-      <p:nvGrpSpPr>
-        <p:cNvPr id="1" name=""/>
-        <p:cNvGrpSpPr/>
-        <p:nvPr/>
-      </p:nvGrpSpPr>
-      <p:grpSpPr>
-        <a:xfrm>
-          <a:off x="0" y="0"/>
-          <a:ext cx="0" cy="0"/>
-          <a:chOff x="0" y="0"/>
-          <a:chExt cx="0" cy="0"/>
-        </a:xfrm>
-      </p:grpSpPr>
-      <p:sp>
-        <p:nvSpPr>
-          <p:cNvPr id="2" name="Título 1"/>
-          <p:cNvSpPr>
-            <a:spLocks noGrp="1"/>
-          </p:cNvSpPr>
-          <p:nvPr>
-            <p:ph type="title"/>
-          </p:nvPr>
-        </p:nvSpPr>
-        <p:spPr/>
-        <p:txBody>
-          <a:bodyPr/>
-          <a:lstStyle/>
-          <a:p>
-            <a:r>
-              <a:rPr lang="pt-BR" dirty="0" smtClean="0"/>
-              <a:t>Justificativa</a:t>
-            </a:r>
-            <a:endParaRPr lang="pt-BR" dirty="0"/>
-          </a:p>
-        </p:txBody>
-      </p:sp>
-      <p:sp>
-        <p:nvSpPr>
-          <p:cNvPr id="3" name="Espaço Reservado para Conteúdo 2"/>
-          <p:cNvSpPr>
-            <a:spLocks noGrp="1"/>
-          </p:cNvSpPr>
-          <p:nvPr>
-            <p:ph idx="1"/>
-          </p:nvPr>
-        </p:nvSpPr>
-        <p:spPr/>
-        <p:txBody>
-          <a:bodyPr/>
-          <a:lstStyle/>
-          <a:p>
-            <a:endParaRPr lang="pt-BR" dirty="0" smtClean="0"/>
-          </a:p>
-          <a:p>
-            <a:endParaRPr lang="pt-BR" dirty="0" smtClean="0"/>
-          </a:p>
-          <a:p>
-            <a:endParaRPr lang="pt-BR" dirty="0" smtClean="0"/>
-          </a:p>
-          <a:p>
-            <a:r>
-              <a:rPr lang="pt-BR" dirty="0" smtClean="0"/>
-              <a:t>Todas </a:t>
-            </a:r>
-            <a:r>
-              <a:rPr lang="pt-BR" dirty="0"/>
-              <a:t>as empresas estão caminhando para um único objetivo, o de entender as necessidades de cada cliente individualmente. E as empresas estão utilizando esse entendimento para fidelizar os clientes ao invés de competir diretamente com os concorrentes</a:t>
-            </a:r>
-            <a:r>
-              <a:rPr lang="pt-BR" dirty="0" smtClean="0"/>
-              <a:t>. </a:t>
-            </a:r>
-            <a:r>
-              <a:rPr lang="pt-BR" dirty="0"/>
-              <a:t>(BERRY e LINOFF, 2004, p. 2)</a:t>
-            </a:r>
-          </a:p>
-          <a:p>
-            <a:endParaRPr lang="pt-BR" dirty="0"/>
-          </a:p>
-        </p:txBody>
-      </p:sp>
-    </p:spTree>
-    <p:extLst>
-      <p:ext uri="{BB962C8B-B14F-4D97-AF65-F5344CB8AC3E}">
-        <p14:creationId xmlns:p14="http://schemas.microsoft.com/office/powerpoint/2010/main" val="1658290830"/>
-      </p:ext>
-    </p:extLst>
-  </p:cSld>
-  <p:clrMapOvr>
-    <a:masterClrMapping/>
-  </p:clrMapOvr>
-</p:sld>
-</file>
-
-<file path=ppt/slides/slide6.xml><?xml version="1.0" encoding="utf-8"?>
-<p:sld xmlns:a="http://schemas.openxmlformats.org/drawingml/2006/main" xmlns:r="http://schemas.openxmlformats.org/officeDocument/2006/relationships" xmlns:p="http://schemas.openxmlformats.org/presentationml/2006/main">
-  <p:cSld>
-    <p:spTree>
-      <p:nvGrpSpPr>
-        <p:cNvPr id="1" name=""/>
-        <p:cNvGrpSpPr/>
-        <p:nvPr/>
-      </p:nvGrpSpPr>
-      <p:grpSpPr>
-        <a:xfrm>
-          <a:off x="0" y="0"/>
-          <a:ext cx="0" cy="0"/>
-          <a:chOff x="0" y="0"/>
-          <a:chExt cx="0" cy="0"/>
-        </a:xfrm>
-      </p:grpSpPr>
-      <p:sp>
-        <p:nvSpPr>
-          <p:cNvPr id="2" name="Título 1"/>
-          <p:cNvSpPr>
-            <a:spLocks noGrp="1"/>
-          </p:cNvSpPr>
-          <p:nvPr>
-            <p:ph type="title"/>
-          </p:nvPr>
-        </p:nvSpPr>
-        <p:spPr/>
-        <p:txBody>
-          <a:bodyPr/>
-          <a:lstStyle/>
-          <a:p>
-            <a:r>
-              <a:rPr lang="pt-BR" dirty="0" smtClean="0"/>
-              <a:t>Objetivo</a:t>
-            </a:r>
-            <a:endParaRPr lang="pt-BR" dirty="0"/>
-          </a:p>
-        </p:txBody>
-      </p:sp>
-      <p:sp>
-        <p:nvSpPr>
-          <p:cNvPr id="3" name="Espaço Reservado para Conteúdo 2"/>
-          <p:cNvSpPr>
-            <a:spLocks noGrp="1"/>
-          </p:cNvSpPr>
-          <p:nvPr>
-            <p:ph idx="1"/>
-          </p:nvPr>
-        </p:nvSpPr>
-        <p:spPr/>
-        <p:txBody>
-          <a:bodyPr/>
-          <a:lstStyle/>
-          <a:p>
-            <a:endParaRPr lang="pt-BR" dirty="0" smtClean="0"/>
-          </a:p>
-          <a:p>
-            <a:endParaRPr lang="pt-BR" dirty="0" smtClean="0"/>
-          </a:p>
-          <a:p>
-            <a:endParaRPr lang="pt-BR" dirty="0"/>
-          </a:p>
-          <a:p>
-            <a:r>
-              <a:rPr lang="pt-BR" dirty="0"/>
-              <a:t>O objetivo deste trabalho é analisar um </a:t>
-            </a:r>
-            <a:r>
-              <a:rPr lang="pt-BR" dirty="0" smtClean="0"/>
-              <a:t>conjunto </a:t>
-            </a:r>
-            <a:r>
-              <a:rPr lang="pt-BR" dirty="0"/>
-              <a:t>de dados referentes as despesas de vários clientes em um atacado, e com base nas despesas e nos diferentes produtos comprados segmentar os clientes em diversos perfis. </a:t>
-            </a:r>
-          </a:p>
-        </p:txBody>
-      </p:sp>
-    </p:spTree>
-    <p:extLst>
-      <p:ext uri="{BB962C8B-B14F-4D97-AF65-F5344CB8AC3E}">
-        <p14:creationId xmlns:p14="http://schemas.microsoft.com/office/powerpoint/2010/main" val="864620661"/>
-      </p:ext>
-    </p:extLst>
-  </p:cSld>
-  <p:clrMapOvr>
-    <a:masterClrMapping/>
-  </p:clrMapOvr>
-</p:sld>
-</file>
-
-<file path=ppt/slides/slide7.xml><?xml version="1.0" encoding="utf-8"?>
-<p:sld xmlns:a="http://schemas.openxmlformats.org/drawingml/2006/main" xmlns:r="http://schemas.openxmlformats.org/officeDocument/2006/relationships" xmlns:p="http://schemas.openxmlformats.org/presentationml/2006/main">
-  <p:cSld>
-    <p:spTree>
-      <p:nvGrpSpPr>
-        <p:cNvPr id="1" name=""/>
-        <p:cNvGrpSpPr/>
-        <p:nvPr/>
-      </p:nvGrpSpPr>
-      <p:grpSpPr>
-        <a:xfrm>
-          <a:off x="0" y="0"/>
-          <a:ext cx="0" cy="0"/>
-          <a:chOff x="0" y="0"/>
-          <a:chExt cx="0" cy="0"/>
-        </a:xfrm>
-      </p:grpSpPr>
-      <p:sp>
-        <p:nvSpPr>
-          <p:cNvPr id="2" name="Título 1"/>
-          <p:cNvSpPr>
-            <a:spLocks noGrp="1"/>
-          </p:cNvSpPr>
-          <p:nvPr>
-            <p:ph type="title"/>
-          </p:nvPr>
-        </p:nvSpPr>
-        <p:spPr/>
-        <p:txBody>
-          <a:bodyPr/>
-          <a:lstStyle/>
-          <a:p>
-            <a:r>
-              <a:rPr lang="pt-BR" dirty="0" smtClean="0"/>
-              <a:t>Fundamentos Teóricos</a:t>
-            </a:r>
-            <a:endParaRPr lang="pt-BR" dirty="0"/>
-          </a:p>
-        </p:txBody>
-      </p:sp>
-      <p:sp>
-        <p:nvSpPr>
-          <p:cNvPr id="3" name="Espaço Reservado para Conteúdo 2"/>
-          <p:cNvSpPr>
-            <a:spLocks noGrp="1"/>
-          </p:cNvSpPr>
-          <p:nvPr>
-            <p:ph idx="1"/>
-          </p:nvPr>
-        </p:nvSpPr>
-        <p:spPr/>
-        <p:txBody>
-          <a:bodyPr/>
-          <a:lstStyle/>
-          <a:p>
-            <a:endParaRPr lang="pt-BR" dirty="0" smtClean="0"/>
-          </a:p>
-          <a:p>
-            <a:r>
-              <a:rPr lang="pt-BR" sz="2800" dirty="0" smtClean="0"/>
-              <a:t>Descoberta de Conhecimento em Banco de Dados</a:t>
-            </a:r>
-          </a:p>
-          <a:p>
-            <a:pPr marL="0" indent="0">
-              <a:buNone/>
-            </a:pPr>
-            <a:endParaRPr lang="pt-BR" dirty="0" smtClean="0"/>
-          </a:p>
-          <a:p>
-            <a:pPr marL="0" indent="0">
-              <a:buNone/>
-            </a:pPr>
-            <a:r>
-              <a:rPr lang="pt-BR" dirty="0" smtClean="0"/>
-              <a:t>Segundo </a:t>
-            </a:r>
-            <a:r>
-              <a:rPr lang="pt-BR" dirty="0" err="1"/>
-              <a:t>Fayyad</a:t>
-            </a:r>
-            <a:r>
-              <a:rPr lang="pt-BR" dirty="0"/>
-              <a:t>, </a:t>
-            </a:r>
-            <a:r>
-              <a:rPr lang="pt-BR" dirty="0" err="1"/>
-              <a:t>Piatetsky</a:t>
-            </a:r>
-            <a:r>
-              <a:rPr lang="pt-BR" dirty="0"/>
-              <a:t>-Shapiro e </a:t>
-            </a:r>
-            <a:r>
-              <a:rPr lang="pt-BR" dirty="0" err="1"/>
-              <a:t>Smyth</a:t>
-            </a:r>
-            <a:r>
-              <a:rPr lang="pt-BR" dirty="0"/>
-              <a:t> (1996), o processo de Descoberta de </a:t>
-            </a:r>
-            <a:r>
-              <a:rPr lang="pt-BR" dirty="0" err="1"/>
-              <a:t>Conhencimento</a:t>
-            </a:r>
-            <a:r>
-              <a:rPr lang="pt-BR" dirty="0"/>
-              <a:t> em Banco de Dados pode ser dividido em alguns </a:t>
-            </a:r>
-            <a:r>
-              <a:rPr lang="pt-BR" dirty="0" smtClean="0"/>
-              <a:t>passos:</a:t>
-            </a:r>
-          </a:p>
-          <a:p>
-            <a:pPr marL="0" indent="0">
-              <a:buNone/>
-            </a:pPr>
-            <a:endParaRPr lang="pt-BR" dirty="0"/>
-          </a:p>
-          <a:p>
-            <a:pPr marL="457200" indent="-457200">
-              <a:buFont typeface="+mj-lt"/>
-              <a:buAutoNum type="arabicPeriod"/>
-            </a:pPr>
-            <a:r>
-              <a:rPr lang="pt-BR" dirty="0" smtClean="0"/>
-              <a:t>Seleção dos dados</a:t>
-            </a:r>
-          </a:p>
-          <a:p>
-            <a:pPr marL="457200" indent="-457200">
-              <a:buFont typeface="+mj-lt"/>
-              <a:buAutoNum type="arabicPeriod"/>
-            </a:pPr>
-            <a:r>
-              <a:rPr lang="pt-BR" dirty="0" smtClean="0"/>
-              <a:t>Pré-Processamento e Limpeza (Escalonamento dos dados e detecção de desvios)</a:t>
-            </a:r>
-          </a:p>
-          <a:p>
-            <a:pPr marL="457200" indent="-457200">
-              <a:buFont typeface="+mj-lt"/>
-              <a:buAutoNum type="arabicPeriod"/>
-            </a:pPr>
-            <a:r>
-              <a:rPr lang="pt-BR" dirty="0" smtClean="0"/>
-              <a:t>Data Mining</a:t>
-            </a:r>
-          </a:p>
-          <a:p>
-            <a:pPr marL="0" indent="0">
-              <a:buNone/>
-            </a:pPr>
-            <a:endParaRPr lang="pt-BR" dirty="0"/>
-          </a:p>
-        </p:txBody>
-      </p:sp>
-    </p:spTree>
-    <p:extLst>
-      <p:ext uri="{BB962C8B-B14F-4D97-AF65-F5344CB8AC3E}">
-        <p14:creationId xmlns:p14="http://schemas.microsoft.com/office/powerpoint/2010/main" val="4045897268"/>
-      </p:ext>
-    </p:extLst>
-  </p:cSld>
-  <p:clrMapOvr>
-    <a:masterClrMapping/>
-  </p:clrMapOvr>
-</p:sld>
-</file>
-
 <file path=ppt/slides/slide8.xml><?xml version="1.0" encoding="utf-8"?>
 <p:sld xmlns:a="http://schemas.openxmlformats.org/drawingml/2006/main" xmlns:r="http://schemas.openxmlformats.org/officeDocument/2006/relationships" xmlns:p="http://schemas.openxmlformats.org/presentationml/2006/main">
   <p:cSld>
@@ -6040,110 +6117,109 @@
         </p:nvSpPr>
         <p:spPr/>
         <p:txBody>
-          <a:bodyPr>
-            <a:normAutofit/>
-          </a:bodyPr>
-          <a:lstStyle/>
-          <a:p>
+          <a:bodyPr/>
+          <a:lstStyle/>
+          <a:p>
+            <a:endParaRPr lang="pt-BR" dirty="0" smtClean="0"/>
+          </a:p>
+          <a:p>
+            <a:r>
+              <a:rPr lang="pt-BR" sz="2800" dirty="0" smtClean="0"/>
+              <a:t>Descoberta de Conhecimento em Banco de Dados</a:t>
+            </a:r>
+          </a:p>
+          <a:p>
+            <a:pPr marL="0" indent="0">
+              <a:buNone/>
+            </a:pPr>
+            <a:endParaRPr lang="pt-BR" dirty="0" smtClean="0"/>
+          </a:p>
+          <a:p>
+            <a:pPr marL="0" indent="0">
+              <a:buNone/>
+            </a:pPr>
+            <a:r>
+              <a:rPr lang="pt-BR" dirty="0" smtClean="0"/>
+              <a:t>Segundo </a:t>
+            </a:r>
+            <a:r>
+              <a:rPr lang="pt-BR" dirty="0" err="1"/>
+              <a:t>Fayyad</a:t>
+            </a:r>
             <a:r>
               <a:rPr lang="pt-BR" dirty="0"/>
-              <a:t>Os dados correspondem aos gastos anuais dos clientes de um distribuidor de produtos para atacados. As informações disponíveis são</a:t>
+              <a:t>, </a:t>
+            </a:r>
+            <a:r>
+              <a:rPr lang="pt-BR" dirty="0" err="1"/>
+              <a:t>Piatetsky</a:t>
+            </a:r>
+            <a:r>
+              <a:rPr lang="pt-BR" dirty="0"/>
+              <a:t>-Shapiro e </a:t>
+            </a:r>
+            <a:r>
+              <a:rPr lang="pt-BR" dirty="0" err="1"/>
+              <a:t>Smyth</a:t>
+            </a:r>
+            <a:r>
+              <a:rPr lang="pt-BR" dirty="0"/>
+              <a:t> (1996), o processo de Descoberta de </a:t>
+            </a:r>
+            <a:r>
+              <a:rPr lang="pt-BR" dirty="0" err="1"/>
+              <a:t>Conhencimento</a:t>
+            </a:r>
+            <a:r>
+              <a:rPr lang="pt-BR" dirty="0"/>
+              <a:t> em Banco de Dados pode ser dividido em alguns </a:t>
             </a:r>
             <a:r>
               <a:rPr lang="pt-BR" dirty="0" smtClean="0"/>
-              <a:t>:</a:t>
-            </a:r>
-          </a:p>
-          <a:p>
-            <a:endParaRPr lang="pt-BR" dirty="0" smtClean="0"/>
-          </a:p>
-          <a:p>
-            <a:pPr marL="457200" lvl="0" indent="-457200">
+              <a:t>passos:</a:t>
+            </a:r>
+          </a:p>
+          <a:p>
+            <a:pPr marL="0" indent="0">
+              <a:buNone/>
+            </a:pPr>
+            <a:endParaRPr lang="pt-BR" dirty="0"/>
+          </a:p>
+          <a:p>
+            <a:pPr marL="457200" indent="-457200">
               <a:buFont typeface="+mj-lt"/>
               <a:buAutoNum type="arabicPeriod"/>
             </a:pPr>
             <a:r>
-              <a:rPr lang="pt-BR" dirty="0" err="1" smtClean="0"/>
-              <a:t>Fresh</a:t>
-            </a:r>
-            <a:r>
-              <a:rPr lang="pt-BR" dirty="0"/>
-              <a:t>: Gastos anuais com produtos frescos;</a:t>
-            </a:r>
-          </a:p>
-          <a:p>
-            <a:pPr marL="457200" lvl="0" indent="-457200">
+              <a:rPr lang="pt-BR" dirty="0" smtClean="0"/>
+              <a:t>Seleção dos dados</a:t>
+            </a:r>
+          </a:p>
+          <a:p>
+            <a:pPr marL="457200" indent="-457200">
               <a:buFont typeface="+mj-lt"/>
               <a:buAutoNum type="arabicPeriod"/>
             </a:pPr>
             <a:r>
-              <a:rPr lang="pt-BR" dirty="0" err="1"/>
-              <a:t>Milk</a:t>
-            </a:r>
-            <a:r>
-              <a:rPr lang="pt-BR" dirty="0"/>
-              <a:t>: Gastos anuais com produtos derivados de leite;</a:t>
-            </a:r>
-          </a:p>
-          <a:p>
-            <a:pPr marL="457200" lvl="0" indent="-457200">
+              <a:rPr lang="pt-BR" dirty="0" smtClean="0"/>
+              <a:t>Pré-Processamento e Limpeza (Escalonamento dos dados e detecção de desvios)</a:t>
+            </a:r>
+          </a:p>
+          <a:p>
+            <a:pPr marL="457200" indent="-457200">
               <a:buFont typeface="+mj-lt"/>
               <a:buAutoNum type="arabicPeriod"/>
             </a:pPr>
             <a:r>
-              <a:rPr lang="pt-BR" dirty="0" err="1"/>
-              <a:t>Grocery</a:t>
-            </a:r>
-            <a:r>
-              <a:rPr lang="pt-BR" dirty="0"/>
-              <a:t>: Gastos anuais com produtos comestíveis;</a:t>
-            </a:r>
-          </a:p>
-          <a:p>
-            <a:pPr marL="457200" lvl="0" indent="-457200">
-              <a:buFont typeface="+mj-lt"/>
-              <a:buAutoNum type="arabicPeriod"/>
+              <a:rPr lang="pt-BR" dirty="0" smtClean="0"/>
+              <a:t>Aplicar o modelo de aprendizado</a:t>
+            </a:r>
+            <a:endParaRPr lang="pt-BR" dirty="0" smtClean="0"/>
+          </a:p>
+          <a:p>
+            <a:pPr marL="0" indent="0">
+              <a:buNone/>
             </a:pPr>
-            <a:r>
-              <a:rPr lang="pt-BR" dirty="0" err="1"/>
-              <a:t>Frozen</a:t>
-            </a:r>
-            <a:r>
-              <a:rPr lang="pt-BR" dirty="0"/>
-              <a:t>: Gastos anuais com produtos congelados;</a:t>
-            </a:r>
-          </a:p>
-          <a:p>
-            <a:pPr marL="457200" lvl="0" indent="-457200">
-              <a:buFont typeface="+mj-lt"/>
-              <a:buAutoNum type="arabicPeriod"/>
-            </a:pPr>
-            <a:r>
-              <a:rPr lang="pt-BR" dirty="0" err="1"/>
-              <a:t>Detergents_paper</a:t>
-            </a:r>
-            <a:r>
-              <a:rPr lang="pt-BR" dirty="0"/>
-              <a:t>: Gastos anuais com produtos de limpeza;</a:t>
-            </a:r>
-          </a:p>
-          <a:p>
-            <a:pPr marL="457200" lvl="0" indent="-457200">
-              <a:buFont typeface="+mj-lt"/>
-              <a:buAutoNum type="arabicPeriod"/>
-            </a:pPr>
-            <a:r>
-              <a:rPr lang="pt-BR" dirty="0" err="1"/>
-              <a:t>Delicatessen</a:t>
-            </a:r>
-            <a:r>
-              <a:rPr lang="pt-BR" dirty="0"/>
-              <a:t>: Gastos anuais com especiarias</a:t>
-            </a:r>
-            <a:r>
-              <a:rPr lang="pt-BR" dirty="0" smtClean="0"/>
-              <a:t>;</a:t>
-            </a:r>
             <a:endParaRPr lang="pt-BR" dirty="0"/>
           </a:p>
         </p:txBody>
@@ -6151,7 +6227,7 @@
     </p:spTree>
     <p:extLst>
       <p:ext uri="{BB962C8B-B14F-4D97-AF65-F5344CB8AC3E}">
-        <p14:creationId xmlns:p14="http://schemas.microsoft.com/office/powerpoint/2010/main" val="336528855"/>
+        <p14:creationId xmlns:p14="http://schemas.microsoft.com/office/powerpoint/2010/main" val="4045897268"/>
       </p:ext>
     </p:extLst>
   </p:cSld>
@@ -6190,91 +6266,147 @@
         </p:nvSpPr>
         <p:spPr/>
         <p:txBody>
-          <a:bodyPr/>
-          <a:lstStyle/>
-          <a:p>
+          <a:bodyPr>
+            <a:normAutofit/>
+          </a:bodyPr>
+          <a:lstStyle/>
+          <a:p>
+            <a:r>
+              <a:rPr lang="pt-BR" sz="4000" dirty="0" smtClean="0"/>
+              <a:t>Fundamentos </a:t>
+            </a:r>
+            <a:r>
+              <a:rPr lang="pt-BR" sz="4000" dirty="0" smtClean="0"/>
+              <a:t>Teóricos – Seleção dos Dados</a:t>
+            </a:r>
+            <a:endParaRPr lang="pt-BR" sz="4000" dirty="0"/>
+          </a:p>
+        </p:txBody>
+      </p:sp>
+      <p:sp>
+        <p:nvSpPr>
+          <p:cNvPr id="3" name="Espaço Reservado para Conteúdo 2"/>
+          <p:cNvSpPr>
+            <a:spLocks noGrp="1"/>
+          </p:cNvSpPr>
+          <p:nvPr>
+            <p:ph idx="1"/>
+          </p:nvPr>
+        </p:nvSpPr>
+        <p:spPr/>
+        <p:txBody>
+          <a:bodyPr>
+            <a:normAutofit/>
+          </a:bodyPr>
+          <a:lstStyle/>
+          <a:p>
+            <a:r>
+              <a:rPr lang="pt-BR" dirty="0"/>
+              <a:t>Os dados correspondem aos gastos anuais dos clientes de um distribuidor de produtos para atacados. As informações disponíveis são</a:t>
+            </a:r>
             <a:r>
               <a:rPr lang="pt-BR" dirty="0" smtClean="0"/>
-              <a:t>Fundamentos Teóricos</a:t>
+              <a:t>:</a:t>
+            </a:r>
+          </a:p>
+          <a:p>
+            <a:endParaRPr lang="pt-BR" dirty="0" smtClean="0"/>
+          </a:p>
+          <a:p>
+            <a:pPr marL="457200" lvl="0" indent="-457200">
+              <a:buFont typeface="+mj-lt"/>
+              <a:buAutoNum type="arabicPeriod"/>
+            </a:pPr>
+            <a:r>
+              <a:rPr lang="pt-BR" dirty="0" err="1" smtClean="0"/>
+              <a:t>Fresh</a:t>
+            </a:r>
+            <a:r>
+              <a:rPr lang="pt-BR" dirty="0"/>
+              <a:t>: Gastos anuais com produtos frescos;</a:t>
+            </a:r>
+          </a:p>
+          <a:p>
+            <a:pPr marL="457200" lvl="0" indent="-457200">
+              <a:buFont typeface="+mj-lt"/>
+              <a:buAutoNum type="arabicPeriod"/>
+            </a:pPr>
+            <a:r>
+              <a:rPr lang="pt-BR" dirty="0" err="1"/>
+              <a:t>Milk</a:t>
+            </a:r>
+            <a:r>
+              <a:rPr lang="pt-BR" dirty="0"/>
+              <a:t>: Gastos anuais com produtos derivados de leite;</a:t>
+            </a:r>
+          </a:p>
+          <a:p>
+            <a:pPr marL="457200" lvl="0" indent="-457200">
+              <a:buFont typeface="+mj-lt"/>
+              <a:buAutoNum type="arabicPeriod"/>
+            </a:pPr>
+            <a:r>
+              <a:rPr lang="pt-BR" dirty="0" err="1"/>
+              <a:t>Grocery</a:t>
+            </a:r>
+            <a:r>
+              <a:rPr lang="pt-BR" dirty="0"/>
+              <a:t>: Gastos anuais com produtos comestíveis;</a:t>
+            </a:r>
+          </a:p>
+          <a:p>
+            <a:pPr marL="457200" lvl="0" indent="-457200">
+              <a:buFont typeface="+mj-lt"/>
+              <a:buAutoNum type="arabicPeriod"/>
+            </a:pPr>
+            <a:r>
+              <a:rPr lang="pt-BR" dirty="0" err="1"/>
+              <a:t>Frozen</a:t>
+            </a:r>
+            <a:r>
+              <a:rPr lang="pt-BR" dirty="0"/>
+              <a:t>: Gastos anuais com produtos congelados;</a:t>
+            </a:r>
+          </a:p>
+          <a:p>
+            <a:pPr marL="457200" lvl="0" indent="-457200">
+              <a:buFont typeface="+mj-lt"/>
+              <a:buAutoNum type="arabicPeriod"/>
+            </a:pPr>
+            <a:r>
+              <a:rPr lang="pt-BR" dirty="0" err="1"/>
+              <a:t>Detergents_paper</a:t>
+            </a:r>
+            <a:r>
+              <a:rPr lang="pt-BR" dirty="0"/>
+              <a:t>: Gastos anuais com produtos de limpeza;</a:t>
+            </a:r>
+          </a:p>
+          <a:p>
+            <a:pPr marL="457200" lvl="0" indent="-457200">
+              <a:buFont typeface="+mj-lt"/>
+              <a:buAutoNum type="arabicPeriod"/>
+            </a:pPr>
+            <a:r>
+              <a:rPr lang="pt-BR" dirty="0" err="1"/>
+              <a:t>Delicatessen</a:t>
+            </a:r>
+            <a:r>
+              <a:rPr lang="pt-BR" dirty="0"/>
+              <a:t>: Gastos anuais com especiarias</a:t>
+            </a:r>
+            <a:r>
+              <a:rPr lang="pt-BR" dirty="0" smtClean="0"/>
+              <a:t>;</a:t>
             </a:r>
             <a:endParaRPr lang="pt-BR" dirty="0"/>
           </a:p>
         </p:txBody>
       </p:sp>
-      <p:sp>
-        <p:nvSpPr>
-          <p:cNvPr id="3" name="Espaço Reservado para Conteúdo 2"/>
-          <p:cNvSpPr>
-            <a:spLocks noGrp="1"/>
-          </p:cNvSpPr>
-          <p:nvPr>
-            <p:ph idx="1"/>
-          </p:nvPr>
-        </p:nvSpPr>
-        <p:spPr/>
-        <p:txBody>
-          <a:bodyPr/>
-          <a:lstStyle/>
-          <a:p>
-            <a:endParaRPr lang="pt-BR" dirty="0" smtClean="0"/>
-          </a:p>
-          <a:p>
-            <a:r>
-              <a:rPr lang="pt-BR" sz="2800" dirty="0" smtClean="0"/>
-              <a:t>Escalonamento dos dados – Logaritmo Natural</a:t>
-            </a:r>
-            <a:endParaRPr lang="pt-BR" sz="2800" dirty="0"/>
-          </a:p>
-        </p:txBody>
-      </p:sp>
-      <p:pic>
-        <p:nvPicPr>
-          <p:cNvPr id="4" name="Imagem 3"/>
-          <p:cNvPicPr/>
-          <p:nvPr/>
-        </p:nvPicPr>
-        <p:blipFill>
-          <a:blip r:embed="rId2"/>
-          <a:stretch>
-            <a:fillRect/>
-          </a:stretch>
-        </p:blipFill>
-        <p:spPr>
-          <a:xfrm>
-            <a:off x="1443270" y="3035513"/>
-            <a:ext cx="4119245" cy="2941955"/>
-          </a:xfrm>
-          <a:prstGeom prst="rect">
-            <a:avLst/>
-          </a:prstGeom>
-        </p:spPr>
-      </p:pic>
-      <p:pic>
-        <p:nvPicPr>
-          <p:cNvPr id="5" name="Imagem 4"/>
-          <p:cNvPicPr/>
-          <p:nvPr/>
-        </p:nvPicPr>
-        <p:blipFill>
-          <a:blip r:embed="rId3"/>
-          <a:stretch>
-            <a:fillRect/>
-          </a:stretch>
-        </p:blipFill>
-        <p:spPr>
-          <a:xfrm>
-            <a:off x="5923006" y="3035513"/>
-            <a:ext cx="4754280" cy="2941955"/>
-          </a:xfrm>
-          <a:prstGeom prst="rect">
-            <a:avLst/>
-          </a:prstGeom>
-        </p:spPr>
-      </p:pic>
     </p:spTree>
     <p:extLst>
       <p:ext uri="{BB962C8B-B14F-4D97-AF65-F5344CB8AC3E}">
-        <p14:creationId xmlns:p14="http://schemas.microsoft.com/office/powerpoint/2010/main" val="1190399798"/>
+        <p14:creationId xmlns:p14="http://schemas.microsoft.com/office/powerpoint/2010/main" val="336528855"/>
       </p:ext>
     </p:extLst>
   </p:cSld>

--- a/presentation/Análise de agrupamento de perfis de clientes de.pptx
+++ b/presentation/Análise de agrupamento de perfis de clientes de.pptx
@@ -3857,57 +3857,61 @@
               <a:t>Anderson </a:t>
             </a:r>
             <a:r>
+              <a:rPr lang="pt-BR" sz="1200" dirty="0" smtClean="0"/>
+              <a:t>Vieira </a:t>
+            </a:r>
+            <a:r>
               <a:rPr lang="pt-BR" sz="1200" dirty="0" err="1" smtClean="0"/>
-              <a:t>Vierira</a:t>
+              <a:t>farago</a:t>
+            </a:r>
+            <a:endParaRPr lang="pt-BR" sz="1200" dirty="0" smtClean="0"/>
+          </a:p>
+          <a:p>
+            <a:r>
+              <a:rPr lang="pt-BR" sz="1200" dirty="0" smtClean="0"/>
+              <a:t>Diego de Lima </a:t>
+            </a:r>
+            <a:r>
+              <a:rPr lang="pt-BR" sz="1200" dirty="0" err="1" smtClean="0"/>
+              <a:t>honda</a:t>
+            </a:r>
+            <a:endParaRPr lang="pt-BR" sz="1200" dirty="0" smtClean="0"/>
+          </a:p>
+          <a:p>
+            <a:r>
+              <a:rPr lang="pt-BR" sz="1200" dirty="0" smtClean="0"/>
+              <a:t>Erick oliveira </a:t>
+            </a:r>
+            <a:r>
+              <a:rPr lang="pt-BR" sz="1200" dirty="0" err="1" smtClean="0"/>
+              <a:t>kawauche</a:t>
+            </a:r>
+            <a:endParaRPr lang="pt-BR" sz="1200" dirty="0" smtClean="0"/>
+          </a:p>
+          <a:p>
+            <a:r>
+              <a:rPr lang="pt-BR" sz="1200" dirty="0" smtClean="0"/>
+              <a:t>Mauro </a:t>
+            </a:r>
+            <a:r>
+              <a:rPr lang="pt-BR" sz="1200" dirty="0" err="1" smtClean="0"/>
+              <a:t>sanches</a:t>
             </a:r>
             <a:r>
               <a:rPr lang="pt-BR" sz="1200" dirty="0" smtClean="0"/>
               <a:t> </a:t>
             </a:r>
             <a:r>
+              <a:rPr lang="pt-BR" sz="1200" dirty="0" smtClean="0"/>
+              <a:t>Freitas                                                      Orientadora: </a:t>
+            </a:r>
+            <a:r>
               <a:rPr lang="pt-BR" sz="1200" dirty="0" err="1" smtClean="0"/>
-              <a:t>farago</a:t>
-            </a:r>
-            <a:endParaRPr lang="pt-BR" sz="1200" dirty="0" smtClean="0"/>
-          </a:p>
-          <a:p>
+              <a:t>Profª</a:t>
+            </a:r>
             <a:r>
               <a:rPr lang="pt-BR" sz="1200" dirty="0" smtClean="0"/>
-              <a:t>Diego de Lima </a:t>
-            </a:r>
-            <a:r>
-              <a:rPr lang="pt-BR" sz="1200" dirty="0" err="1" smtClean="0"/>
-              <a:t>honda</a:t>
-            </a:r>
-            <a:endParaRPr lang="pt-BR" sz="1200" dirty="0" smtClean="0"/>
-          </a:p>
-          <a:p>
-            <a:r>
-              <a:rPr lang="pt-BR" sz="1200" dirty="0" smtClean="0"/>
-              <a:t>Erick oliveira </a:t>
-            </a:r>
-            <a:r>
-              <a:rPr lang="pt-BR" sz="1200" dirty="0" err="1" smtClean="0"/>
-              <a:t>kawauche</a:t>
-            </a:r>
-            <a:endParaRPr lang="pt-BR" sz="1200" dirty="0" smtClean="0"/>
-          </a:p>
-          <a:p>
-            <a:r>
-              <a:rPr lang="pt-BR" sz="1200" dirty="0" smtClean="0"/>
-              <a:t>Mauro </a:t>
-            </a:r>
-            <a:r>
-              <a:rPr lang="pt-BR" sz="1200" dirty="0" err="1" smtClean="0"/>
-              <a:t>sanches</a:t>
-            </a:r>
-            <a:r>
-              <a:rPr lang="pt-BR" sz="1200" dirty="0" smtClean="0"/>
-              <a:t> </a:t>
-            </a:r>
-            <a:r>
-              <a:rPr lang="pt-BR" sz="1200" dirty="0" err="1" smtClean="0"/>
-              <a:t>freitas</a:t>
+              <a:t> Ana Carolina Bueno Borges</a:t>
             </a:r>
             <a:endParaRPr lang="pt-BR" sz="1200" dirty="0"/>
           </a:p>
@@ -3962,11 +3966,7 @@
           <a:p>
             <a:r>
               <a:rPr lang="pt-BR" sz="4000" dirty="0" smtClean="0"/>
-              <a:t>Fundamentos </a:t>
-            </a:r>
-            <a:r>
-              <a:rPr lang="pt-BR" sz="4000" dirty="0" smtClean="0"/>
-              <a:t>Teóricos – Pré-Processamento e Limpeza </a:t>
+              <a:t>Fundamentos Teóricos – Pré-Processamento e Limpeza </a:t>
             </a:r>
             <a:endParaRPr lang="pt-BR" sz="4000" dirty="0"/>
           </a:p>
@@ -3997,15 +3997,7 @@
           <a:p>
             <a:r>
               <a:rPr lang="pt-BR" sz="2800" dirty="0" smtClean="0"/>
-              <a:t>Escalonamento </a:t>
-            </a:r>
-            <a:r>
-              <a:rPr lang="pt-BR" sz="2800" dirty="0" smtClean="0"/>
-              <a:t>dos dados – Logaritmo </a:t>
-            </a:r>
-            <a:r>
-              <a:rPr lang="pt-BR" sz="2800" dirty="0" smtClean="0"/>
-              <a:t>Natural</a:t>
+              <a:t>Escalonamento dos dados – Logaritmo Natural</a:t>
             </a:r>
           </a:p>
           <a:p>
@@ -4202,7 +4194,6 @@
               <a:rPr lang="pt-BR" sz="4000" dirty="0"/>
               <a:t>Fundamentos Teóricos – Pré-Processamento e Limpeza </a:t>
             </a:r>
-            <a:endParaRPr lang="pt-BR" sz="4000" dirty="0"/>
           </a:p>
         </p:txBody>
       </p:sp>
@@ -4329,11 +4320,7 @@
           <a:p>
             <a:r>
               <a:rPr lang="pt-BR" sz="4000" dirty="0" smtClean="0"/>
-              <a:t>Fundamentos </a:t>
-            </a:r>
-            <a:r>
-              <a:rPr lang="pt-BR" sz="4000" dirty="0" smtClean="0"/>
-              <a:t>Teóricos – Pré-Processamento e Limpeza</a:t>
+              <a:t>Fundamentos Teóricos – Pré-Processamento e Limpeza</a:t>
             </a:r>
             <a:endParaRPr lang="pt-BR" sz="4000" dirty="0"/>
           </a:p>
@@ -4452,7 +4439,7 @@
           <a:p>
             <a:r>
               <a:rPr lang="pt-BR" dirty="0" smtClean="0"/>
-              <a:t>Fundamentos Teóricos</a:t>
+              <a:t>Resultados do PCA</a:t>
             </a:r>
             <a:endParaRPr lang="pt-BR" dirty="0"/>
           </a:p>
@@ -4521,6 +4508,13 @@
   <p:clrMapOvr>
     <a:masterClrMapping/>
   </p:clrMapOvr>
+  <p:timing>
+    <p:tnLst>
+      <p:par>
+        <p:cTn id="1" dur="indefinite" restart="never" nodeType="tmRoot"/>
+      </p:par>
+    </p:tnLst>
+  </p:timing>
 </p:sld>
 </file>
 
@@ -4558,7 +4552,15 @@
           <a:p>
             <a:r>
               <a:rPr lang="pt-BR" dirty="0" smtClean="0"/>
-              <a:t>Fundamentos Teóricos</a:t>
+              <a:t>Fundamentos </a:t>
+            </a:r>
+            <a:r>
+              <a:rPr lang="pt-BR" dirty="0" smtClean="0"/>
+              <a:t>Teóricos – K-</a:t>
+            </a:r>
+            <a:r>
+              <a:rPr lang="pt-BR" dirty="0" err="1" smtClean="0"/>
+              <a:t>Means</a:t>
             </a:r>
             <a:endParaRPr lang="pt-BR" dirty="0"/>
           </a:p>
@@ -4698,11 +4700,18 @@
   <p:clrMapOvr>
     <a:masterClrMapping/>
   </p:clrMapOvr>
+  <p:timing>
+    <p:tnLst>
+      <p:par>
+        <p:cTn id="1" dur="indefinite" restart="never" nodeType="tmRoot"/>
+      </p:par>
+    </p:tnLst>
+  </p:timing>
 </p:sld>
 </file>
 
 <file path=ppt/slides/slide16.xml><?xml version="1.0" encoding="utf-8"?>
-<p:sld xmlns:a="http://schemas.openxmlformats.org/drawingml/2006/main" xmlns:r="http://schemas.openxmlformats.org/officeDocument/2006/relationships" xmlns:p="http://schemas.openxmlformats.org/presentationml/2006/main">
+<p:sld xmlns:a="http://schemas.openxmlformats.org/drawingml/2006/main" xmlns:r="http://schemas.openxmlformats.org/officeDocument/2006/relationships" xmlns:p="http://schemas.openxmlformats.org/presentationml/2006/main" show="0">
   <p:cSld>
     <p:spTree>
       <p:nvGrpSpPr>
@@ -4871,6 +4880,21 @@
   <p:clrMapOvr>
     <a:masterClrMapping/>
   </p:clrMapOvr>
+  <mc:AlternateContent xmlns:mc="http://schemas.openxmlformats.org/markup-compatibility/2006">
+    <mc:Choice xmlns:p14="http://schemas.microsoft.com/office/powerpoint/2010/main" Requires="p14">
+      <p:transition spd="slow" p14:dur="2000"/>
+    </mc:Choice>
+    <mc:Fallback>
+      <p:transition spd="slow"/>
+    </mc:Fallback>
+  </mc:AlternateContent>
+  <p:timing>
+    <p:tnLst>
+      <p:par>
+        <p:cTn id="1" dur="indefinite" restart="never" nodeType="tmRoot"/>
+      </p:par>
+    </p:tnLst>
+  </p:timing>
 </p:sld>
 </file>
 
@@ -4908,7 +4932,11 @@
           <a:p>
             <a:r>
               <a:rPr lang="pt-BR" dirty="0" smtClean="0"/>
-              <a:t>Fundamentos Teóricos</a:t>
+              <a:t>Fundamentos </a:t>
+            </a:r>
+            <a:r>
+              <a:rPr lang="pt-BR" dirty="0" smtClean="0"/>
+              <a:t>Teóricos - Clusters</a:t>
             </a:r>
             <a:endParaRPr lang="pt-BR" dirty="0"/>
           </a:p>
@@ -4994,6 +5022,13 @@
   <p:clrMapOvr>
     <a:masterClrMapping/>
   </p:clrMapOvr>
+  <p:timing>
+    <p:tnLst>
+      <p:par>
+        <p:cTn id="1" dur="indefinite" restart="never" nodeType="tmRoot"/>
+      </p:par>
+    </p:tnLst>
+  </p:timing>
 </p:sld>
 </file>
 
@@ -5097,6 +5132,13 @@
   <p:clrMapOvr>
     <a:masterClrMapping/>
   </p:clrMapOvr>
+  <p:timing>
+    <p:tnLst>
+      <p:par>
+        <p:cTn id="1" dur="indefinite" restart="never" nodeType="tmRoot"/>
+      </p:par>
+    </p:tnLst>
+  </p:timing>
 </p:sld>
 </file>
 
@@ -6214,7 +6256,6 @@
               <a:rPr lang="pt-BR" dirty="0" smtClean="0"/>
               <a:t>Aplicar o modelo de aprendizado</a:t>
             </a:r>
-            <a:endParaRPr lang="pt-BR" dirty="0" smtClean="0"/>
           </a:p>
           <a:p>
             <a:pPr marL="0" indent="0">
@@ -6273,11 +6314,7 @@
           <a:p>
             <a:r>
               <a:rPr lang="pt-BR" sz="4000" dirty="0" smtClean="0"/>
-              <a:t>Fundamentos </a:t>
-            </a:r>
-            <a:r>
-              <a:rPr lang="pt-BR" sz="4000" dirty="0" smtClean="0"/>
-              <a:t>Teóricos – Seleção dos Dados</a:t>
+              <a:t>Fundamentos Teóricos – Seleção dos Dados</a:t>
             </a:r>
             <a:endParaRPr lang="pt-BR" sz="4000" dirty="0"/>
           </a:p>

--- a/presentation/Análise de agrupamento de perfis de clientes de.pptx
+++ b/presentation/Análise de agrupamento de perfis de clientes de.pptx
@@ -9,21 +9,19 @@
     <p:sldId id="257" r:id="rId3"/>
     <p:sldId id="258" r:id="rId4"/>
     <p:sldId id="259" r:id="rId5"/>
-    <p:sldId id="260" r:id="rId6"/>
-    <p:sldId id="261" r:id="rId7"/>
-    <p:sldId id="263" r:id="rId8"/>
-    <p:sldId id="262" r:id="rId9"/>
-    <p:sldId id="273" r:id="rId10"/>
-    <p:sldId id="267" r:id="rId11"/>
-    <p:sldId id="274" r:id="rId12"/>
-    <p:sldId id="268" r:id="rId13"/>
-    <p:sldId id="269" r:id="rId14"/>
-    <p:sldId id="270" r:id="rId15"/>
-    <p:sldId id="264" r:id="rId16"/>
-    <p:sldId id="265" r:id="rId17"/>
-    <p:sldId id="266" r:id="rId18"/>
-    <p:sldId id="271" r:id="rId19"/>
-    <p:sldId id="272" r:id="rId20"/>
+    <p:sldId id="261" r:id="rId6"/>
+    <p:sldId id="263" r:id="rId7"/>
+    <p:sldId id="262" r:id="rId8"/>
+    <p:sldId id="273" r:id="rId9"/>
+    <p:sldId id="267" r:id="rId10"/>
+    <p:sldId id="274" r:id="rId11"/>
+    <p:sldId id="268" r:id="rId12"/>
+    <p:sldId id="269" r:id="rId13"/>
+    <p:sldId id="270" r:id="rId14"/>
+    <p:sldId id="264" r:id="rId15"/>
+    <p:sldId id="266" r:id="rId16"/>
+    <p:sldId id="271" r:id="rId17"/>
+    <p:sldId id="272" r:id="rId18"/>
   </p:sldIdLst>
   <p:sldSz cx="12192000" cy="6858000"/>
   <p:notesSz cx="6858000" cy="9144000"/>
@@ -131,7 +129,6 @@
             <p14:sldId id="257"/>
             <p14:sldId id="258"/>
             <p14:sldId id="259"/>
-            <p14:sldId id="260"/>
             <p14:sldId id="261"/>
             <p14:sldId id="263"/>
             <p14:sldId id="262"/>
@@ -142,7 +139,6 @@
             <p14:sldId id="269"/>
             <p14:sldId id="270"/>
             <p14:sldId id="264"/>
-            <p14:sldId id="265"/>
             <p14:sldId id="266"/>
             <p14:sldId id="271"/>
             <p14:sldId id="272"/>
@@ -385,7 +381,7 @@
           <a:p>
             <a:fld id="{5A069CB8-F204-4D06-B913-C5A26A89888A}" type="datetimeFigureOut">
               <a:rPr lang="en-US" dirty="0"/>
-              <a:t>11/28/2017</a:t>
+              <a:t>11/30/2017</a:t>
             </a:fld>
             <a:endParaRPr lang="en-US" dirty="0"/>
           </a:p>
@@ -588,7 +584,7 @@
           <a:p>
             <a:fld id="{50B6E300-0A13-4A81-945A-7333C271A069}" type="datetimeFigureOut">
               <a:rPr lang="en-US" dirty="0"/>
-              <a:t>11/28/2017</a:t>
+              <a:t>11/30/2017</a:t>
             </a:fld>
             <a:endParaRPr lang="en-US" dirty="0"/>
           </a:p>
@@ -841,7 +837,7 @@
           <a:p>
             <a:fld id="{34671962-1EA4-46E7-BCB0-F36CE46D1A59}" type="datetimeFigureOut">
               <a:rPr lang="en-US" dirty="0"/>
-              <a:t>11/28/2017</a:t>
+              <a:t>11/30/2017</a:t>
             </a:fld>
             <a:endParaRPr lang="en-US" dirty="0"/>
           </a:p>
@@ -1006,7 +1002,7 @@
           <a:p>
             <a:fld id="{D30BB376-B19C-488D-ABEB-03C7E6E9E3E0}" type="datetimeFigureOut">
               <a:rPr lang="en-US" dirty="0"/>
-              <a:t>11/28/2017</a:t>
+              <a:t>11/30/2017</a:t>
             </a:fld>
             <a:endParaRPr lang="en-US" dirty="0"/>
           </a:p>
@@ -1338,7 +1334,7 @@
           <a:p>
             <a:fld id="{486F077B-A50F-4D64-8574-E2D6A98A5553}" type="datetimeFigureOut">
               <a:rPr lang="en-US" dirty="0"/>
-              <a:t>11/28/2017</a:t>
+              <a:t>11/30/2017</a:t>
             </a:fld>
             <a:endParaRPr lang="en-US" dirty="0"/>
           </a:p>
@@ -1608,7 +1604,7 @@
           <a:p>
             <a:fld id="{7D9E2A62-1983-43A1-A163-D8AA46534C80}" type="datetimeFigureOut">
               <a:rPr lang="en-US" dirty="0"/>
-              <a:t>11/28/2017</a:t>
+              <a:t>11/30/2017</a:t>
             </a:fld>
             <a:endParaRPr lang="en-US" dirty="0"/>
           </a:p>
@@ -1982,7 +1978,7 @@
           <a:p>
             <a:fld id="{898F3E3B-34E3-4345-B2A1-994B83598A9C}" type="datetimeFigureOut">
               <a:rPr lang="en-US" dirty="0"/>
-              <a:t>11/28/2017</a:t>
+              <a:t>11/30/2017</a:t>
             </a:fld>
             <a:endParaRPr lang="en-US" dirty="0"/>
           </a:p>
@@ -2095,7 +2091,7 @@
           <a:p>
             <a:fld id="{FD816C96-82A1-4D77-8ADA-627AC6FE3D65}" type="datetimeFigureOut">
               <a:rPr lang="en-US" dirty="0"/>
-              <a:t>11/28/2017</a:t>
+              <a:t>11/30/2017</a:t>
             </a:fld>
             <a:endParaRPr lang="en-US" dirty="0"/>
           </a:p>
@@ -2263,7 +2259,7 @@
           <a:p>
             <a:fld id="{1D102C1E-28F2-47E9-802D-339E64E2F920}" type="datetimeFigureOut">
               <a:rPr lang="en-US" dirty="0"/>
-              <a:t>11/28/2017</a:t>
+              <a:t>11/30/2017</a:t>
             </a:fld>
             <a:endParaRPr lang="en-US" dirty="0"/>
           </a:p>
@@ -2615,7 +2611,7 @@
           <a:p>
             <a:fld id="{24271A48-F18A-45B3-BC05-1E27DA3F88AF}" type="datetimeFigureOut">
               <a:rPr lang="en-US" dirty="0"/>
-              <a:t>11/28/2017</a:t>
+              <a:t>11/30/2017</a:t>
             </a:fld>
             <a:endParaRPr lang="en-US" dirty="0"/>
           </a:p>
@@ -2990,7 +2986,7 @@
           <a:p>
             <a:fld id="{65B747F8-9654-4282-85D2-65F41AAE7A75}" type="datetimeFigureOut">
               <a:rPr lang="en-US" dirty="0"/>
-              <a:t>11/28/2017</a:t>
+              <a:t>11/30/2017</a:t>
             </a:fld>
             <a:endParaRPr lang="en-US" dirty="0"/>
           </a:p>
@@ -3274,7 +3270,7 @@
           <a:p>
             <a:fld id="{5DC5B261-8843-42D1-AAFC-05E20E2D9B97}" type="datetimeFigureOut">
               <a:rPr lang="en-US" dirty="0"/>
-              <a:t>11/28/2017</a:t>
+              <a:t>11/30/2017</a:t>
             </a:fld>
             <a:endParaRPr lang="en-US" dirty="0"/>
           </a:p>
@@ -3854,11 +3850,7 @@
           <a:p>
             <a:r>
               <a:rPr lang="pt-BR" sz="1200" dirty="0" smtClean="0"/>
-              <a:t>Anderson </a:t>
-            </a:r>
-            <a:r>
-              <a:rPr lang="pt-BR" sz="1200" dirty="0" smtClean="0"/>
-              <a:t>Vieira </a:t>
+              <a:t>Anderson Vieira </a:t>
             </a:r>
             <a:r>
               <a:rPr lang="pt-BR" sz="1200" dirty="0" err="1" smtClean="0"/>
@@ -3899,11 +3891,7 @@
             </a:r>
             <a:r>
               <a:rPr lang="pt-BR" sz="1200" dirty="0" smtClean="0"/>
-              <a:t> </a:t>
-            </a:r>
-            <a:r>
-              <a:rPr lang="pt-BR" sz="1200" dirty="0" smtClean="0"/>
-              <a:t>Freitas                                                      Orientadora: </a:t>
+              <a:t> Freitas                                                      Orientadora: </a:t>
             </a:r>
             <a:r>
               <a:rPr lang="pt-BR" sz="1200" dirty="0" err="1" smtClean="0"/>
@@ -3959,153 +3947,6 @@
         </p:nvSpPr>
         <p:spPr/>
         <p:txBody>
-          <a:bodyPr>
-            <a:normAutofit/>
-          </a:bodyPr>
-          <a:lstStyle/>
-          <a:p>
-            <a:r>
-              <a:rPr lang="pt-BR" sz="4000" dirty="0" smtClean="0"/>
-              <a:t>Fundamentos Teóricos – Pré-Processamento e Limpeza </a:t>
-            </a:r>
-            <a:endParaRPr lang="pt-BR" sz="4000" dirty="0"/>
-          </a:p>
-        </p:txBody>
-      </p:sp>
-      <p:sp>
-        <p:nvSpPr>
-          <p:cNvPr id="3" name="Espaço Reservado para Conteúdo 2"/>
-          <p:cNvSpPr>
-            <a:spLocks noGrp="1"/>
-          </p:cNvSpPr>
-          <p:nvPr>
-            <p:ph idx="1"/>
-          </p:nvPr>
-        </p:nvSpPr>
-        <p:spPr>
-          <a:xfrm>
-            <a:off x="1097280" y="1845734"/>
-            <a:ext cx="5748363" cy="4023360"/>
-          </a:xfrm>
-        </p:spPr>
-        <p:txBody>
-          <a:bodyPr/>
-          <a:lstStyle/>
-          <a:p>
-            <a:endParaRPr lang="pt-BR" dirty="0" smtClean="0"/>
-          </a:p>
-          <a:p>
-            <a:r>
-              <a:rPr lang="pt-BR" sz="2800" dirty="0" smtClean="0"/>
-              <a:t>Escalonamento dos dados – Logaritmo Natural</a:t>
-            </a:r>
-          </a:p>
-          <a:p>
-            <a:endParaRPr lang="pt-BR" dirty="0" smtClean="0"/>
-          </a:p>
-          <a:p>
-            <a:pPr lvl="1"/>
-            <a:r>
-              <a:rPr lang="pt-BR" dirty="0" smtClean="0"/>
-              <a:t>K-</a:t>
-            </a:r>
-            <a:r>
-              <a:rPr lang="pt-BR" dirty="0" err="1" smtClean="0"/>
-              <a:t>means</a:t>
-            </a:r>
-            <a:r>
-              <a:rPr lang="pt-BR" dirty="0" smtClean="0"/>
-              <a:t> utiliza distância euclidiana;</a:t>
-            </a:r>
-            <a:endParaRPr lang="pt-BR" dirty="0"/>
-          </a:p>
-          <a:p>
-            <a:pPr lvl="1"/>
-            <a:r>
-              <a:rPr lang="pt-BR" dirty="0" smtClean="0"/>
-              <a:t>Dados na mesma escala;</a:t>
-            </a:r>
-          </a:p>
-          <a:p>
-            <a:pPr lvl="1"/>
-            <a:r>
-              <a:rPr lang="pt-BR" dirty="0" smtClean="0"/>
-              <a:t>Facilita a interpretação;</a:t>
-            </a:r>
-          </a:p>
-          <a:p>
-            <a:pPr lvl="1"/>
-            <a:r>
-              <a:rPr lang="pt-BR" dirty="0" smtClean="0"/>
-              <a:t>Agilidade no modelo;</a:t>
-            </a:r>
-          </a:p>
-        </p:txBody>
-      </p:sp>
-      <p:pic>
-        <p:nvPicPr>
-          <p:cNvPr id="4" name="Imagem 3"/>
-          <p:cNvPicPr/>
-          <p:nvPr/>
-        </p:nvPicPr>
-        <p:blipFill>
-          <a:blip r:embed="rId2"/>
-          <a:stretch>
-            <a:fillRect/>
-          </a:stretch>
-        </p:blipFill>
-        <p:spPr>
-          <a:xfrm>
-            <a:off x="7036435" y="2386436"/>
-            <a:ext cx="4119245" cy="2941955"/>
-          </a:xfrm>
-          <a:prstGeom prst="rect">
-            <a:avLst/>
-          </a:prstGeom>
-        </p:spPr>
-      </p:pic>
-    </p:spTree>
-    <p:extLst>
-      <p:ext uri="{BB962C8B-B14F-4D97-AF65-F5344CB8AC3E}">
-        <p14:creationId xmlns:p14="http://schemas.microsoft.com/office/powerpoint/2010/main" val="1190399798"/>
-      </p:ext>
-    </p:extLst>
-  </p:cSld>
-  <p:clrMapOvr>
-    <a:masterClrMapping/>
-  </p:clrMapOvr>
-</p:sld>
-</file>
-
-<file path=ppt/slides/slide11.xml><?xml version="1.0" encoding="utf-8"?>
-<p:sld xmlns:a="http://schemas.openxmlformats.org/drawingml/2006/main" xmlns:r="http://schemas.openxmlformats.org/officeDocument/2006/relationships" xmlns:p="http://schemas.openxmlformats.org/presentationml/2006/main">
-  <p:cSld>
-    <p:spTree>
-      <p:nvGrpSpPr>
-        <p:cNvPr id="1" name=""/>
-        <p:cNvGrpSpPr/>
-        <p:nvPr/>
-      </p:nvGrpSpPr>
-      <p:grpSpPr>
-        <a:xfrm>
-          <a:off x="0" y="0"/>
-          <a:ext cx="0" cy="0"/>
-          <a:chOff x="0" y="0"/>
-          <a:chExt cx="0" cy="0"/>
-        </a:xfrm>
-      </p:grpSpPr>
-      <p:sp>
-        <p:nvSpPr>
-          <p:cNvPr id="2" name="Título 1"/>
-          <p:cNvSpPr>
-            <a:spLocks noGrp="1"/>
-          </p:cNvSpPr>
-          <p:nvPr>
-            <p:ph type="title"/>
-          </p:nvPr>
-        </p:nvSpPr>
-        <p:spPr/>
-        <p:txBody>
           <a:bodyPr/>
           <a:lstStyle/>
           <a:p>
@@ -4156,7 +3997,7 @@
 </p:sld>
 </file>
 
-<file path=ppt/slides/slide12.xml><?xml version="1.0" encoding="utf-8"?>
+<file path=ppt/slides/slide11.xml><?xml version="1.0" encoding="utf-8"?>
 <p:sld xmlns:a="http://schemas.openxmlformats.org/drawingml/2006/main" xmlns:r="http://schemas.openxmlformats.org/officeDocument/2006/relationships" xmlns:p="http://schemas.openxmlformats.org/presentationml/2006/main">
   <p:cSld>
     <p:spTree>
@@ -4221,12 +4062,12 @@
           </a:p>
           <a:p>
             <a:r>
-              <a:rPr lang="pt-BR" sz="2800" dirty="0" err="1" smtClean="0"/>
-              <a:t>Deteção</a:t>
-            </a:r>
-            <a:r>
               <a:rPr lang="pt-BR" sz="2800" dirty="0" smtClean="0"/>
-              <a:t> de Desvios</a:t>
+              <a:t>Detecção </a:t>
+            </a:r>
+            <a:r>
+              <a:rPr lang="pt-BR" sz="2800" dirty="0" smtClean="0"/>
+              <a:t>de Desvios</a:t>
             </a:r>
           </a:p>
           <a:p>
@@ -4284,7 +4125,7 @@
 </p:sld>
 </file>
 
-<file path=ppt/slides/slide13.xml><?xml version="1.0" encoding="utf-8"?>
+<file path=ppt/slides/slide12.xml><?xml version="1.0" encoding="utf-8"?>
 <p:sld xmlns:a="http://schemas.openxmlformats.org/drawingml/2006/main" xmlns:r="http://schemas.openxmlformats.org/officeDocument/2006/relationships" xmlns:p="http://schemas.openxmlformats.org/presentationml/2006/main">
   <p:cSld>
     <p:spTree>
@@ -4405,7 +4246,7 @@
 </p:sld>
 </file>
 
-<file path=ppt/slides/slide14.xml><?xml version="1.0" encoding="utf-8"?>
+<file path=ppt/slides/slide13.xml><?xml version="1.0" encoding="utf-8"?>
 <p:sld xmlns:a="http://schemas.openxmlformats.org/drawingml/2006/main" xmlns:r="http://schemas.openxmlformats.org/officeDocument/2006/relationships" xmlns:p="http://schemas.openxmlformats.org/presentationml/2006/main">
   <p:cSld>
     <p:spTree>
@@ -4518,7 +4359,7 @@
 </p:sld>
 </file>
 
-<file path=ppt/slides/slide15.xml><?xml version="1.0" encoding="utf-8"?>
+<file path=ppt/slides/slide14.xml><?xml version="1.0" encoding="utf-8"?>
 <p:sld xmlns:a="http://schemas.openxmlformats.org/drawingml/2006/main" xmlns:r="http://schemas.openxmlformats.org/officeDocument/2006/relationships" xmlns:p="http://schemas.openxmlformats.org/presentationml/2006/main">
   <p:cSld>
     <p:spTree>
@@ -4552,11 +4393,7 @@
           <a:p>
             <a:r>
               <a:rPr lang="pt-BR" dirty="0" smtClean="0"/>
-              <a:t>Fundamentos </a:t>
-            </a:r>
-            <a:r>
-              <a:rPr lang="pt-BR" dirty="0" smtClean="0"/>
-              <a:t>Teóricos – K-</a:t>
+              <a:t>Fundamentos Teóricos – K-</a:t>
             </a:r>
             <a:r>
               <a:rPr lang="pt-BR" dirty="0" err="1" smtClean="0"/>
@@ -4710,195 +4547,7 @@
 </p:sld>
 </file>
 
-<file path=ppt/slides/slide16.xml><?xml version="1.0" encoding="utf-8"?>
-<p:sld xmlns:a="http://schemas.openxmlformats.org/drawingml/2006/main" xmlns:r="http://schemas.openxmlformats.org/officeDocument/2006/relationships" xmlns:p="http://schemas.openxmlformats.org/presentationml/2006/main" show="0">
-  <p:cSld>
-    <p:spTree>
-      <p:nvGrpSpPr>
-        <p:cNvPr id="1" name=""/>
-        <p:cNvGrpSpPr/>
-        <p:nvPr/>
-      </p:nvGrpSpPr>
-      <p:grpSpPr>
-        <a:xfrm>
-          <a:off x="0" y="0"/>
-          <a:ext cx="0" cy="0"/>
-          <a:chOff x="0" y="0"/>
-          <a:chExt cx="0" cy="0"/>
-        </a:xfrm>
-      </p:grpSpPr>
-      <p:sp>
-        <p:nvSpPr>
-          <p:cNvPr id="2" name="Título 1"/>
-          <p:cNvSpPr>
-            <a:spLocks noGrp="1"/>
-          </p:cNvSpPr>
-          <p:nvPr>
-            <p:ph type="title"/>
-          </p:nvPr>
-        </p:nvSpPr>
-        <p:spPr/>
-        <p:txBody>
-          <a:bodyPr/>
-          <a:lstStyle/>
-          <a:p>
-            <a:r>
-              <a:rPr lang="pt-BR" dirty="0" smtClean="0"/>
-              <a:t>Fundamentos Teóricos</a:t>
-            </a:r>
-            <a:endParaRPr lang="pt-BR" dirty="0"/>
-          </a:p>
-        </p:txBody>
-      </p:sp>
-      <p:sp>
-        <p:nvSpPr>
-          <p:cNvPr id="3" name="Espaço Reservado para Conteúdo 2"/>
-          <p:cNvSpPr>
-            <a:spLocks noGrp="1"/>
-          </p:cNvSpPr>
-          <p:nvPr>
-            <p:ph idx="1"/>
-          </p:nvPr>
-        </p:nvSpPr>
-        <p:spPr>
-          <a:xfrm>
-            <a:off x="1097280" y="1845734"/>
-            <a:ext cx="5361185" cy="4023360"/>
-          </a:xfrm>
-        </p:spPr>
-        <p:txBody>
-          <a:bodyPr/>
-          <a:lstStyle/>
-          <a:p>
-            <a:endParaRPr lang="pt-BR" dirty="0" smtClean="0"/>
-          </a:p>
-          <a:p>
-            <a:pPr marL="457200" indent="-457200">
-              <a:buFont typeface="+mj-lt"/>
-              <a:buAutoNum type="arabicPeriod"/>
-            </a:pPr>
-            <a:r>
-              <a:rPr lang="pt-BR" dirty="0" smtClean="0"/>
-              <a:t>Atribuir um cluster para cada ponto de observação de forma aleatória;</a:t>
-            </a:r>
-          </a:p>
-          <a:p>
-            <a:pPr marL="457200" indent="-457200">
-              <a:buFont typeface="+mj-lt"/>
-              <a:buAutoNum type="arabicPeriod"/>
-            </a:pPr>
-            <a:r>
-              <a:rPr lang="pt-BR" dirty="0" smtClean="0"/>
-              <a:t>Posicionar os clusters aleatoriamente;</a:t>
-            </a:r>
-          </a:p>
-          <a:p>
-            <a:pPr marL="457200" indent="-457200">
-              <a:buFont typeface="+mj-lt"/>
-              <a:buAutoNum type="arabicPeriod"/>
-            </a:pPr>
-            <a:r>
-              <a:rPr lang="pt-BR" dirty="0" smtClean="0"/>
-              <a:t>Cada ponto de observação é associado ao cluster mais próximo;</a:t>
-            </a:r>
-          </a:p>
-          <a:p>
-            <a:pPr marL="457200" indent="-457200">
-              <a:buFont typeface="+mj-lt"/>
-              <a:buAutoNum type="arabicPeriod"/>
-            </a:pPr>
-            <a:r>
-              <a:rPr lang="pt-BR" dirty="0" smtClean="0"/>
-              <a:t>Posicionar os clusters no centro dos pontos de observações;</a:t>
-            </a:r>
-          </a:p>
-          <a:p>
-            <a:pPr marL="457200" indent="-457200">
-              <a:buFont typeface="+mj-lt"/>
-              <a:buAutoNum type="arabicPeriod"/>
-            </a:pPr>
-            <a:r>
-              <a:rPr lang="pt-BR" dirty="0" smtClean="0"/>
-              <a:t>Repetir o passo 3 e 4;</a:t>
-            </a:r>
-          </a:p>
-          <a:p>
-            <a:pPr marL="457200" indent="-457200">
-              <a:buFont typeface="+mj-lt"/>
-              <a:buAutoNum type="arabicPeriod"/>
-            </a:pPr>
-            <a:r>
-              <a:rPr lang="pt-BR" dirty="0" smtClean="0"/>
-              <a:t>Obter o resultado final;</a:t>
-            </a:r>
-          </a:p>
-          <a:p>
-            <a:pPr marL="457200" indent="-457200">
-              <a:buFont typeface="+mj-lt"/>
-              <a:buAutoNum type="arabicPeriod"/>
-            </a:pPr>
-            <a:endParaRPr lang="pt-BR" dirty="0" smtClean="0"/>
-          </a:p>
-          <a:p>
-            <a:pPr marL="457200" indent="-457200">
-              <a:buFont typeface="+mj-lt"/>
-              <a:buAutoNum type="arabicPeriod"/>
-            </a:pPr>
-            <a:endParaRPr lang="pt-BR" dirty="0"/>
-          </a:p>
-        </p:txBody>
-      </p:sp>
-      <p:pic>
-        <p:nvPicPr>
-          <p:cNvPr id="5" name="Imagem 4"/>
-          <p:cNvPicPr/>
-          <p:nvPr/>
-        </p:nvPicPr>
-        <p:blipFill>
-          <a:blip r:embed="rId2"/>
-          <a:stretch>
-            <a:fillRect/>
-          </a:stretch>
-        </p:blipFill>
-        <p:spPr>
-          <a:xfrm>
-            <a:off x="6575082" y="1845734"/>
-            <a:ext cx="4580598" cy="4110367"/>
-          </a:xfrm>
-          <a:prstGeom prst="rect">
-            <a:avLst/>
-          </a:prstGeom>
-        </p:spPr>
-      </p:pic>
-    </p:spTree>
-    <p:extLst>
-      <p:ext uri="{BB962C8B-B14F-4D97-AF65-F5344CB8AC3E}">
-        <p14:creationId xmlns:p14="http://schemas.microsoft.com/office/powerpoint/2010/main" val="3439879044"/>
-      </p:ext>
-    </p:extLst>
-  </p:cSld>
-  <p:clrMapOvr>
-    <a:masterClrMapping/>
-  </p:clrMapOvr>
-  <mc:AlternateContent xmlns:mc="http://schemas.openxmlformats.org/markup-compatibility/2006">
-    <mc:Choice xmlns:p14="http://schemas.microsoft.com/office/powerpoint/2010/main" Requires="p14">
-      <p:transition spd="slow" p14:dur="2000"/>
-    </mc:Choice>
-    <mc:Fallback>
-      <p:transition spd="slow"/>
-    </mc:Fallback>
-  </mc:AlternateContent>
-  <p:timing>
-    <p:tnLst>
-      <p:par>
-        <p:cTn id="1" dur="indefinite" restart="never" nodeType="tmRoot"/>
-      </p:par>
-    </p:tnLst>
-  </p:timing>
-</p:sld>
-</file>
-
-<file path=ppt/slides/slide17.xml><?xml version="1.0" encoding="utf-8"?>
+<file path=ppt/slides/slide15.xml><?xml version="1.0" encoding="utf-8"?>
 <p:sld xmlns:a="http://schemas.openxmlformats.org/drawingml/2006/main" xmlns:r="http://schemas.openxmlformats.org/officeDocument/2006/relationships" xmlns:p="http://schemas.openxmlformats.org/presentationml/2006/main">
   <p:cSld>
     <p:spTree>
@@ -4932,11 +4581,7 @@
           <a:p>
             <a:r>
               <a:rPr lang="pt-BR" dirty="0" smtClean="0"/>
-              <a:t>Fundamentos </a:t>
-            </a:r>
-            <a:r>
-              <a:rPr lang="pt-BR" dirty="0" smtClean="0"/>
-              <a:t>Teóricos - Clusters</a:t>
+              <a:t>Fundamentos Teóricos - Clusters</a:t>
             </a:r>
             <a:endParaRPr lang="pt-BR" dirty="0"/>
           </a:p>
@@ -5032,7 +4677,7 @@
 </p:sld>
 </file>
 
-<file path=ppt/slides/slide18.xml><?xml version="1.0" encoding="utf-8"?>
+<file path=ppt/slides/slide16.xml><?xml version="1.0" encoding="utf-8"?>
 <p:sld xmlns:a="http://schemas.openxmlformats.org/drawingml/2006/main" xmlns:r="http://schemas.openxmlformats.org/officeDocument/2006/relationships" xmlns:p="http://schemas.openxmlformats.org/presentationml/2006/main">
   <p:cSld>
     <p:spTree>
@@ -5142,7 +4787,7 @@
 </p:sld>
 </file>
 
-<file path=ppt/slides/slide19.xml><?xml version="1.0" encoding="utf-8"?>
+<file path=ppt/slides/slide17.xml><?xml version="1.0" encoding="utf-8"?>
 <p:sld xmlns:a="http://schemas.openxmlformats.org/drawingml/2006/main" xmlns:r="http://schemas.openxmlformats.org/officeDocument/2006/relationships" xmlns:p="http://schemas.openxmlformats.org/presentationml/2006/main">
   <p:cSld>
     <p:spTree>
@@ -5578,105 +5223,6 @@
           <a:p>
             <a:r>
               <a:rPr lang="pt-BR" dirty="0" smtClean="0"/>
-              <a:t>Justificativa</a:t>
-            </a:r>
-            <a:endParaRPr lang="pt-BR" dirty="0"/>
-          </a:p>
-        </p:txBody>
-      </p:sp>
-      <p:sp>
-        <p:nvSpPr>
-          <p:cNvPr id="3" name="Espaço Reservado para Conteúdo 2"/>
-          <p:cNvSpPr>
-            <a:spLocks noGrp="1"/>
-          </p:cNvSpPr>
-          <p:nvPr>
-            <p:ph idx="1"/>
-          </p:nvPr>
-        </p:nvSpPr>
-        <p:spPr/>
-        <p:txBody>
-          <a:bodyPr/>
-          <a:lstStyle/>
-          <a:p>
-            <a:endParaRPr lang="pt-BR" dirty="0" smtClean="0"/>
-          </a:p>
-          <a:p>
-            <a:endParaRPr lang="pt-BR" dirty="0" smtClean="0"/>
-          </a:p>
-          <a:p>
-            <a:endParaRPr lang="pt-BR" dirty="0" smtClean="0"/>
-          </a:p>
-          <a:p>
-            <a:r>
-              <a:rPr lang="pt-BR" dirty="0" smtClean="0"/>
-              <a:t>Todas </a:t>
-            </a:r>
-            <a:r>
-              <a:rPr lang="pt-BR" dirty="0"/>
-              <a:t>as empresas estão caminhando para um único objetivo, o de entender as necessidades de cada cliente individualmente. E as empresas estão utilizando esse entendimento para fidelizar os clientes ao invés de competir diretamente com os concorrentes</a:t>
-            </a:r>
-            <a:r>
-              <a:rPr lang="pt-BR" dirty="0" smtClean="0"/>
-              <a:t>. </a:t>
-            </a:r>
-            <a:r>
-              <a:rPr lang="pt-BR" dirty="0"/>
-              <a:t>(BERRY e LINOFF, 2004, p. 2)</a:t>
-            </a:r>
-          </a:p>
-          <a:p>
-            <a:endParaRPr lang="pt-BR" dirty="0"/>
-          </a:p>
-        </p:txBody>
-      </p:sp>
-    </p:spTree>
-    <p:extLst>
-      <p:ext uri="{BB962C8B-B14F-4D97-AF65-F5344CB8AC3E}">
-        <p14:creationId xmlns:p14="http://schemas.microsoft.com/office/powerpoint/2010/main" val="1658290830"/>
-      </p:ext>
-    </p:extLst>
-  </p:cSld>
-  <p:clrMapOvr>
-    <a:masterClrMapping/>
-  </p:clrMapOvr>
-</p:sld>
-</file>
-
-<file path=ppt/slides/slide6.xml><?xml version="1.0" encoding="utf-8"?>
-<p:sld xmlns:a="http://schemas.openxmlformats.org/drawingml/2006/main" xmlns:r="http://schemas.openxmlformats.org/officeDocument/2006/relationships" xmlns:p="http://schemas.openxmlformats.org/presentationml/2006/main">
-  <p:cSld>
-    <p:spTree>
-      <p:nvGrpSpPr>
-        <p:cNvPr id="1" name=""/>
-        <p:cNvGrpSpPr/>
-        <p:nvPr/>
-      </p:nvGrpSpPr>
-      <p:grpSpPr>
-        <a:xfrm>
-          <a:off x="0" y="0"/>
-          <a:ext cx="0" cy="0"/>
-          <a:chOff x="0" y="0"/>
-          <a:chExt cx="0" cy="0"/>
-        </a:xfrm>
-      </p:grpSpPr>
-      <p:sp>
-        <p:nvSpPr>
-          <p:cNvPr id="2" name="Título 1"/>
-          <p:cNvSpPr>
-            <a:spLocks noGrp="1"/>
-          </p:cNvSpPr>
-          <p:nvPr>
-            <p:ph type="title"/>
-          </p:nvPr>
-        </p:nvSpPr>
-        <p:spPr/>
-        <p:txBody>
-          <a:bodyPr/>
-          <a:lstStyle/>
-          <a:p>
-            <a:r>
-              <a:rPr lang="pt-BR" dirty="0" smtClean="0"/>
               <a:t>Objetivo</a:t>
             </a:r>
             <a:endParaRPr lang="pt-BR" dirty="0"/>
@@ -5740,7 +5286,7 @@
 </p:sld>
 </file>
 
-<file path=ppt/slides/slide7.xml><?xml version="1.0" encoding="utf-8"?>
+<file path=ppt/slides/slide6.xml><?xml version="1.0" encoding="utf-8"?>
 <p:sld xmlns:a="http://schemas.openxmlformats.org/drawingml/2006/main" xmlns:r="http://schemas.openxmlformats.org/officeDocument/2006/relationships" xmlns:p="http://schemas.openxmlformats.org/presentationml/2006/main">
   <p:cSld>
     <p:spTree>
@@ -6107,6 +5653,177 @@
 </p:sld>
 </file>
 
+<file path=ppt/slides/slide7.xml><?xml version="1.0" encoding="utf-8"?>
+<p:sld xmlns:a="http://schemas.openxmlformats.org/drawingml/2006/main" xmlns:r="http://schemas.openxmlformats.org/officeDocument/2006/relationships" xmlns:p="http://schemas.openxmlformats.org/presentationml/2006/main">
+  <p:cSld>
+    <p:spTree>
+      <p:nvGrpSpPr>
+        <p:cNvPr id="1" name=""/>
+        <p:cNvGrpSpPr/>
+        <p:nvPr/>
+      </p:nvGrpSpPr>
+      <p:grpSpPr>
+        <a:xfrm>
+          <a:off x="0" y="0"/>
+          <a:ext cx="0" cy="0"/>
+          <a:chOff x="0" y="0"/>
+          <a:chExt cx="0" cy="0"/>
+        </a:xfrm>
+      </p:grpSpPr>
+      <p:sp>
+        <p:nvSpPr>
+          <p:cNvPr id="2" name="Título 1"/>
+          <p:cNvSpPr>
+            <a:spLocks noGrp="1"/>
+          </p:cNvSpPr>
+          <p:nvPr>
+            <p:ph type="title"/>
+          </p:nvPr>
+        </p:nvSpPr>
+        <p:spPr/>
+        <p:txBody>
+          <a:bodyPr/>
+          <a:lstStyle/>
+          <a:p>
+            <a:r>
+              <a:rPr lang="pt-BR" dirty="0" smtClean="0"/>
+              <a:t>Fundamentos Teóricos</a:t>
+            </a:r>
+            <a:endParaRPr lang="pt-BR" dirty="0"/>
+          </a:p>
+        </p:txBody>
+      </p:sp>
+      <p:sp>
+        <p:nvSpPr>
+          <p:cNvPr id="3" name="Espaço Reservado para Conteúdo 2"/>
+          <p:cNvSpPr>
+            <a:spLocks noGrp="1"/>
+          </p:cNvSpPr>
+          <p:nvPr>
+            <p:ph idx="1"/>
+          </p:nvPr>
+        </p:nvSpPr>
+        <p:spPr/>
+        <p:txBody>
+          <a:bodyPr/>
+          <a:lstStyle/>
+          <a:p>
+            <a:endParaRPr lang="pt-BR" dirty="0" smtClean="0"/>
+          </a:p>
+          <a:p>
+            <a:r>
+              <a:rPr lang="pt-BR" sz="2800" dirty="0" smtClean="0"/>
+              <a:t>Descoberta de Conhecimento em Banco de Dados</a:t>
+            </a:r>
+          </a:p>
+          <a:p>
+            <a:pPr marL="0" indent="0">
+              <a:buNone/>
+            </a:pPr>
+            <a:endParaRPr lang="pt-BR" dirty="0" smtClean="0"/>
+          </a:p>
+          <a:p>
+            <a:pPr marL="0" indent="0">
+              <a:buNone/>
+            </a:pPr>
+            <a:r>
+              <a:rPr lang="pt-BR" dirty="0" smtClean="0"/>
+              <a:t>Segundo </a:t>
+            </a:r>
+            <a:r>
+              <a:rPr lang="pt-BR" dirty="0" err="1"/>
+              <a:t>Fayyad</a:t>
+            </a:r>
+            <a:r>
+              <a:rPr lang="pt-BR" dirty="0"/>
+              <a:t>, </a:t>
+            </a:r>
+            <a:r>
+              <a:rPr lang="pt-BR" dirty="0" err="1"/>
+              <a:t>Piatetsky</a:t>
+            </a:r>
+            <a:r>
+              <a:rPr lang="pt-BR" dirty="0"/>
+              <a:t>-Shapiro e </a:t>
+            </a:r>
+            <a:r>
+              <a:rPr lang="pt-BR" dirty="0" err="1"/>
+              <a:t>Smyth</a:t>
+            </a:r>
+            <a:r>
+              <a:rPr lang="pt-BR" dirty="0"/>
+              <a:t> (1996), o processo de Descoberta de </a:t>
+            </a:r>
+            <a:r>
+              <a:rPr lang="pt-BR" dirty="0" err="1"/>
+              <a:t>Conhencimento</a:t>
+            </a:r>
+            <a:r>
+              <a:rPr lang="pt-BR" dirty="0"/>
+              <a:t> em Banco de Dados pode ser dividido em alguns </a:t>
+            </a:r>
+            <a:r>
+              <a:rPr lang="pt-BR" dirty="0" smtClean="0"/>
+              <a:t>passos:</a:t>
+            </a:r>
+          </a:p>
+          <a:p>
+            <a:pPr marL="0" indent="0">
+              <a:buNone/>
+            </a:pPr>
+            <a:endParaRPr lang="pt-BR" dirty="0"/>
+          </a:p>
+          <a:p>
+            <a:pPr marL="457200" indent="-457200">
+              <a:buFont typeface="+mj-lt"/>
+              <a:buAutoNum type="arabicPeriod"/>
+            </a:pPr>
+            <a:r>
+              <a:rPr lang="pt-BR" dirty="0" smtClean="0"/>
+              <a:t>Seleção dos dados</a:t>
+            </a:r>
+          </a:p>
+          <a:p>
+            <a:pPr marL="457200" indent="-457200">
+              <a:buFont typeface="+mj-lt"/>
+              <a:buAutoNum type="arabicPeriod"/>
+            </a:pPr>
+            <a:r>
+              <a:rPr lang="pt-BR" dirty="0" smtClean="0"/>
+              <a:t>Pré-Processamento e Limpeza (Escalonamento dos dados e detecção de desvios)</a:t>
+            </a:r>
+          </a:p>
+          <a:p>
+            <a:pPr marL="457200" indent="-457200">
+              <a:buFont typeface="+mj-lt"/>
+              <a:buAutoNum type="arabicPeriod"/>
+            </a:pPr>
+            <a:r>
+              <a:rPr lang="pt-BR" dirty="0" smtClean="0"/>
+              <a:t>Aplicar o modelo de aprendizado</a:t>
+            </a:r>
+          </a:p>
+          <a:p>
+            <a:pPr marL="0" indent="0">
+              <a:buNone/>
+            </a:pPr>
+            <a:endParaRPr lang="pt-BR" dirty="0"/>
+          </a:p>
+        </p:txBody>
+      </p:sp>
+    </p:spTree>
+    <p:extLst>
+      <p:ext uri="{BB962C8B-B14F-4D97-AF65-F5344CB8AC3E}">
+        <p14:creationId xmlns:p14="http://schemas.microsoft.com/office/powerpoint/2010/main" val="4045897268"/>
+      </p:ext>
+    </p:extLst>
+  </p:cSld>
+  <p:clrMapOvr>
+    <a:masterClrMapping/>
+  </p:clrMapOvr>
+</p:sld>
+</file>
+
 <file path=ppt/slides/slide8.xml><?xml version="1.0" encoding="utf-8"?>
 <p:sld xmlns:a="http://schemas.openxmlformats.org/drawingml/2006/main" xmlns:r="http://schemas.openxmlformats.org/officeDocument/2006/relationships" xmlns:p="http://schemas.openxmlformats.org/presentationml/2006/main">
   <p:cSld>
@@ -6136,131 +5853,135 @@
         </p:nvSpPr>
         <p:spPr/>
         <p:txBody>
-          <a:bodyPr/>
-          <a:lstStyle/>
-          <a:p>
+          <a:bodyPr>
+            <a:normAutofit/>
+          </a:bodyPr>
+          <a:lstStyle/>
+          <a:p>
+            <a:r>
+              <a:rPr lang="pt-BR" sz="4000" dirty="0" smtClean="0"/>
+              <a:t>Fundamentos Teóricos – Seleção dos Dados</a:t>
+            </a:r>
+            <a:endParaRPr lang="pt-BR" sz="4000" dirty="0"/>
+          </a:p>
+        </p:txBody>
+      </p:sp>
+      <p:sp>
+        <p:nvSpPr>
+          <p:cNvPr id="3" name="Espaço Reservado para Conteúdo 2"/>
+          <p:cNvSpPr>
+            <a:spLocks noGrp="1"/>
+          </p:cNvSpPr>
+          <p:nvPr>
+            <p:ph idx="1"/>
+          </p:nvPr>
+        </p:nvSpPr>
+        <p:spPr/>
+        <p:txBody>
+          <a:bodyPr>
+            <a:normAutofit/>
+          </a:bodyPr>
+          <a:lstStyle/>
+          <a:p>
+            <a:r>
+              <a:rPr lang="pt-BR" dirty="0"/>
+              <a:t>Os dados correspondem aos gastos anuais dos clientes de um distribuidor de produtos para atacados. As informações disponíveis são</a:t>
+            </a:r>
             <a:r>
               <a:rPr lang="pt-BR" dirty="0" smtClean="0"/>
-              <a:t>Fundamentos Teóricos</a:t>
-            </a:r>
-            <a:endParaRPr lang="pt-BR" dirty="0"/>
-          </a:p>
-        </p:txBody>
-      </p:sp>
-      <p:sp>
-        <p:nvSpPr>
-          <p:cNvPr id="3" name="Espaço Reservado para Conteúdo 2"/>
-          <p:cNvSpPr>
-            <a:spLocks noGrp="1"/>
-          </p:cNvSpPr>
-          <p:nvPr>
-            <p:ph idx="1"/>
-          </p:nvPr>
-        </p:nvSpPr>
-        <p:spPr/>
-        <p:txBody>
-          <a:bodyPr/>
-          <a:lstStyle/>
+              <a:t>:</a:t>
+            </a:r>
+          </a:p>
           <a:p>
             <a:endParaRPr lang="pt-BR" dirty="0" smtClean="0"/>
           </a:p>
           <a:p>
-            <a:r>
-              <a:rPr lang="pt-BR" sz="2800" dirty="0" smtClean="0"/>
-              <a:t>Descoberta de Conhecimento em Banco de Dados</a:t>
-            </a:r>
-          </a:p>
-          <a:p>
-            <a:pPr marL="0" indent="0">
-              <a:buNone/>
-            </a:pPr>
-            <a:endParaRPr lang="pt-BR" dirty="0" smtClean="0"/>
-          </a:p>
-          <a:p>
-            <a:pPr marL="0" indent="0">
-              <a:buNone/>
-            </a:pPr>
-            <a:r>
-              <a:rPr lang="pt-BR" dirty="0" smtClean="0"/>
-              <a:t>Segundo </a:t>
-            </a:r>
-            <a:r>
-              <a:rPr lang="pt-BR" dirty="0" err="1"/>
-              <a:t>Fayyad</a:t>
-            </a:r>
-            <a:r>
-              <a:rPr lang="pt-BR" dirty="0"/>
-              <a:t>, </a:t>
-            </a:r>
-            <a:r>
-              <a:rPr lang="pt-BR" dirty="0" err="1"/>
-              <a:t>Piatetsky</a:t>
-            </a:r>
-            <a:r>
-              <a:rPr lang="pt-BR" dirty="0"/>
-              <a:t>-Shapiro e </a:t>
-            </a:r>
-            <a:r>
-              <a:rPr lang="pt-BR" dirty="0" err="1"/>
-              <a:t>Smyth</a:t>
-            </a:r>
-            <a:r>
-              <a:rPr lang="pt-BR" dirty="0"/>
-              <a:t> (1996), o processo de Descoberta de </a:t>
-            </a:r>
-            <a:r>
-              <a:rPr lang="pt-BR" dirty="0" err="1"/>
-              <a:t>Conhencimento</a:t>
-            </a:r>
-            <a:r>
-              <a:rPr lang="pt-BR" dirty="0"/>
-              <a:t> em Banco de Dados pode ser dividido em alguns </a:t>
-            </a:r>
-            <a:r>
-              <a:rPr lang="pt-BR" dirty="0" smtClean="0"/>
-              <a:t>passos:</a:t>
-            </a:r>
-          </a:p>
-          <a:p>
-            <a:pPr marL="0" indent="0">
-              <a:buNone/>
-            </a:pPr>
-            <a:endParaRPr lang="pt-BR" dirty="0"/>
-          </a:p>
-          <a:p>
-            <a:pPr marL="457200" indent="-457200">
+            <a:pPr marL="457200" lvl="0" indent="-457200">
               <a:buFont typeface="+mj-lt"/>
               <a:buAutoNum type="arabicPeriod"/>
             </a:pPr>
             <a:r>
-              <a:rPr lang="pt-BR" dirty="0" smtClean="0"/>
-              <a:t>Seleção dos dados</a:t>
-            </a:r>
-          </a:p>
-          <a:p>
-            <a:pPr marL="457200" indent="-457200">
+              <a:rPr lang="pt-BR" dirty="0" err="1" smtClean="0"/>
+              <a:t>Fresh</a:t>
+            </a:r>
+            <a:r>
+              <a:rPr lang="pt-BR" dirty="0"/>
+              <a:t>: Gastos anuais com produtos frescos;</a:t>
+            </a:r>
+          </a:p>
+          <a:p>
+            <a:pPr marL="457200" lvl="0" indent="-457200">
               <a:buFont typeface="+mj-lt"/>
               <a:buAutoNum type="arabicPeriod"/>
             </a:pPr>
             <a:r>
-              <a:rPr lang="pt-BR" dirty="0" smtClean="0"/>
-              <a:t>Pré-Processamento e Limpeza (Escalonamento dos dados e detecção de desvios)</a:t>
-            </a:r>
-          </a:p>
-          <a:p>
-            <a:pPr marL="457200" indent="-457200">
+              <a:rPr lang="pt-BR" dirty="0" err="1"/>
+              <a:t>Milk</a:t>
+            </a:r>
+            <a:r>
+              <a:rPr lang="pt-BR" dirty="0"/>
+              <a:t>: Gastos anuais com produtos derivados de leite;</a:t>
+            </a:r>
+          </a:p>
+          <a:p>
+            <a:pPr marL="457200" lvl="0" indent="-457200">
               <a:buFont typeface="+mj-lt"/>
               <a:buAutoNum type="arabicPeriod"/>
             </a:pPr>
             <a:r>
+              <a:rPr lang="pt-BR" dirty="0" err="1"/>
+              <a:t>Grocery</a:t>
+            </a:r>
+            <a:r>
+              <a:rPr lang="pt-BR" dirty="0"/>
+              <a:t>: Gastos anuais com produtos comestíveis;</a:t>
+            </a:r>
+          </a:p>
+          <a:p>
+            <a:pPr marL="457200" lvl="0" indent="-457200">
+              <a:buFont typeface="+mj-lt"/>
+              <a:buAutoNum type="arabicPeriod"/>
+            </a:pPr>
+            <a:r>
+              <a:rPr lang="pt-BR" dirty="0" err="1"/>
+              <a:t>Frozen</a:t>
+            </a:r>
+            <a:r>
+              <a:rPr lang="pt-BR" dirty="0"/>
+              <a:t>: Gastos anuais com produtos congelados;</a:t>
+            </a:r>
+          </a:p>
+          <a:p>
+            <a:pPr marL="457200" lvl="0" indent="-457200">
+              <a:buFont typeface="+mj-lt"/>
+              <a:buAutoNum type="arabicPeriod"/>
+            </a:pPr>
+            <a:r>
+              <a:rPr lang="pt-BR" dirty="0" err="1"/>
+              <a:t>Detergents_paper</a:t>
+            </a:r>
+            <a:r>
+              <a:rPr lang="pt-BR" dirty="0"/>
+              <a:t>: Gastos anuais com produtos de limpeza;</a:t>
+            </a:r>
+          </a:p>
+          <a:p>
+            <a:pPr marL="457200" lvl="0" indent="-457200">
+              <a:buFont typeface="+mj-lt"/>
+              <a:buAutoNum type="arabicPeriod"/>
+            </a:pPr>
+            <a:r>
+              <a:rPr lang="pt-BR" dirty="0" err="1"/>
+              <a:t>Delicatessen</a:t>
+            </a:r>
+            <a:r>
+              <a:rPr lang="pt-BR" dirty="0"/>
+              <a:t>: Gastos anuais com especiarias</a:t>
+            </a:r>
+            <a:r>
               <a:rPr lang="pt-BR" dirty="0" smtClean="0"/>
-              <a:t>Aplicar o modelo de aprendizado</a:t>
-            </a:r>
-          </a:p>
-          <a:p>
-            <a:pPr marL="0" indent="0">
-              <a:buNone/>
-            </a:pPr>
+              <a:t>;</a:t>
+            </a:r>
             <a:endParaRPr lang="pt-BR" dirty="0"/>
           </a:p>
         </p:txBody>
@@ -6268,7 +5989,7 @@
     </p:spTree>
     <p:extLst>
       <p:ext uri="{BB962C8B-B14F-4D97-AF65-F5344CB8AC3E}">
-        <p14:creationId xmlns:p14="http://schemas.microsoft.com/office/powerpoint/2010/main" val="4045897268"/>
+        <p14:creationId xmlns:p14="http://schemas.microsoft.com/office/powerpoint/2010/main" val="336528855"/>
       </p:ext>
     </p:extLst>
   </p:cSld>
@@ -6314,7 +6035,7 @@
           <a:p>
             <a:r>
               <a:rPr lang="pt-BR" sz="4000" dirty="0" smtClean="0"/>
-              <a:t>Fundamentos Teóricos – Seleção dos Dados</a:t>
+              <a:t>Fundamentos Teóricos – Pré-Processamento e Limpeza </a:t>
             </a:r>
             <a:endParaRPr lang="pt-BR" sz="4000" dirty="0"/>
           </a:p>
@@ -6330,120 +6051,92 @@
             <p:ph idx="1"/>
           </p:nvPr>
         </p:nvSpPr>
-        <p:spPr/>
-        <p:txBody>
-          <a:bodyPr>
-            <a:normAutofit/>
-          </a:bodyPr>
-          <a:lstStyle/>
-          <a:p>
-            <a:r>
-              <a:rPr lang="pt-BR" dirty="0"/>
-              <a:t>Os dados correspondem aos gastos anuais dos clientes de um distribuidor de produtos para atacados. As informações disponíveis são</a:t>
-            </a:r>
+        <p:spPr>
+          <a:xfrm>
+            <a:off x="1097280" y="1845734"/>
+            <a:ext cx="5748363" cy="4023360"/>
+          </a:xfrm>
+        </p:spPr>
+        <p:txBody>
+          <a:bodyPr/>
+          <a:lstStyle/>
+          <a:p>
+            <a:endParaRPr lang="pt-BR" dirty="0" smtClean="0"/>
+          </a:p>
+          <a:p>
+            <a:r>
+              <a:rPr lang="pt-BR" sz="2800" dirty="0" smtClean="0"/>
+              <a:t>Escalonamento dos dados – Logaritmo Natural</a:t>
+            </a:r>
+          </a:p>
+          <a:p>
+            <a:endParaRPr lang="pt-BR" dirty="0" smtClean="0"/>
+          </a:p>
+          <a:p>
+            <a:pPr lvl="1"/>
             <a:r>
               <a:rPr lang="pt-BR" dirty="0" smtClean="0"/>
-              <a:t>:</a:t>
-            </a:r>
-          </a:p>
-          <a:p>
-            <a:endParaRPr lang="pt-BR" dirty="0" smtClean="0"/>
-          </a:p>
-          <a:p>
-            <a:pPr marL="457200" lvl="0" indent="-457200">
-              <a:buFont typeface="+mj-lt"/>
-              <a:buAutoNum type="arabicPeriod"/>
-            </a:pPr>
+              <a:t>K-</a:t>
+            </a:r>
             <a:r>
               <a:rPr lang="pt-BR" dirty="0" err="1" smtClean="0"/>
-              <a:t>Fresh</a:t>
-            </a:r>
-            <a:r>
-              <a:rPr lang="pt-BR" dirty="0"/>
-              <a:t>: Gastos anuais com produtos frescos;</a:t>
-            </a:r>
-          </a:p>
-          <a:p>
-            <a:pPr marL="457200" lvl="0" indent="-457200">
-              <a:buFont typeface="+mj-lt"/>
-              <a:buAutoNum type="arabicPeriod"/>
-            </a:pPr>
-            <a:r>
-              <a:rPr lang="pt-BR" dirty="0" err="1"/>
-              <a:t>Milk</a:t>
-            </a:r>
-            <a:r>
-              <a:rPr lang="pt-BR" dirty="0"/>
-              <a:t>: Gastos anuais com produtos derivados de leite;</a:t>
-            </a:r>
-          </a:p>
-          <a:p>
-            <a:pPr marL="457200" lvl="0" indent="-457200">
-              <a:buFont typeface="+mj-lt"/>
-              <a:buAutoNum type="arabicPeriod"/>
-            </a:pPr>
-            <a:r>
-              <a:rPr lang="pt-BR" dirty="0" err="1"/>
-              <a:t>Grocery</a:t>
-            </a:r>
-            <a:r>
-              <a:rPr lang="pt-BR" dirty="0"/>
-              <a:t>: Gastos anuais com produtos comestíveis;</a:t>
-            </a:r>
-          </a:p>
-          <a:p>
-            <a:pPr marL="457200" lvl="0" indent="-457200">
-              <a:buFont typeface="+mj-lt"/>
-              <a:buAutoNum type="arabicPeriod"/>
-            </a:pPr>
-            <a:r>
-              <a:rPr lang="pt-BR" dirty="0" err="1"/>
-              <a:t>Frozen</a:t>
-            </a:r>
-            <a:r>
-              <a:rPr lang="pt-BR" dirty="0"/>
-              <a:t>: Gastos anuais com produtos congelados;</a:t>
-            </a:r>
-          </a:p>
-          <a:p>
-            <a:pPr marL="457200" lvl="0" indent="-457200">
-              <a:buFont typeface="+mj-lt"/>
-              <a:buAutoNum type="arabicPeriod"/>
-            </a:pPr>
-            <a:r>
-              <a:rPr lang="pt-BR" dirty="0" err="1"/>
-              <a:t>Detergents_paper</a:t>
-            </a:r>
-            <a:r>
-              <a:rPr lang="pt-BR" dirty="0"/>
-              <a:t>: Gastos anuais com produtos de limpeza;</a:t>
-            </a:r>
-          </a:p>
-          <a:p>
-            <a:pPr marL="457200" lvl="0" indent="-457200">
-              <a:buFont typeface="+mj-lt"/>
-              <a:buAutoNum type="arabicPeriod"/>
-            </a:pPr>
-            <a:r>
-              <a:rPr lang="pt-BR" dirty="0" err="1"/>
-              <a:t>Delicatessen</a:t>
-            </a:r>
-            <a:r>
-              <a:rPr lang="pt-BR" dirty="0"/>
-              <a:t>: Gastos anuais com especiarias</a:t>
+              <a:t>means</a:t>
             </a:r>
             <a:r>
               <a:rPr lang="pt-BR" dirty="0" smtClean="0"/>
-              <a:t>;</a:t>
+              <a:t> utiliza distância euclidiana;</a:t>
             </a:r>
             <a:endParaRPr lang="pt-BR" dirty="0"/>
           </a:p>
-        </p:txBody>
-      </p:sp>
+          <a:p>
+            <a:pPr lvl="1"/>
+            <a:r>
+              <a:rPr lang="pt-BR" dirty="0" smtClean="0"/>
+              <a:t>Dados na mesma escala;</a:t>
+            </a:r>
+          </a:p>
+          <a:p>
+            <a:pPr lvl="1"/>
+            <a:r>
+              <a:rPr lang="pt-BR" dirty="0" smtClean="0"/>
+              <a:t>Facilita a interpretação;</a:t>
+            </a:r>
+          </a:p>
+          <a:p>
+            <a:pPr lvl="1"/>
+            <a:r>
+              <a:rPr lang="pt-BR" dirty="0" smtClean="0"/>
+              <a:t>Agilidade no modelo;</a:t>
+            </a:r>
+          </a:p>
+        </p:txBody>
+      </p:sp>
+      <p:pic>
+        <p:nvPicPr>
+          <p:cNvPr id="4" name="Imagem 3"/>
+          <p:cNvPicPr/>
+          <p:nvPr/>
+        </p:nvPicPr>
+        <p:blipFill>
+          <a:blip r:embed="rId2"/>
+          <a:stretch>
+            <a:fillRect/>
+          </a:stretch>
+        </p:blipFill>
+        <p:spPr>
+          <a:xfrm>
+            <a:off x="7036435" y="2386436"/>
+            <a:ext cx="4119245" cy="2941955"/>
+          </a:xfrm>
+          <a:prstGeom prst="rect">
+            <a:avLst/>
+          </a:prstGeom>
+        </p:spPr>
+      </p:pic>
     </p:spTree>
     <p:extLst>
       <p:ext uri="{BB962C8B-B14F-4D97-AF65-F5344CB8AC3E}">
-        <p14:creationId xmlns:p14="http://schemas.microsoft.com/office/powerpoint/2010/main" val="336528855"/>
+        <p14:creationId xmlns:p14="http://schemas.microsoft.com/office/powerpoint/2010/main" val="1190399798"/>
       </p:ext>
     </p:extLst>
   </p:cSld>

--- a/presentation/Análise de agrupamento de perfis de clientes de.pptx
+++ b/presentation/Análise de agrupamento de perfis de clientes de.pptx
@@ -4063,11 +4063,7 @@
           <a:p>
             <a:r>
               <a:rPr lang="pt-BR" sz="2800" dirty="0" smtClean="0"/>
-              <a:t>Detecção </a:t>
-            </a:r>
-            <a:r>
-              <a:rPr lang="pt-BR" sz="2800" dirty="0" smtClean="0"/>
-              <a:t>de Desvios</a:t>
+              <a:t>Detecção de Desvios</a:t>
             </a:r>
           </a:p>
           <a:p>
@@ -4711,7 +4707,7 @@
           <a:p>
             <a:r>
               <a:rPr lang="pt-BR" dirty="0" smtClean="0"/>
-              <a:t>Resultado Obtido</a:t>
+              <a:t>Segmentação dos clientes do atacado</a:t>
             </a:r>
             <a:endParaRPr lang="pt-BR" dirty="0"/>
           </a:p>
@@ -4735,8 +4731,8 @@
         </p:blipFill>
         <p:spPr>
           <a:xfrm>
-            <a:off x="3311610" y="1915743"/>
-            <a:ext cx="4919468" cy="3107724"/>
+            <a:off x="1207012" y="1856749"/>
+            <a:ext cx="6265504" cy="4219585"/>
           </a:xfrm>
           <a:prstGeom prst="rect">
             <a:avLst/>
@@ -4745,7 +4741,7 @@
       </p:pic>
       <p:pic>
         <p:nvPicPr>
-          <p:cNvPr id="9" name="Imagem 8"/>
+          <p:cNvPr id="3" name="Imagem 2"/>
           <p:cNvPicPr>
             <a:picLocks noChangeAspect="1"/>
           </p:cNvPicPr>
@@ -4759,8 +4755,8 @@
         </p:blipFill>
         <p:spPr>
           <a:xfrm>
-            <a:off x="2762924" y="5201850"/>
-            <a:ext cx="6016839" cy="787400"/>
+            <a:off x="7650504" y="3064841"/>
+            <a:ext cx="3262294" cy="1803400"/>
           </a:xfrm>
           <a:prstGeom prst="rect">
             <a:avLst/>
